--- a/Lectures/Lecture-1-1.pptx
+++ b/Lectures/Lecture-1-1.pptx
@@ -1,6 +1,6 @@
 
 <file path=ppt/presentation.xml><?xml version="1.0" encoding="utf-8"?>
-<p:presentation xmlns:a="http://schemas.openxmlformats.org/drawingml/2006/main" xmlns:r="http://schemas.openxmlformats.org/officeDocument/2006/relationships" xmlns:p="http://schemas.openxmlformats.org/presentationml/2006/main">
+<p:presentation xmlns:a="http://schemas.openxmlformats.org/drawingml/2006/main" xmlns:r="http://schemas.openxmlformats.org/officeDocument/2006/relationships" xmlns:p="http://schemas.openxmlformats.org/presentationml/2006/main" xmlns:m="http://schemas.openxmlformats.org/officeDocument/2006/math" xmlns:a14="http://schemas.microsoft.com/office/drawing/2010/main">
   <p:sldMasterIdLst>
     <p:sldMasterId id="2147483648" r:id="rId5"/>
   </p:sldMasterIdLst>
@@ -19,8 +19,10 @@
     <p:sldId id="264" r:id="rId16"/>
     <p:sldId id="265" r:id="rId17"/>
     <p:sldId id="266" r:id="rId18"/>
+    <p:sldId id="267" r:id="rId19"/>
+    <p:sldId id="268" r:id="rId20"/>
   </p:sldIdLst>
-  <p:sldSz cx="10071100" cy="7556500"/>
+  <p:sldSz cx="13004800" cy="9753600"/>
   <p:notesSz cx="6858000" cy="9144000"/>
   <p:defaultTextStyle>
     <a:defPPr marL="0" marR="0" indent="0" algn="l" defTabSz="914400" rtl="0" fontAlgn="auto" latinLnBrk="1" hangingPunct="0">
@@ -49,12 +51,12 @@
         <a:uFillTx/>
       </a:defRPr>
     </a:defPPr>
-    <a:lvl1pPr marL="0" marR="0" indent="0" algn="l" defTabSz="914400" rtl="0" fontAlgn="auto" latinLnBrk="0" hangingPunct="0">
+    <a:lvl1pPr marL="0" marR="0" indent="0" algn="ctr" defTabSz="584200" rtl="0" fontAlgn="auto" latinLnBrk="0" hangingPunct="0">
       <a:lnSpc>
         <a:spcPct val="100000"/>
       </a:lnSpc>
       <a:spcBef>
-        <a:spcPts val="0"/>
+        <a:spcPts val="1800"/>
       </a:spcBef>
       <a:spcAft>
         <a:spcPts val="0"/>
@@ -64,27 +66,27 @@
       <a:buFontTx/>
       <a:buNone/>
       <a:tabLst/>
-      <a:defRPr b="0" baseline="0" cap="none" i="0" spc="0" strike="noStrike" sz="1800" u="none" kumimoji="0" normalizeH="0">
+      <a:defRPr b="0" baseline="0" cap="none" i="0" spc="-125" strike="noStrike" sz="4000" u="none" kumimoji="0" normalizeH="0">
         <a:ln>
           <a:noFill/>
         </a:ln>
         <a:solidFill>
-          <a:srgbClr val="000000"/>
+          <a:srgbClr val="FFFFFF"/>
         </a:solidFill>
         <a:effectLst/>
         <a:uFillTx/>
-        <a:latin typeface="Arial"/>
-        <a:ea typeface="Arial"/>
-        <a:cs typeface="Arial"/>
-        <a:sym typeface="Arial"/>
+        <a:latin typeface="+mn-lt"/>
+        <a:ea typeface="+mn-ea"/>
+        <a:cs typeface="+mn-cs"/>
+        <a:sym typeface="Helvetica Light"/>
       </a:defRPr>
     </a:lvl1pPr>
-    <a:lvl2pPr marL="0" marR="0" indent="0" algn="l" defTabSz="914400" rtl="0" fontAlgn="auto" latinLnBrk="0" hangingPunct="0">
+    <a:lvl2pPr marL="0" marR="0" indent="0" algn="ctr" defTabSz="584200" rtl="0" fontAlgn="auto" latinLnBrk="0" hangingPunct="0">
       <a:lnSpc>
         <a:spcPct val="100000"/>
       </a:lnSpc>
       <a:spcBef>
-        <a:spcPts val="0"/>
+        <a:spcPts val="1800"/>
       </a:spcBef>
       <a:spcAft>
         <a:spcPts val="0"/>
@@ -94,27 +96,27 @@
       <a:buFontTx/>
       <a:buNone/>
       <a:tabLst/>
-      <a:defRPr b="0" baseline="0" cap="none" i="0" spc="0" strike="noStrike" sz="1800" u="none" kumimoji="0" normalizeH="0">
+      <a:defRPr b="0" baseline="0" cap="none" i="0" spc="-125" strike="noStrike" sz="4000" u="none" kumimoji="0" normalizeH="0">
         <a:ln>
           <a:noFill/>
         </a:ln>
         <a:solidFill>
-          <a:srgbClr val="000000"/>
+          <a:srgbClr val="FFFFFF"/>
         </a:solidFill>
         <a:effectLst/>
         <a:uFillTx/>
-        <a:latin typeface="Arial"/>
-        <a:ea typeface="Arial"/>
-        <a:cs typeface="Arial"/>
-        <a:sym typeface="Arial"/>
+        <a:latin typeface="+mn-lt"/>
+        <a:ea typeface="+mn-ea"/>
+        <a:cs typeface="+mn-cs"/>
+        <a:sym typeface="Helvetica Light"/>
       </a:defRPr>
     </a:lvl2pPr>
-    <a:lvl3pPr marL="0" marR="0" indent="0" algn="l" defTabSz="914400" rtl="0" fontAlgn="auto" latinLnBrk="0" hangingPunct="0">
+    <a:lvl3pPr marL="0" marR="0" indent="0" algn="ctr" defTabSz="584200" rtl="0" fontAlgn="auto" latinLnBrk="0" hangingPunct="0">
       <a:lnSpc>
         <a:spcPct val="100000"/>
       </a:lnSpc>
       <a:spcBef>
-        <a:spcPts val="0"/>
+        <a:spcPts val="1800"/>
       </a:spcBef>
       <a:spcAft>
         <a:spcPts val="0"/>
@@ -124,27 +126,27 @@
       <a:buFontTx/>
       <a:buNone/>
       <a:tabLst/>
-      <a:defRPr b="0" baseline="0" cap="none" i="0" spc="0" strike="noStrike" sz="1800" u="none" kumimoji="0" normalizeH="0">
+      <a:defRPr b="0" baseline="0" cap="none" i="0" spc="-125" strike="noStrike" sz="4000" u="none" kumimoji="0" normalizeH="0">
         <a:ln>
           <a:noFill/>
         </a:ln>
         <a:solidFill>
-          <a:srgbClr val="000000"/>
+          <a:srgbClr val="FFFFFF"/>
         </a:solidFill>
         <a:effectLst/>
         <a:uFillTx/>
-        <a:latin typeface="Arial"/>
-        <a:ea typeface="Arial"/>
-        <a:cs typeface="Arial"/>
-        <a:sym typeface="Arial"/>
+        <a:latin typeface="+mn-lt"/>
+        <a:ea typeface="+mn-ea"/>
+        <a:cs typeface="+mn-cs"/>
+        <a:sym typeface="Helvetica Light"/>
       </a:defRPr>
     </a:lvl3pPr>
-    <a:lvl4pPr marL="0" marR="0" indent="0" algn="l" defTabSz="914400" rtl="0" fontAlgn="auto" latinLnBrk="0" hangingPunct="0">
+    <a:lvl4pPr marL="0" marR="0" indent="0" algn="ctr" defTabSz="584200" rtl="0" fontAlgn="auto" latinLnBrk="0" hangingPunct="0">
       <a:lnSpc>
         <a:spcPct val="100000"/>
       </a:lnSpc>
       <a:spcBef>
-        <a:spcPts val="0"/>
+        <a:spcPts val="1800"/>
       </a:spcBef>
       <a:spcAft>
         <a:spcPts val="0"/>
@@ -154,27 +156,27 @@
       <a:buFontTx/>
       <a:buNone/>
       <a:tabLst/>
-      <a:defRPr b="0" baseline="0" cap="none" i="0" spc="0" strike="noStrike" sz="1800" u="none" kumimoji="0" normalizeH="0">
+      <a:defRPr b="0" baseline="0" cap="none" i="0" spc="-125" strike="noStrike" sz="4000" u="none" kumimoji="0" normalizeH="0">
         <a:ln>
           <a:noFill/>
         </a:ln>
         <a:solidFill>
-          <a:srgbClr val="000000"/>
+          <a:srgbClr val="FFFFFF"/>
         </a:solidFill>
         <a:effectLst/>
         <a:uFillTx/>
-        <a:latin typeface="Arial"/>
-        <a:ea typeface="Arial"/>
-        <a:cs typeface="Arial"/>
-        <a:sym typeface="Arial"/>
+        <a:latin typeface="+mn-lt"/>
+        <a:ea typeface="+mn-ea"/>
+        <a:cs typeface="+mn-cs"/>
+        <a:sym typeface="Helvetica Light"/>
       </a:defRPr>
     </a:lvl4pPr>
-    <a:lvl5pPr marL="0" marR="0" indent="0" algn="l" defTabSz="914400" rtl="0" fontAlgn="auto" latinLnBrk="0" hangingPunct="0">
+    <a:lvl5pPr marL="0" marR="0" indent="0" algn="ctr" defTabSz="584200" rtl="0" fontAlgn="auto" latinLnBrk="0" hangingPunct="0">
       <a:lnSpc>
         <a:spcPct val="100000"/>
       </a:lnSpc>
       <a:spcBef>
-        <a:spcPts val="0"/>
+        <a:spcPts val="1800"/>
       </a:spcBef>
       <a:spcAft>
         <a:spcPts val="0"/>
@@ -184,27 +186,27 @@
       <a:buFontTx/>
       <a:buNone/>
       <a:tabLst/>
-      <a:defRPr b="0" baseline="0" cap="none" i="0" spc="0" strike="noStrike" sz="1800" u="none" kumimoji="0" normalizeH="0">
+      <a:defRPr b="0" baseline="0" cap="none" i="0" spc="-125" strike="noStrike" sz="4000" u="none" kumimoji="0" normalizeH="0">
         <a:ln>
           <a:noFill/>
         </a:ln>
         <a:solidFill>
-          <a:srgbClr val="000000"/>
+          <a:srgbClr val="FFFFFF"/>
         </a:solidFill>
         <a:effectLst/>
         <a:uFillTx/>
-        <a:latin typeface="Arial"/>
-        <a:ea typeface="Arial"/>
-        <a:cs typeface="Arial"/>
-        <a:sym typeface="Arial"/>
+        <a:latin typeface="+mn-lt"/>
+        <a:ea typeface="+mn-ea"/>
+        <a:cs typeface="+mn-cs"/>
+        <a:sym typeface="Helvetica Light"/>
       </a:defRPr>
     </a:lvl5pPr>
-    <a:lvl6pPr marL="0" marR="0" indent="0" algn="l" defTabSz="914400" rtl="0" fontAlgn="auto" latinLnBrk="0" hangingPunct="0">
+    <a:lvl6pPr marL="0" marR="0" indent="0" algn="ctr" defTabSz="584200" rtl="0" fontAlgn="auto" latinLnBrk="0" hangingPunct="0">
       <a:lnSpc>
         <a:spcPct val="100000"/>
       </a:lnSpc>
       <a:spcBef>
-        <a:spcPts val="0"/>
+        <a:spcPts val="1800"/>
       </a:spcBef>
       <a:spcAft>
         <a:spcPts val="0"/>
@@ -214,27 +216,27 @@
       <a:buFontTx/>
       <a:buNone/>
       <a:tabLst/>
-      <a:defRPr b="0" baseline="0" cap="none" i="0" spc="0" strike="noStrike" sz="1800" u="none" kumimoji="0" normalizeH="0">
+      <a:defRPr b="0" baseline="0" cap="none" i="0" spc="-125" strike="noStrike" sz="4000" u="none" kumimoji="0" normalizeH="0">
         <a:ln>
           <a:noFill/>
         </a:ln>
         <a:solidFill>
-          <a:srgbClr val="000000"/>
+          <a:srgbClr val="FFFFFF"/>
         </a:solidFill>
         <a:effectLst/>
         <a:uFillTx/>
-        <a:latin typeface="Arial"/>
-        <a:ea typeface="Arial"/>
-        <a:cs typeface="Arial"/>
-        <a:sym typeface="Arial"/>
+        <a:latin typeface="+mn-lt"/>
+        <a:ea typeface="+mn-ea"/>
+        <a:cs typeface="+mn-cs"/>
+        <a:sym typeface="Helvetica Light"/>
       </a:defRPr>
     </a:lvl6pPr>
-    <a:lvl7pPr marL="0" marR="0" indent="0" algn="l" defTabSz="914400" rtl="0" fontAlgn="auto" latinLnBrk="0" hangingPunct="0">
+    <a:lvl7pPr marL="0" marR="0" indent="0" algn="ctr" defTabSz="584200" rtl="0" fontAlgn="auto" latinLnBrk="0" hangingPunct="0">
       <a:lnSpc>
         <a:spcPct val="100000"/>
       </a:lnSpc>
       <a:spcBef>
-        <a:spcPts val="0"/>
+        <a:spcPts val="1800"/>
       </a:spcBef>
       <a:spcAft>
         <a:spcPts val="0"/>
@@ -244,27 +246,27 @@
       <a:buFontTx/>
       <a:buNone/>
       <a:tabLst/>
-      <a:defRPr b="0" baseline="0" cap="none" i="0" spc="0" strike="noStrike" sz="1800" u="none" kumimoji="0" normalizeH="0">
+      <a:defRPr b="0" baseline="0" cap="none" i="0" spc="-125" strike="noStrike" sz="4000" u="none" kumimoji="0" normalizeH="0">
         <a:ln>
           <a:noFill/>
         </a:ln>
         <a:solidFill>
-          <a:srgbClr val="000000"/>
+          <a:srgbClr val="FFFFFF"/>
         </a:solidFill>
         <a:effectLst/>
         <a:uFillTx/>
-        <a:latin typeface="Arial"/>
-        <a:ea typeface="Arial"/>
-        <a:cs typeface="Arial"/>
-        <a:sym typeface="Arial"/>
+        <a:latin typeface="+mn-lt"/>
+        <a:ea typeface="+mn-ea"/>
+        <a:cs typeface="+mn-cs"/>
+        <a:sym typeface="Helvetica Light"/>
       </a:defRPr>
     </a:lvl7pPr>
-    <a:lvl8pPr marL="0" marR="0" indent="0" algn="l" defTabSz="914400" rtl="0" fontAlgn="auto" latinLnBrk="0" hangingPunct="0">
+    <a:lvl8pPr marL="0" marR="0" indent="0" algn="ctr" defTabSz="584200" rtl="0" fontAlgn="auto" latinLnBrk="0" hangingPunct="0">
       <a:lnSpc>
         <a:spcPct val="100000"/>
       </a:lnSpc>
       <a:spcBef>
-        <a:spcPts val="0"/>
+        <a:spcPts val="1800"/>
       </a:spcBef>
       <a:spcAft>
         <a:spcPts val="0"/>
@@ -274,27 +276,27 @@
       <a:buFontTx/>
       <a:buNone/>
       <a:tabLst/>
-      <a:defRPr b="0" baseline="0" cap="none" i="0" spc="0" strike="noStrike" sz="1800" u="none" kumimoji="0" normalizeH="0">
+      <a:defRPr b="0" baseline="0" cap="none" i="0" spc="-125" strike="noStrike" sz="4000" u="none" kumimoji="0" normalizeH="0">
         <a:ln>
           <a:noFill/>
         </a:ln>
         <a:solidFill>
-          <a:srgbClr val="000000"/>
+          <a:srgbClr val="FFFFFF"/>
         </a:solidFill>
         <a:effectLst/>
         <a:uFillTx/>
-        <a:latin typeface="Arial"/>
-        <a:ea typeface="Arial"/>
-        <a:cs typeface="Arial"/>
-        <a:sym typeface="Arial"/>
+        <a:latin typeface="+mn-lt"/>
+        <a:ea typeface="+mn-ea"/>
+        <a:cs typeface="+mn-cs"/>
+        <a:sym typeface="Helvetica Light"/>
       </a:defRPr>
     </a:lvl8pPr>
-    <a:lvl9pPr marL="0" marR="0" indent="0" algn="l" defTabSz="914400" rtl="0" fontAlgn="auto" latinLnBrk="0" hangingPunct="0">
+    <a:lvl9pPr marL="0" marR="0" indent="0" algn="ctr" defTabSz="584200" rtl="0" fontAlgn="auto" latinLnBrk="0" hangingPunct="0">
       <a:lnSpc>
         <a:spcPct val="100000"/>
       </a:lnSpc>
       <a:spcBef>
-        <a:spcPts val="0"/>
+        <a:spcPts val="1800"/>
       </a:spcBef>
       <a:spcAft>
         <a:spcPts val="0"/>
@@ -304,19 +306,19 @@
       <a:buFontTx/>
       <a:buNone/>
       <a:tabLst/>
-      <a:defRPr b="0" baseline="0" cap="none" i="0" spc="0" strike="noStrike" sz="1800" u="none" kumimoji="0" normalizeH="0">
+      <a:defRPr b="0" baseline="0" cap="none" i="0" spc="-125" strike="noStrike" sz="4000" u="none" kumimoji="0" normalizeH="0">
         <a:ln>
           <a:noFill/>
         </a:ln>
         <a:solidFill>
-          <a:srgbClr val="000000"/>
+          <a:srgbClr val="FFFFFF"/>
         </a:solidFill>
         <a:effectLst/>
         <a:uFillTx/>
-        <a:latin typeface="Arial"/>
-        <a:ea typeface="Arial"/>
-        <a:cs typeface="Arial"/>
-        <a:sym typeface="Arial"/>
+        <a:latin typeface="+mn-lt"/>
+        <a:ea typeface="+mn-ea"/>
+        <a:cs typeface="+mn-cs"/>
+        <a:sym typeface="Helvetica Light"/>
       </a:defRPr>
     </a:lvl9pPr>
   </p:defaultTextStyle>
@@ -324,11 +326,11 @@
 </file>
 
 <file path=ppt/commentAuthors.xml><?xml version="1.0" encoding="utf-8"?>
-<p:cmAuthorLst xmlns:a="http://schemas.openxmlformats.org/drawingml/2006/main" xmlns:r="http://schemas.openxmlformats.org/officeDocument/2006/relationships" xmlns:p="http://schemas.openxmlformats.org/presentationml/2006/main"/>
+<p:cmAuthorLst xmlns:a="http://schemas.openxmlformats.org/drawingml/2006/main" xmlns:r="http://schemas.openxmlformats.org/officeDocument/2006/relationships" xmlns:p="http://schemas.openxmlformats.org/presentationml/2006/main" xmlns:m="http://schemas.openxmlformats.org/officeDocument/2006/math" xmlns:a14="http://schemas.microsoft.com/office/drawing/2010/main"/>
 </file>
 
 <file path=ppt/notesMasters/notesMaster1.xml><?xml version="1.0" encoding="utf-8"?>
-<p:notesMaster xmlns:a="http://schemas.openxmlformats.org/drawingml/2006/main" xmlns:r="http://schemas.openxmlformats.org/officeDocument/2006/relationships" xmlns:p="http://schemas.openxmlformats.org/presentationml/2006/main">
+<p:notesMaster xmlns:a="http://schemas.openxmlformats.org/drawingml/2006/main" xmlns:r="http://schemas.openxmlformats.org/officeDocument/2006/relationships" xmlns:p="http://schemas.openxmlformats.org/presentationml/2006/main" xmlns:m="http://schemas.openxmlformats.org/officeDocument/2006/math" xmlns:a14="http://schemas.microsoft.com/office/drawing/2010/main">
   <p:cSld>
     <p:spTree>
       <p:nvGrpSpPr>
@@ -346,7 +348,7 @@
       </p:grpSpPr>
       <p:sp>
         <p:nvSpPr>
-          <p:cNvPr id="130" name="Shape 130"/>
+          <p:cNvPr id="116" name="Shape 116"/>
           <p:cNvSpPr/>
           <p:nvPr>
             <p:ph type="sldImg"/>
@@ -371,7 +373,7 @@
       </p:sp>
       <p:sp>
         <p:nvSpPr>
-          <p:cNvPr id="131" name="Shape 131"/>
+          <p:cNvPr id="117" name="Shape 117"/>
           <p:cNvSpPr/>
           <p:nvPr>
             <p:ph type="body" sz="quarter" idx="1"/>
@@ -398,75 +400,102 @@
   </p:cSld>
   <p:clrMap bg1="lt1" tx1="dk1" bg2="lt2" tx2="dk2" accent1="accent1" accent2="accent2" accent3="accent3" accent4="accent4" accent5="accent5" accent6="accent6" hlink="hlink" folHlink="folHlink"/>
   <p:notesStyle>
-    <a:lvl1pPr latinLnBrk="0">
-      <a:defRPr sz="1200">
-        <a:latin typeface="+mj-lt"/>
-        <a:ea typeface="+mj-ea"/>
-        <a:cs typeface="+mj-cs"/>
+    <a:lvl1pPr defTabSz="457200" latinLnBrk="0">
+      <a:lnSpc>
+        <a:spcPct val="117999"/>
+      </a:lnSpc>
+      <a:defRPr sz="2200">
+        <a:latin typeface="Helvetica Neue"/>
+        <a:ea typeface="Helvetica Neue"/>
+        <a:cs typeface="Helvetica Neue"/>
         <a:sym typeface="Helvetica Neue"/>
       </a:defRPr>
     </a:lvl1pPr>
-    <a:lvl2pPr indent="228600" latinLnBrk="0">
-      <a:defRPr sz="1200">
-        <a:latin typeface="+mj-lt"/>
-        <a:ea typeface="+mj-ea"/>
-        <a:cs typeface="+mj-cs"/>
+    <a:lvl2pPr indent="228600" defTabSz="457200" latinLnBrk="0">
+      <a:lnSpc>
+        <a:spcPct val="117999"/>
+      </a:lnSpc>
+      <a:defRPr sz="2200">
+        <a:latin typeface="Helvetica Neue"/>
+        <a:ea typeface="Helvetica Neue"/>
+        <a:cs typeface="Helvetica Neue"/>
         <a:sym typeface="Helvetica Neue"/>
       </a:defRPr>
     </a:lvl2pPr>
-    <a:lvl3pPr indent="457200" latinLnBrk="0">
-      <a:defRPr sz="1200">
-        <a:latin typeface="+mj-lt"/>
-        <a:ea typeface="+mj-ea"/>
-        <a:cs typeface="+mj-cs"/>
+    <a:lvl3pPr indent="457200" defTabSz="457200" latinLnBrk="0">
+      <a:lnSpc>
+        <a:spcPct val="117999"/>
+      </a:lnSpc>
+      <a:defRPr sz="2200">
+        <a:latin typeface="Helvetica Neue"/>
+        <a:ea typeface="Helvetica Neue"/>
+        <a:cs typeface="Helvetica Neue"/>
         <a:sym typeface="Helvetica Neue"/>
       </a:defRPr>
     </a:lvl3pPr>
-    <a:lvl4pPr indent="685800" latinLnBrk="0">
-      <a:defRPr sz="1200">
-        <a:latin typeface="+mj-lt"/>
-        <a:ea typeface="+mj-ea"/>
-        <a:cs typeface="+mj-cs"/>
+    <a:lvl4pPr indent="685800" defTabSz="457200" latinLnBrk="0">
+      <a:lnSpc>
+        <a:spcPct val="117999"/>
+      </a:lnSpc>
+      <a:defRPr sz="2200">
+        <a:latin typeface="Helvetica Neue"/>
+        <a:ea typeface="Helvetica Neue"/>
+        <a:cs typeface="Helvetica Neue"/>
         <a:sym typeface="Helvetica Neue"/>
       </a:defRPr>
     </a:lvl4pPr>
-    <a:lvl5pPr indent="914400" latinLnBrk="0">
-      <a:defRPr sz="1200">
-        <a:latin typeface="+mj-lt"/>
-        <a:ea typeface="+mj-ea"/>
-        <a:cs typeface="+mj-cs"/>
+    <a:lvl5pPr indent="914400" defTabSz="457200" latinLnBrk="0">
+      <a:lnSpc>
+        <a:spcPct val="117999"/>
+      </a:lnSpc>
+      <a:defRPr sz="2200">
+        <a:latin typeface="Helvetica Neue"/>
+        <a:ea typeface="Helvetica Neue"/>
+        <a:cs typeface="Helvetica Neue"/>
         <a:sym typeface="Helvetica Neue"/>
       </a:defRPr>
     </a:lvl5pPr>
-    <a:lvl6pPr indent="1143000" latinLnBrk="0">
-      <a:defRPr sz="1200">
-        <a:latin typeface="+mj-lt"/>
-        <a:ea typeface="+mj-ea"/>
-        <a:cs typeface="+mj-cs"/>
+    <a:lvl6pPr indent="1143000" defTabSz="457200" latinLnBrk="0">
+      <a:lnSpc>
+        <a:spcPct val="117999"/>
+      </a:lnSpc>
+      <a:defRPr sz="2200">
+        <a:latin typeface="Helvetica Neue"/>
+        <a:ea typeface="Helvetica Neue"/>
+        <a:cs typeface="Helvetica Neue"/>
         <a:sym typeface="Helvetica Neue"/>
       </a:defRPr>
     </a:lvl6pPr>
-    <a:lvl7pPr indent="1371600" latinLnBrk="0">
-      <a:defRPr sz="1200">
-        <a:latin typeface="+mj-lt"/>
-        <a:ea typeface="+mj-ea"/>
-        <a:cs typeface="+mj-cs"/>
+    <a:lvl7pPr indent="1371600" defTabSz="457200" latinLnBrk="0">
+      <a:lnSpc>
+        <a:spcPct val="117999"/>
+      </a:lnSpc>
+      <a:defRPr sz="2200">
+        <a:latin typeface="Helvetica Neue"/>
+        <a:ea typeface="Helvetica Neue"/>
+        <a:cs typeface="Helvetica Neue"/>
         <a:sym typeface="Helvetica Neue"/>
       </a:defRPr>
     </a:lvl7pPr>
-    <a:lvl8pPr indent="1600200" latinLnBrk="0">
-      <a:defRPr sz="1200">
-        <a:latin typeface="+mj-lt"/>
-        <a:ea typeface="+mj-ea"/>
-        <a:cs typeface="+mj-cs"/>
+    <a:lvl8pPr indent="1600200" defTabSz="457200" latinLnBrk="0">
+      <a:lnSpc>
+        <a:spcPct val="117999"/>
+      </a:lnSpc>
+      <a:defRPr sz="2200">
+        <a:latin typeface="Helvetica Neue"/>
+        <a:ea typeface="Helvetica Neue"/>
+        <a:cs typeface="Helvetica Neue"/>
         <a:sym typeface="Helvetica Neue"/>
       </a:defRPr>
     </a:lvl8pPr>
-    <a:lvl9pPr indent="1828800" latinLnBrk="0">
-      <a:defRPr sz="1200">
-        <a:latin typeface="+mj-lt"/>
-        <a:ea typeface="+mj-ea"/>
-        <a:cs typeface="+mj-cs"/>
+    <a:lvl9pPr indent="1828800" defTabSz="457200" latinLnBrk="0">
+      <a:lnSpc>
+        <a:spcPct val="117999"/>
+      </a:lnSpc>
+      <a:defRPr sz="2200">
+        <a:latin typeface="Helvetica Neue"/>
+        <a:ea typeface="Helvetica Neue"/>
+        <a:cs typeface="Helvetica Neue"/>
         <a:sym typeface="Helvetica Neue"/>
       </a:defRPr>
     </a:lvl9pPr>
@@ -475,8 +504,8 @@
 </file>
 
 <file path=ppt/slideLayouts/slideLayout1.xml><?xml version="1.0" encoding="utf-8"?>
-<p:sldLayout xmlns:a="http://schemas.openxmlformats.org/drawingml/2006/main" xmlns:r="http://schemas.openxmlformats.org/officeDocument/2006/relationships" xmlns:p="http://schemas.openxmlformats.org/presentationml/2006/main" type="tx" showMasterSp="1" showMasterPhAnim="1">
-  <p:cSld name="Blank Slide">
+<p:sldLayout xmlns:a="http://schemas.openxmlformats.org/drawingml/2006/main" xmlns:r="http://schemas.openxmlformats.org/officeDocument/2006/relationships" xmlns:p="http://schemas.openxmlformats.org/presentationml/2006/main" xmlns:m="http://schemas.openxmlformats.org/officeDocument/2006/math" xmlns:a14="http://schemas.microsoft.com/office/drawing/2010/main" type="title" showMasterSp="1" showMasterPhAnim="1">
+  <p:cSld name="Title &amp; Subtitle">
     <p:spTree>
       <p:nvGrpSpPr>
         <p:cNvPr id="1" name=""/>
@@ -493,19 +522,144 @@
       </p:grpSpPr>
       <p:sp>
         <p:nvSpPr>
-          <p:cNvPr id="11" name="Slide Number"/>
+          <p:cNvPr id="11" name="Title Text"/>
+          <p:cNvSpPr txBox="1"/>
+          <p:nvPr>
+            <p:ph type="title"/>
+          </p:nvPr>
+        </p:nvSpPr>
+        <p:spPr>
+          <a:xfrm>
+            <a:off x="1270000" y="1638300"/>
+            <a:ext cx="10464800" cy="3302000"/>
+          </a:xfrm>
+          <a:prstGeom prst="rect">
+            <a:avLst/>
+          </a:prstGeom>
+        </p:spPr>
+        <p:txBody>
+          <a:bodyPr anchor="b"/>
+          <a:lstStyle/>
+          <a:p>
+            <a:pPr/>
+            <a:r>
+              <a:t>Title Text</a:t>
+            </a:r>
+          </a:p>
+        </p:txBody>
+      </p:sp>
+      <p:sp>
+        <p:nvSpPr>
+          <p:cNvPr id="12" name="Body Level One…"/>
+          <p:cNvSpPr txBox="1"/>
+          <p:nvPr>
+            <p:ph type="body" sz="quarter" idx="1"/>
+          </p:nvPr>
+        </p:nvSpPr>
+        <p:spPr>
+          <a:xfrm>
+            <a:off x="1270000" y="5029200"/>
+            <a:ext cx="10464800" cy="1130300"/>
+          </a:xfrm>
+          <a:prstGeom prst="rect">
+            <a:avLst/>
+          </a:prstGeom>
+        </p:spPr>
+        <p:txBody>
+          <a:bodyPr anchor="t"/>
+          <a:lstStyle>
+            <a:lvl1pPr marL="0" indent="0" algn="ctr">
+              <a:spcBef>
+                <a:spcPts val="0"/>
+              </a:spcBef>
+              <a:buSzTx/>
+              <a:buNone/>
+              <a:defRPr sz="3200"/>
+            </a:lvl1pPr>
+            <a:lvl2pPr marL="0" indent="0" algn="ctr">
+              <a:spcBef>
+                <a:spcPts val="0"/>
+              </a:spcBef>
+              <a:buSzTx/>
+              <a:buNone/>
+              <a:defRPr sz="3200"/>
+            </a:lvl2pPr>
+            <a:lvl3pPr marL="0" indent="0" algn="ctr">
+              <a:spcBef>
+                <a:spcPts val="0"/>
+              </a:spcBef>
+              <a:buSzTx/>
+              <a:buNone/>
+              <a:defRPr sz="3200"/>
+            </a:lvl3pPr>
+            <a:lvl4pPr marL="0" indent="0" algn="ctr">
+              <a:spcBef>
+                <a:spcPts val="0"/>
+              </a:spcBef>
+              <a:buSzTx/>
+              <a:buNone/>
+              <a:defRPr sz="3200"/>
+            </a:lvl4pPr>
+            <a:lvl5pPr marL="0" indent="0" algn="ctr">
+              <a:spcBef>
+                <a:spcPts val="0"/>
+              </a:spcBef>
+              <a:buSzTx/>
+              <a:buNone/>
+              <a:defRPr sz="3200"/>
+            </a:lvl5pPr>
+          </a:lstStyle>
+          <a:p>
+            <a:pPr/>
+            <a:r>
+              <a:t>Body Level One</a:t>
+            </a:r>
+          </a:p>
+          <a:p>
+            <a:pPr lvl="1"/>
+            <a:r>
+              <a:t>Body Level Two</a:t>
+            </a:r>
+          </a:p>
+          <a:p>
+            <a:pPr lvl="2"/>
+            <a:r>
+              <a:t>Body Level Three</a:t>
+            </a:r>
+          </a:p>
+          <a:p>
+            <a:pPr lvl="3"/>
+            <a:r>
+              <a:t>Body Level Four</a:t>
+            </a:r>
+          </a:p>
+          <a:p>
+            <a:pPr lvl="4"/>
+            <a:r>
+              <a:t>Body Level Five</a:t>
+            </a:r>
+          </a:p>
+        </p:txBody>
+      </p:sp>
+      <p:sp>
+        <p:nvSpPr>
+          <p:cNvPr id="13" name="Slide Number"/>
           <p:cNvSpPr txBox="1"/>
           <p:nvPr>
             <p:ph type="sldNum" sz="quarter" idx="2"/>
           </p:nvPr>
         </p:nvSpPr>
         <p:spPr>
+          <a:xfrm>
+            <a:off x="6311798" y="9245600"/>
+            <a:ext cx="368504" cy="381000"/>
+          </a:xfrm>
           <a:prstGeom prst="rect">
             <a:avLst/>
           </a:prstGeom>
         </p:spPr>
         <p:txBody>
-          <a:bodyPr/>
+          <a:bodyPr anchor="t"/>
           <a:lstStyle/>
           <a:p>
             <a:pPr/>
@@ -523,8 +677,8 @@
 </file>
 
 <file path=ppt/slideLayouts/slideLayout10.xml><?xml version="1.0" encoding="utf-8"?>
-<p:sldLayout xmlns:a="http://schemas.openxmlformats.org/drawingml/2006/main" xmlns:r="http://schemas.openxmlformats.org/officeDocument/2006/relationships" xmlns:p="http://schemas.openxmlformats.org/presentationml/2006/main" type="tx" showMasterSp="1" showMasterPhAnim="1">
-  <p:cSld name="Title, Content over Content">
+<p:sldLayout xmlns:a="http://schemas.openxmlformats.org/drawingml/2006/main" xmlns:r="http://schemas.openxmlformats.org/officeDocument/2006/relationships" xmlns:p="http://schemas.openxmlformats.org/presentationml/2006/main" xmlns:m="http://schemas.openxmlformats.org/officeDocument/2006/math" xmlns:a14="http://schemas.microsoft.com/office/drawing/2010/main" type="tx" showMasterSp="1" showMasterPhAnim="1">
+  <p:cSld name="Quote">
     <p:spTree>
       <p:nvGrpSpPr>
         <p:cNvPr id="1" name=""/>
@@ -541,16 +695,60 @@
       </p:grpSpPr>
       <p:sp>
         <p:nvSpPr>
-          <p:cNvPr id="95" name="Title Text"/>
+          <p:cNvPr id="93" name="–Johnny Appleseed"/>
           <p:cNvSpPr txBox="1"/>
           <p:nvPr>
-            <p:ph type="title"/>
+            <p:ph type="body" sz="quarter" idx="13"/>
           </p:nvPr>
         </p:nvSpPr>
         <p:spPr>
           <a:xfrm>
-            <a:off x="504000" y="301320"/>
-            <a:ext cx="9071641" cy="1262160"/>
+            <a:off x="1270000" y="6362700"/>
+            <a:ext cx="10464800" cy="533400"/>
+          </a:xfrm>
+          <a:prstGeom prst="rect">
+            <a:avLst/>
+          </a:prstGeom>
+        </p:spPr>
+        <p:txBody>
+          <a:bodyPr anchor="t">
+            <a:spAutoFit/>
+          </a:bodyPr>
+          <a:lstStyle>
+            <a:lvl1pPr marL="0" indent="0" algn="ctr">
+              <a:spcBef>
+                <a:spcPts val="0"/>
+              </a:spcBef>
+              <a:buSzTx/>
+              <a:buNone/>
+              <a:defRPr b="1" sz="2800">
+                <a:latin typeface="Helvetica"/>
+                <a:ea typeface="Helvetica"/>
+                <a:cs typeface="Helvetica"/>
+                <a:sym typeface="Helvetica"/>
+              </a:defRPr>
+            </a:lvl1pPr>
+          </a:lstStyle>
+          <a:p>
+            <a:pPr/>
+            <a:r>
+              <a:t>–Johnny Appleseed</a:t>
+            </a:r>
+          </a:p>
+        </p:txBody>
+      </p:sp>
+      <p:sp>
+        <p:nvSpPr>
+          <p:cNvPr id="94" name="“Type a quote here.”"/>
+          <p:cNvSpPr txBox="1"/>
+          <p:nvPr>
+            <p:ph type="body" sz="quarter" idx="14"/>
+          </p:nvPr>
+        </p:nvSpPr>
+        <p:spPr>
+          <a:xfrm>
+            <a:off x="1270000" y="4254500"/>
+            <a:ext cx="10464800" cy="711200"/>
           </a:xfrm>
           <a:prstGeom prst="rect">
             <a:avLst/>
@@ -558,111 +756,45 @@
         </p:spPr>
         <p:txBody>
           <a:bodyPr>
-            <a:normAutofit fontScale="100000" lnSpcReduction="0"/>
+            <a:spAutoFit/>
           </a:bodyPr>
-          <a:lstStyle/>
+          <a:lstStyle>
+            <a:lvl1pPr marL="0" indent="0" algn="ctr">
+              <a:spcBef>
+                <a:spcPts val="2400"/>
+              </a:spcBef>
+              <a:buSzTx/>
+              <a:buNone/>
+              <a:defRPr sz="4000"/>
+            </a:lvl1pPr>
+          </a:lstStyle>
           <a:p>
             <a:pPr/>
             <a:r>
-              <a:t>Title Text</a:t>
+              <a:t>“Type a quote here.”</a:t>
             </a:r>
           </a:p>
         </p:txBody>
       </p:sp>
       <p:sp>
         <p:nvSpPr>
-          <p:cNvPr id="96" name="Body Level One…"/>
+          <p:cNvPr id="95" name="Slide Number"/>
           <p:cNvSpPr txBox="1"/>
           <p:nvPr>
-            <p:ph type="body" sz="half" idx="1"/>
+            <p:ph type="sldNum" sz="quarter" idx="2"/>
           </p:nvPr>
         </p:nvSpPr>
         <p:spPr>
           <a:xfrm>
-            <a:off x="504000" y="1769040"/>
-            <a:ext cx="9071641" cy="2091241"/>
+            <a:off x="6311798" y="9245600"/>
+            <a:ext cx="368504" cy="381000"/>
           </a:xfrm>
           <a:prstGeom prst="rect">
             <a:avLst/>
           </a:prstGeom>
         </p:spPr>
         <p:txBody>
-          <a:bodyPr/>
-          <a:lstStyle/>
-          <a:p>
-            <a:pPr/>
-            <a:r>
-              <a:t>Body Level One</a:t>
-            </a:r>
-          </a:p>
-          <a:p>
-            <a:pPr lvl="1"/>
-            <a:r>
-              <a:t>Body Level Two</a:t>
-            </a:r>
-          </a:p>
-          <a:p>
-            <a:pPr lvl="2"/>
-            <a:r>
-              <a:t>Body Level Three</a:t>
-            </a:r>
-          </a:p>
-          <a:p>
-            <a:pPr lvl="3"/>
-            <a:r>
-              <a:t>Body Level Four</a:t>
-            </a:r>
-          </a:p>
-          <a:p>
-            <a:pPr lvl="4"/>
-            <a:r>
-              <a:t>Body Level Five</a:t>
-            </a:r>
-          </a:p>
-        </p:txBody>
-      </p:sp>
-      <p:sp>
-        <p:nvSpPr>
-          <p:cNvPr id="97" name="PlaceHolder 3"/>
-          <p:cNvSpPr/>
-          <p:nvPr>
-            <p:ph type="body" sz="half" idx="13"/>
-          </p:nvPr>
-        </p:nvSpPr>
-        <p:spPr>
-          <a:xfrm>
-            <a:off x="503999" y="4059359"/>
-            <a:ext cx="9071642" cy="2091241"/>
-          </a:xfrm>
-          <a:prstGeom prst="rect">
-            <a:avLst/>
-          </a:prstGeom>
-        </p:spPr>
-        <p:txBody>
-          <a:bodyPr/>
-          <a:lstStyle/>
-          <a:p>
-            <a:pPr>
-              <a:defRPr spc="-100"/>
-            </a:pPr>
-          </a:p>
-        </p:txBody>
-      </p:sp>
-      <p:sp>
-        <p:nvSpPr>
-          <p:cNvPr id="98" name="Slide Number"/>
-          <p:cNvSpPr txBox="1"/>
-          <p:nvPr>
-            <p:ph type="sldNum" sz="quarter" idx="2"/>
-          </p:nvPr>
-        </p:nvSpPr>
-        <p:spPr>
-          <a:prstGeom prst="rect">
-            <a:avLst/>
-          </a:prstGeom>
-        </p:spPr>
-        <p:txBody>
-          <a:bodyPr/>
+          <a:bodyPr anchor="t"/>
           <a:lstStyle/>
           <a:p>
             <a:pPr/>
@@ -680,8 +812,8 @@
 </file>
 
 <file path=ppt/slideLayouts/slideLayout11.xml><?xml version="1.0" encoding="utf-8"?>
-<p:sldLayout xmlns:a="http://schemas.openxmlformats.org/drawingml/2006/main" xmlns:r="http://schemas.openxmlformats.org/officeDocument/2006/relationships" xmlns:p="http://schemas.openxmlformats.org/presentationml/2006/main" type="tx" showMasterSp="1" showMasterPhAnim="1">
-  <p:cSld name="Title, 4 Content">
+<p:sldLayout xmlns:a="http://schemas.openxmlformats.org/drawingml/2006/main" xmlns:r="http://schemas.openxmlformats.org/officeDocument/2006/relationships" xmlns:p="http://schemas.openxmlformats.org/presentationml/2006/main" xmlns:m="http://schemas.openxmlformats.org/officeDocument/2006/math" xmlns:a14="http://schemas.microsoft.com/office/drawing/2010/main" type="tx" showMasterSp="1" showMasterPhAnim="1">
+  <p:cSld name="Photo">
     <p:spTree>
       <p:nvGrpSpPr>
         <p:cNvPr id="1" name=""/>
@@ -698,204 +830,50 @@
       </p:grpSpPr>
       <p:sp>
         <p:nvSpPr>
-          <p:cNvPr id="105" name="Title Text"/>
-          <p:cNvSpPr txBox="1"/>
+          <p:cNvPr id="102" name="Image"/>
+          <p:cNvSpPr/>
           <p:nvPr>
-            <p:ph type="title"/>
+            <p:ph type="pic" idx="13"/>
           </p:nvPr>
         </p:nvSpPr>
         <p:spPr>
           <a:xfrm>
-            <a:off x="504000" y="301320"/>
-            <a:ext cx="9071641" cy="1262160"/>
+            <a:off x="0" y="0"/>
+            <a:ext cx="13004800" cy="9753600"/>
           </a:xfrm>
           <a:prstGeom prst="rect">
             <a:avLst/>
           </a:prstGeom>
         </p:spPr>
         <p:txBody>
-          <a:bodyPr>
-            <a:normAutofit fontScale="100000" lnSpcReduction="0"/>
+          <a:bodyPr lIns="91439" tIns="45719" rIns="91439" bIns="45719" anchor="t">
+            <a:noAutofit/>
           </a:bodyPr>
           <a:lstStyle/>
           <a:p>
             <a:pPr/>
-            <a:r>
-              <a:t>Title Text</a:t>
-            </a:r>
           </a:p>
         </p:txBody>
       </p:sp>
       <p:sp>
         <p:nvSpPr>
-          <p:cNvPr id="106" name="Body Level One…"/>
+          <p:cNvPr id="103" name="Slide Number"/>
           <p:cNvSpPr txBox="1"/>
           <p:nvPr>
-            <p:ph type="body" sz="quarter" idx="1"/>
+            <p:ph type="sldNum" sz="quarter" idx="2"/>
           </p:nvPr>
         </p:nvSpPr>
         <p:spPr>
           <a:xfrm>
-            <a:off x="504000" y="1769040"/>
-            <a:ext cx="4426921" cy="2091241"/>
+            <a:off x="6311798" y="9245600"/>
+            <a:ext cx="368504" cy="381000"/>
           </a:xfrm>
           <a:prstGeom prst="rect">
             <a:avLst/>
           </a:prstGeom>
         </p:spPr>
         <p:txBody>
-          <a:bodyPr/>
-          <a:lstStyle/>
-          <a:p>
-            <a:pPr/>
-            <a:r>
-              <a:t>Body Level One</a:t>
-            </a:r>
-          </a:p>
-          <a:p>
-            <a:pPr lvl="1"/>
-            <a:r>
-              <a:t>Body Level Two</a:t>
-            </a:r>
-          </a:p>
-          <a:p>
-            <a:pPr lvl="2"/>
-            <a:r>
-              <a:t>Body Level Three</a:t>
-            </a:r>
-          </a:p>
-          <a:p>
-            <a:pPr lvl="3"/>
-            <a:r>
-              <a:t>Body Level Four</a:t>
-            </a:r>
-          </a:p>
-          <a:p>
-            <a:pPr lvl="4"/>
-            <a:r>
-              <a:t>Body Level Five</a:t>
-            </a:r>
-          </a:p>
-        </p:txBody>
-      </p:sp>
-      <p:sp>
-        <p:nvSpPr>
-          <p:cNvPr id="107" name="PlaceHolder 3"/>
-          <p:cNvSpPr/>
-          <p:nvPr/>
-        </p:nvSpPr>
-        <p:spPr>
-          <a:xfrm>
-            <a:off x="5152680" y="1769040"/>
-            <a:ext cx="4426921" cy="2091241"/>
-          </a:xfrm>
-          <a:prstGeom prst="rect">
-            <a:avLst/>
-          </a:prstGeom>
-          <a:ln w="12700">
-            <a:miter lim="400000"/>
-          </a:ln>
-        </p:spPr>
-        <p:txBody>
-          <a:bodyPr lIns="0" tIns="0" rIns="0" bIns="0">
-            <a:normAutofit fontScale="100000" lnSpcReduction="0"/>
-          </a:bodyPr>
-          <a:lstStyle/>
-          <a:p>
-            <a:pPr marL="431999" indent="-323999">
-              <a:spcBef>
-                <a:spcPts val="1400"/>
-              </a:spcBef>
-              <a:buClr>
-                <a:srgbClr val="000000"/>
-              </a:buClr>
-              <a:buSzPct val="45000"/>
-              <a:buChar char="●"/>
-              <a:defRPr spc="-100" sz="3200"/>
-            </a:pPr>
-          </a:p>
-        </p:txBody>
-      </p:sp>
-      <p:sp>
-        <p:nvSpPr>
-          <p:cNvPr id="108" name="PlaceHolder 4"/>
-          <p:cNvSpPr/>
-          <p:nvPr/>
-        </p:nvSpPr>
-        <p:spPr>
-          <a:xfrm>
-            <a:off x="503999" y="4059359"/>
-            <a:ext cx="4426922" cy="2091241"/>
-          </a:xfrm>
-          <a:prstGeom prst="rect">
-            <a:avLst/>
-          </a:prstGeom>
-          <a:ln w="12700">
-            <a:miter lim="400000"/>
-          </a:ln>
-        </p:spPr>
-        <p:txBody>
-          <a:bodyPr lIns="0" tIns="0" rIns="0" bIns="0">
-            <a:normAutofit fontScale="100000" lnSpcReduction="0"/>
-          </a:bodyPr>
-          <a:lstStyle/>
-          <a:p>
-            <a:pPr marL="431999" indent="-323999">
-              <a:spcBef>
-                <a:spcPts val="1400"/>
-              </a:spcBef>
-              <a:buClr>
-                <a:srgbClr val="000000"/>
-              </a:buClr>
-              <a:buSzPct val="45000"/>
-              <a:buChar char="●"/>
-              <a:defRPr spc="-100" sz="3200"/>
-            </a:pPr>
-          </a:p>
-        </p:txBody>
-      </p:sp>
-      <p:sp>
-        <p:nvSpPr>
-          <p:cNvPr id="109" name="PlaceHolder 5"/>
-          <p:cNvSpPr/>
-          <p:nvPr>
-            <p:ph type="body" sz="quarter" idx="13"/>
-          </p:nvPr>
-        </p:nvSpPr>
-        <p:spPr>
-          <a:xfrm>
-            <a:off x="5152680" y="4059359"/>
-            <a:ext cx="4426921" cy="2091241"/>
-          </a:xfrm>
-          <a:prstGeom prst="rect">
-            <a:avLst/>
-          </a:prstGeom>
-        </p:spPr>
-        <p:txBody>
-          <a:bodyPr/>
-          <a:lstStyle/>
-          <a:p>
-            <a:pPr>
-              <a:defRPr spc="-100"/>
-            </a:pPr>
-          </a:p>
-        </p:txBody>
-      </p:sp>
-      <p:sp>
-        <p:nvSpPr>
-          <p:cNvPr id="110" name="Slide Number"/>
-          <p:cNvSpPr txBox="1"/>
-          <p:nvPr>
-            <p:ph type="sldNum" sz="quarter" idx="2"/>
-          </p:nvPr>
-        </p:nvSpPr>
-        <p:spPr>
-          <a:prstGeom prst="rect">
-            <a:avLst/>
-          </a:prstGeom>
-        </p:spPr>
-        <p:txBody>
-          <a:bodyPr/>
+          <a:bodyPr anchor="t"/>
           <a:lstStyle/>
           <a:p>
             <a:pPr/>
@@ -913,8 +891,8 @@
 </file>
 
 <file path=ppt/slideLayouts/slideLayout12.xml><?xml version="1.0" encoding="utf-8"?>
-<p:sldLayout xmlns:a="http://schemas.openxmlformats.org/drawingml/2006/main" xmlns:r="http://schemas.openxmlformats.org/officeDocument/2006/relationships" xmlns:p="http://schemas.openxmlformats.org/presentationml/2006/main" type="tx" showMasterSp="1" showMasterPhAnim="1">
-  <p:cSld name="Title, 6 Content">
+<p:sldLayout xmlns:a="http://schemas.openxmlformats.org/drawingml/2006/main" xmlns:r="http://schemas.openxmlformats.org/officeDocument/2006/relationships" xmlns:p="http://schemas.openxmlformats.org/presentationml/2006/main" xmlns:m="http://schemas.openxmlformats.org/officeDocument/2006/math" xmlns:a14="http://schemas.microsoft.com/office/drawing/2010/main" type="tx" showMasterSp="1" showMasterPhAnim="1">
+  <p:cSld name="Blank">
     <p:spTree>
       <p:nvGrpSpPr>
         <p:cNvPr id="1" name=""/>
@@ -931,280 +909,23 @@
       </p:grpSpPr>
       <p:sp>
         <p:nvSpPr>
-          <p:cNvPr id="117" name="Title Text"/>
+          <p:cNvPr id="110" name="Slide Number"/>
           <p:cNvSpPr txBox="1"/>
           <p:nvPr>
-            <p:ph type="title"/>
+            <p:ph type="sldNum" sz="quarter" idx="2"/>
           </p:nvPr>
         </p:nvSpPr>
         <p:spPr>
           <a:xfrm>
-            <a:off x="504000" y="301320"/>
-            <a:ext cx="9071641" cy="1262160"/>
+            <a:off x="6311798" y="9245600"/>
+            <a:ext cx="368504" cy="381000"/>
           </a:xfrm>
           <a:prstGeom prst="rect">
             <a:avLst/>
           </a:prstGeom>
         </p:spPr>
         <p:txBody>
-          <a:bodyPr>
-            <a:normAutofit fontScale="100000" lnSpcReduction="0"/>
-          </a:bodyPr>
-          <a:lstStyle/>
-          <a:p>
-            <a:pPr/>
-            <a:r>
-              <a:t>Title Text</a:t>
-            </a:r>
-          </a:p>
-        </p:txBody>
-      </p:sp>
-      <p:sp>
-        <p:nvSpPr>
-          <p:cNvPr id="118" name="Body Level One…"/>
-          <p:cNvSpPr txBox="1"/>
-          <p:nvPr>
-            <p:ph type="body" sz="quarter" idx="1"/>
-          </p:nvPr>
-        </p:nvSpPr>
-        <p:spPr>
-          <a:xfrm>
-            <a:off x="504000" y="1769040"/>
-            <a:ext cx="2920681" cy="2091241"/>
-          </a:xfrm>
-          <a:prstGeom prst="rect">
-            <a:avLst/>
-          </a:prstGeom>
-        </p:spPr>
-        <p:txBody>
-          <a:bodyPr/>
-          <a:lstStyle/>
-          <a:p>
-            <a:pPr/>
-            <a:r>
-              <a:t>Body Level One</a:t>
-            </a:r>
-          </a:p>
-          <a:p>
-            <a:pPr lvl="1"/>
-            <a:r>
-              <a:t>Body Level Two</a:t>
-            </a:r>
-          </a:p>
-          <a:p>
-            <a:pPr lvl="2"/>
-            <a:r>
-              <a:t>Body Level Three</a:t>
-            </a:r>
-          </a:p>
-          <a:p>
-            <a:pPr lvl="3"/>
-            <a:r>
-              <a:t>Body Level Four</a:t>
-            </a:r>
-          </a:p>
-          <a:p>
-            <a:pPr lvl="4"/>
-            <a:r>
-              <a:t>Body Level Five</a:t>
-            </a:r>
-          </a:p>
-        </p:txBody>
-      </p:sp>
-      <p:sp>
-        <p:nvSpPr>
-          <p:cNvPr id="119" name="PlaceHolder 3"/>
-          <p:cNvSpPr/>
-          <p:nvPr/>
-        </p:nvSpPr>
-        <p:spPr>
-          <a:xfrm>
-            <a:off x="3571199" y="1769040"/>
-            <a:ext cx="2920681" cy="2091241"/>
-          </a:xfrm>
-          <a:prstGeom prst="rect">
-            <a:avLst/>
-          </a:prstGeom>
-          <a:ln w="12700">
-            <a:miter lim="400000"/>
-          </a:ln>
-        </p:spPr>
-        <p:txBody>
-          <a:bodyPr lIns="0" tIns="0" rIns="0" bIns="0">
-            <a:normAutofit fontScale="100000" lnSpcReduction="0"/>
-          </a:bodyPr>
-          <a:lstStyle/>
-          <a:p>
-            <a:pPr marL="431999" indent="-323999">
-              <a:spcBef>
-                <a:spcPts val="1400"/>
-              </a:spcBef>
-              <a:buClr>
-                <a:srgbClr val="000000"/>
-              </a:buClr>
-              <a:buSzPct val="45000"/>
-              <a:buChar char="●"/>
-              <a:defRPr spc="-100" sz="3200"/>
-            </a:pPr>
-          </a:p>
-        </p:txBody>
-      </p:sp>
-      <p:sp>
-        <p:nvSpPr>
-          <p:cNvPr id="120" name="PlaceHolder 4"/>
-          <p:cNvSpPr/>
-          <p:nvPr/>
-        </p:nvSpPr>
-        <p:spPr>
-          <a:xfrm>
-            <a:off x="6638039" y="1769040"/>
-            <a:ext cx="2920681" cy="2091241"/>
-          </a:xfrm>
-          <a:prstGeom prst="rect">
-            <a:avLst/>
-          </a:prstGeom>
-          <a:ln w="12700">
-            <a:miter lim="400000"/>
-          </a:ln>
-        </p:spPr>
-        <p:txBody>
-          <a:bodyPr lIns="0" tIns="0" rIns="0" bIns="0">
-            <a:normAutofit fontScale="100000" lnSpcReduction="0"/>
-          </a:bodyPr>
-          <a:lstStyle/>
-          <a:p>
-            <a:pPr marL="431999" indent="-323999">
-              <a:spcBef>
-                <a:spcPts val="1400"/>
-              </a:spcBef>
-              <a:buClr>
-                <a:srgbClr val="000000"/>
-              </a:buClr>
-              <a:buSzPct val="45000"/>
-              <a:buChar char="●"/>
-              <a:defRPr spc="-100" sz="3200"/>
-            </a:pPr>
-          </a:p>
-        </p:txBody>
-      </p:sp>
-      <p:sp>
-        <p:nvSpPr>
-          <p:cNvPr id="121" name="PlaceHolder 5"/>
-          <p:cNvSpPr/>
-          <p:nvPr/>
-        </p:nvSpPr>
-        <p:spPr>
-          <a:xfrm>
-            <a:off x="503999" y="4059359"/>
-            <a:ext cx="2920682" cy="2091241"/>
-          </a:xfrm>
-          <a:prstGeom prst="rect">
-            <a:avLst/>
-          </a:prstGeom>
-          <a:ln w="12700">
-            <a:miter lim="400000"/>
-          </a:ln>
-        </p:spPr>
-        <p:txBody>
-          <a:bodyPr lIns="0" tIns="0" rIns="0" bIns="0">
-            <a:normAutofit fontScale="100000" lnSpcReduction="0"/>
-          </a:bodyPr>
-          <a:lstStyle/>
-          <a:p>
-            <a:pPr marL="431999" indent="-323999">
-              <a:spcBef>
-                <a:spcPts val="1400"/>
-              </a:spcBef>
-              <a:buClr>
-                <a:srgbClr val="000000"/>
-              </a:buClr>
-              <a:buSzPct val="45000"/>
-              <a:buChar char="●"/>
-              <a:defRPr spc="-100" sz="3200"/>
-            </a:pPr>
-          </a:p>
-        </p:txBody>
-      </p:sp>
-      <p:sp>
-        <p:nvSpPr>
-          <p:cNvPr id="122" name="PlaceHolder 6"/>
-          <p:cNvSpPr/>
-          <p:nvPr/>
-        </p:nvSpPr>
-        <p:spPr>
-          <a:xfrm>
-            <a:off x="3571199" y="4059359"/>
-            <a:ext cx="2920681" cy="2091241"/>
-          </a:xfrm>
-          <a:prstGeom prst="rect">
-            <a:avLst/>
-          </a:prstGeom>
-          <a:ln w="12700">
-            <a:miter lim="400000"/>
-          </a:ln>
-        </p:spPr>
-        <p:txBody>
-          <a:bodyPr lIns="0" tIns="0" rIns="0" bIns="0">
-            <a:normAutofit fontScale="100000" lnSpcReduction="0"/>
-          </a:bodyPr>
-          <a:lstStyle/>
-          <a:p>
-            <a:pPr marL="431999" indent="-323999">
-              <a:spcBef>
-                <a:spcPts val="1400"/>
-              </a:spcBef>
-              <a:buClr>
-                <a:srgbClr val="000000"/>
-              </a:buClr>
-              <a:buSzPct val="45000"/>
-              <a:buChar char="●"/>
-              <a:defRPr spc="-100" sz="3200"/>
-            </a:pPr>
-          </a:p>
-        </p:txBody>
-      </p:sp>
-      <p:sp>
-        <p:nvSpPr>
-          <p:cNvPr id="123" name="PlaceHolder 7"/>
-          <p:cNvSpPr/>
-          <p:nvPr>
-            <p:ph type="body" sz="quarter" idx="13"/>
-          </p:nvPr>
-        </p:nvSpPr>
-        <p:spPr>
-          <a:xfrm>
-            <a:off x="6638039" y="4059359"/>
-            <a:ext cx="2920681" cy="2091241"/>
-          </a:xfrm>
-          <a:prstGeom prst="rect">
-            <a:avLst/>
-          </a:prstGeom>
-        </p:spPr>
-        <p:txBody>
-          <a:bodyPr/>
-          <a:lstStyle/>
-          <a:p>
-            <a:pPr>
-              <a:defRPr spc="-100"/>
-            </a:pPr>
-          </a:p>
-        </p:txBody>
-      </p:sp>
-      <p:sp>
-        <p:nvSpPr>
-          <p:cNvPr id="124" name="Slide Number"/>
-          <p:cNvSpPr txBox="1"/>
-          <p:nvPr>
-            <p:ph type="sldNum" sz="quarter" idx="2"/>
-          </p:nvPr>
-        </p:nvSpPr>
-        <p:spPr>
-          <a:prstGeom prst="rect">
-            <a:avLst/>
-          </a:prstGeom>
-        </p:spPr>
-        <p:txBody>
-          <a:bodyPr/>
+          <a:bodyPr anchor="t"/>
           <a:lstStyle/>
           <a:p>
             <a:pPr/>
@@ -1222,15 +943,8 @@
 </file>
 
 <file path=ppt/slideLayouts/slideLayout2.xml><?xml version="1.0" encoding="utf-8"?>
-<p:sldLayout xmlns:a="http://schemas.openxmlformats.org/drawingml/2006/main" xmlns:r="http://schemas.openxmlformats.org/officeDocument/2006/relationships" xmlns:p="http://schemas.openxmlformats.org/presentationml/2006/main" type="tx" showMasterSp="1" showMasterPhAnim="1">
-  <p:cSld name="Title Slide">
-    <p:bg>
-      <p:bgPr>
-        <a:solidFill>
-          <a:srgbClr val="FFFFFF"/>
-        </a:solidFill>
-      </p:bgPr>
-    </p:bg>
+<p:sldLayout xmlns:a="http://schemas.openxmlformats.org/drawingml/2006/main" xmlns:r="http://schemas.openxmlformats.org/officeDocument/2006/relationships" xmlns:p="http://schemas.openxmlformats.org/presentationml/2006/main" xmlns:m="http://schemas.openxmlformats.org/officeDocument/2006/math" xmlns:a14="http://schemas.microsoft.com/office/drawing/2010/main" type="tx" showMasterSp="1" showMasterPhAnim="1">
+  <p:cSld name="Photo - Horizontal">
     <p:spTree>
       <p:nvGrpSpPr>
         <p:cNvPr id="1" name=""/>
@@ -1247,7 +961,34 @@
       </p:grpSpPr>
       <p:sp>
         <p:nvSpPr>
-          <p:cNvPr id="18" name="Title Text"/>
+          <p:cNvPr id="20" name="Image"/>
+          <p:cNvSpPr/>
+          <p:nvPr>
+            <p:ph type="pic" idx="13"/>
+          </p:nvPr>
+        </p:nvSpPr>
+        <p:spPr>
+          <a:xfrm>
+            <a:off x="1600200" y="635000"/>
+            <a:ext cx="9779000" cy="5918200"/>
+          </a:xfrm>
+          <a:prstGeom prst="rect">
+            <a:avLst/>
+          </a:prstGeom>
+        </p:spPr>
+        <p:txBody>
+          <a:bodyPr lIns="91439" tIns="45719" rIns="91439" bIns="45719" anchor="t">
+            <a:noAutofit/>
+          </a:bodyPr>
+          <a:lstStyle/>
+          <a:p>
+            <a:pPr/>
+          </a:p>
+        </p:txBody>
+      </p:sp>
+      <p:sp>
+        <p:nvSpPr>
+          <p:cNvPr id="21" name="Title Text"/>
           <p:cNvSpPr txBox="1"/>
           <p:nvPr>
             <p:ph type="title"/>
@@ -1255,17 +996,15 @@
         </p:nvSpPr>
         <p:spPr>
           <a:xfrm>
-            <a:off x="504000" y="301320"/>
-            <a:ext cx="9071641" cy="1262160"/>
+            <a:off x="1270000" y="6718300"/>
+            <a:ext cx="10464800" cy="1422400"/>
           </a:xfrm>
           <a:prstGeom prst="rect">
             <a:avLst/>
           </a:prstGeom>
         </p:spPr>
         <p:txBody>
-          <a:bodyPr>
-            <a:normAutofit fontScale="100000" lnSpcReduction="0"/>
-          </a:bodyPr>
+          <a:bodyPr anchor="b"/>
           <a:lstStyle/>
           <a:p>
             <a:pPr/>
@@ -1277,24 +1016,65 @@
       </p:sp>
       <p:sp>
         <p:nvSpPr>
-          <p:cNvPr id="19" name="Body Level One…"/>
+          <p:cNvPr id="22" name="Body Level One…"/>
           <p:cNvSpPr txBox="1"/>
           <p:nvPr>
-            <p:ph type="body" idx="1"/>
+            <p:ph type="body" sz="quarter" idx="1"/>
           </p:nvPr>
         </p:nvSpPr>
         <p:spPr>
           <a:xfrm>
-            <a:off x="504000" y="1769040"/>
-            <a:ext cx="9071641" cy="4384441"/>
+            <a:off x="1270000" y="8191500"/>
+            <a:ext cx="10464800" cy="1219200"/>
           </a:xfrm>
           <a:prstGeom prst="rect">
             <a:avLst/>
           </a:prstGeom>
         </p:spPr>
         <p:txBody>
-          <a:bodyPr anchor="ctr"/>
-          <a:lstStyle/>
+          <a:bodyPr anchor="t"/>
+          <a:lstStyle>
+            <a:lvl1pPr marL="0" indent="0" algn="ctr">
+              <a:spcBef>
+                <a:spcPts val="0"/>
+              </a:spcBef>
+              <a:buSzTx/>
+              <a:buNone/>
+              <a:defRPr sz="3200"/>
+            </a:lvl1pPr>
+            <a:lvl2pPr marL="0" indent="0" algn="ctr">
+              <a:spcBef>
+                <a:spcPts val="0"/>
+              </a:spcBef>
+              <a:buSzTx/>
+              <a:buNone/>
+              <a:defRPr sz="3200"/>
+            </a:lvl2pPr>
+            <a:lvl3pPr marL="0" indent="0" algn="ctr">
+              <a:spcBef>
+                <a:spcPts val="0"/>
+              </a:spcBef>
+              <a:buSzTx/>
+              <a:buNone/>
+              <a:defRPr sz="3200"/>
+            </a:lvl3pPr>
+            <a:lvl4pPr marL="0" indent="0" algn="ctr">
+              <a:spcBef>
+                <a:spcPts val="0"/>
+              </a:spcBef>
+              <a:buSzTx/>
+              <a:buNone/>
+              <a:defRPr sz="3200"/>
+            </a:lvl4pPr>
+            <a:lvl5pPr marL="0" indent="0" algn="ctr">
+              <a:spcBef>
+                <a:spcPts val="0"/>
+              </a:spcBef>
+              <a:buSzTx/>
+              <a:buNone/>
+              <a:defRPr sz="3200"/>
+            </a:lvl5pPr>
+          </a:lstStyle>
           <a:p>
             <a:pPr/>
             <a:r>
@@ -1329,19 +1109,23 @@
       </p:sp>
       <p:sp>
         <p:nvSpPr>
-          <p:cNvPr id="20" name="Slide Number"/>
+          <p:cNvPr id="23" name="Slide Number"/>
           <p:cNvSpPr txBox="1"/>
           <p:nvPr>
             <p:ph type="sldNum" sz="quarter" idx="2"/>
           </p:nvPr>
         </p:nvSpPr>
         <p:spPr>
+          <a:xfrm>
+            <a:off x="6311798" y="9245600"/>
+            <a:ext cx="368504" cy="381000"/>
+          </a:xfrm>
           <a:prstGeom prst="rect">
             <a:avLst/>
           </a:prstGeom>
         </p:spPr>
         <p:txBody>
-          <a:bodyPr/>
+          <a:bodyPr anchor="t"/>
           <a:lstStyle/>
           <a:p>
             <a:pPr/>
@@ -1359,15 +1143,8 @@
 </file>
 
 <file path=ppt/slideLayouts/slideLayout3.xml><?xml version="1.0" encoding="utf-8"?>
-<p:sldLayout xmlns:a="http://schemas.openxmlformats.org/drawingml/2006/main" xmlns:r="http://schemas.openxmlformats.org/officeDocument/2006/relationships" xmlns:p="http://schemas.openxmlformats.org/presentationml/2006/main" type="tx" showMasterSp="1" showMasterPhAnim="1">
-  <p:cSld name="Title, Content">
-    <p:bg>
-      <p:bgPr>
-        <a:solidFill>
-          <a:srgbClr val="FFFFFF"/>
-        </a:solidFill>
-      </p:bgPr>
-    </p:bg>
+<p:sldLayout xmlns:a="http://schemas.openxmlformats.org/drawingml/2006/main" xmlns:r="http://schemas.openxmlformats.org/officeDocument/2006/relationships" xmlns:p="http://schemas.openxmlformats.org/presentationml/2006/main" xmlns:m="http://schemas.openxmlformats.org/officeDocument/2006/math" xmlns:a14="http://schemas.microsoft.com/office/drawing/2010/main" type="tx" showMasterSp="1" showMasterPhAnim="1">
+  <p:cSld name="Title - Center">
     <p:spTree>
       <p:nvGrpSpPr>
         <p:cNvPr id="1" name=""/>
@@ -1384,7 +1161,7 @@
       </p:grpSpPr>
       <p:sp>
         <p:nvSpPr>
-          <p:cNvPr id="27" name="Title Text"/>
+          <p:cNvPr id="30" name="Title Text"/>
           <p:cNvSpPr txBox="1"/>
           <p:nvPr>
             <p:ph type="title"/>
@@ -1392,38 +1169,8 @@
         </p:nvSpPr>
         <p:spPr>
           <a:xfrm>
-            <a:off x="504000" y="301320"/>
-            <a:ext cx="9071641" cy="1262160"/>
-          </a:xfrm>
-          <a:prstGeom prst="rect">
-            <a:avLst/>
-          </a:prstGeom>
-        </p:spPr>
-        <p:txBody>
-          <a:bodyPr>
-            <a:normAutofit fontScale="100000" lnSpcReduction="0"/>
-          </a:bodyPr>
-          <a:lstStyle/>
-          <a:p>
-            <a:pPr/>
-            <a:r>
-              <a:t>Title Text</a:t>
-            </a:r>
-          </a:p>
-        </p:txBody>
-      </p:sp>
-      <p:sp>
-        <p:nvSpPr>
-          <p:cNvPr id="28" name="Body Level One…"/>
-          <p:cNvSpPr txBox="1"/>
-          <p:nvPr>
-            <p:ph type="body" idx="1"/>
-          </p:nvPr>
-        </p:nvSpPr>
-        <p:spPr>
-          <a:xfrm>
-            <a:off x="504000" y="1769040"/>
-            <a:ext cx="9071641" cy="4384441"/>
+            <a:off x="1270000" y="3225800"/>
+            <a:ext cx="10464800" cy="3302000"/>
           </a:xfrm>
           <a:prstGeom prst="rect">
             <a:avLst/>
@@ -1435,50 +1182,30 @@
           <a:p>
             <a:pPr/>
             <a:r>
-              <a:t>Body Level One</a:t>
-            </a:r>
-          </a:p>
-          <a:p>
-            <a:pPr lvl="1"/>
-            <a:r>
-              <a:t>Body Level Two</a:t>
-            </a:r>
-          </a:p>
-          <a:p>
-            <a:pPr lvl="2"/>
-            <a:r>
-              <a:t>Body Level Three</a:t>
-            </a:r>
-          </a:p>
-          <a:p>
-            <a:pPr lvl="3"/>
-            <a:r>
-              <a:t>Body Level Four</a:t>
-            </a:r>
-          </a:p>
-          <a:p>
-            <a:pPr lvl="4"/>
-            <a:r>
-              <a:t>Body Level Five</a:t>
+              <a:t>Title Text</a:t>
             </a:r>
           </a:p>
         </p:txBody>
       </p:sp>
       <p:sp>
         <p:nvSpPr>
-          <p:cNvPr id="29" name="Slide Number"/>
+          <p:cNvPr id="31" name="Slide Number"/>
           <p:cNvSpPr txBox="1"/>
           <p:nvPr>
             <p:ph type="sldNum" sz="quarter" idx="2"/>
           </p:nvPr>
         </p:nvSpPr>
         <p:spPr>
+          <a:xfrm>
+            <a:off x="6311798" y="9245600"/>
+            <a:ext cx="368504" cy="381000"/>
+          </a:xfrm>
           <a:prstGeom prst="rect">
             <a:avLst/>
           </a:prstGeom>
         </p:spPr>
         <p:txBody>
-          <a:bodyPr/>
+          <a:bodyPr anchor="t"/>
           <a:lstStyle/>
           <a:p>
             <a:pPr/>
@@ -1496,8 +1223,8 @@
 </file>
 
 <file path=ppt/slideLayouts/slideLayout4.xml><?xml version="1.0" encoding="utf-8"?>
-<p:sldLayout xmlns:a="http://schemas.openxmlformats.org/drawingml/2006/main" xmlns:r="http://schemas.openxmlformats.org/officeDocument/2006/relationships" xmlns:p="http://schemas.openxmlformats.org/presentationml/2006/main" type="tx" showMasterSp="1" showMasterPhAnim="1">
-  <p:cSld name="Title, 2 Content">
+<p:sldLayout xmlns:a="http://schemas.openxmlformats.org/drawingml/2006/main" xmlns:r="http://schemas.openxmlformats.org/officeDocument/2006/relationships" xmlns:p="http://schemas.openxmlformats.org/presentationml/2006/main" xmlns:m="http://schemas.openxmlformats.org/officeDocument/2006/math" xmlns:a14="http://schemas.microsoft.com/office/drawing/2010/main" type="tx" showMasterSp="1" showMasterPhAnim="1">
+  <p:cSld name="Photo - Vertical">
     <p:spTree>
       <p:nvGrpSpPr>
         <p:cNvPr id="1" name=""/>
@@ -1514,7 +1241,34 @@
       </p:grpSpPr>
       <p:sp>
         <p:nvSpPr>
-          <p:cNvPr id="36" name="Title Text"/>
+          <p:cNvPr id="38" name="Image"/>
+          <p:cNvSpPr/>
+          <p:nvPr>
+            <p:ph type="pic" sz="half" idx="13"/>
+          </p:nvPr>
+        </p:nvSpPr>
+        <p:spPr>
+          <a:xfrm>
+            <a:off x="6718300" y="762000"/>
+            <a:ext cx="5334000" cy="8242300"/>
+          </a:xfrm>
+          <a:prstGeom prst="rect">
+            <a:avLst/>
+          </a:prstGeom>
+        </p:spPr>
+        <p:txBody>
+          <a:bodyPr lIns="91439" tIns="45719" rIns="91439" bIns="45719" anchor="t">
+            <a:noAutofit/>
+          </a:bodyPr>
+          <a:lstStyle/>
+          <a:p>
+            <a:pPr/>
+          </a:p>
+        </p:txBody>
+      </p:sp>
+      <p:sp>
+        <p:nvSpPr>
+          <p:cNvPr id="39" name="Title Text"/>
           <p:cNvSpPr txBox="1"/>
           <p:nvPr>
             <p:ph type="title"/>
@@ -1522,18 +1276,20 @@
         </p:nvSpPr>
         <p:spPr>
           <a:xfrm>
-            <a:off x="504000" y="301320"/>
-            <a:ext cx="9071641" cy="1262160"/>
+            <a:off x="952500" y="762000"/>
+            <a:ext cx="5334000" cy="4000500"/>
           </a:xfrm>
           <a:prstGeom prst="rect">
             <a:avLst/>
           </a:prstGeom>
         </p:spPr>
         <p:txBody>
-          <a:bodyPr>
-            <a:normAutofit fontScale="100000" lnSpcReduction="0"/>
-          </a:bodyPr>
-          <a:lstStyle/>
+          <a:bodyPr anchor="b"/>
+          <a:lstStyle>
+            <a:lvl1pPr>
+              <a:defRPr sz="6000"/>
+            </a:lvl1pPr>
+          </a:lstStyle>
           <a:p>
             <a:pPr/>
             <a:r>
@@ -1544,24 +1300,65 @@
       </p:sp>
       <p:sp>
         <p:nvSpPr>
-          <p:cNvPr id="37" name="Body Level One…"/>
+          <p:cNvPr id="40" name="Body Level One…"/>
           <p:cNvSpPr txBox="1"/>
           <p:nvPr>
-            <p:ph type="body" sz="half" idx="1"/>
+            <p:ph type="body" sz="quarter" idx="1"/>
           </p:nvPr>
         </p:nvSpPr>
         <p:spPr>
           <a:xfrm>
-            <a:off x="504000" y="1769040"/>
-            <a:ext cx="4426921" cy="4384441"/>
+            <a:off x="952500" y="5003800"/>
+            <a:ext cx="5334000" cy="4000500"/>
           </a:xfrm>
           <a:prstGeom prst="rect">
             <a:avLst/>
           </a:prstGeom>
         </p:spPr>
         <p:txBody>
-          <a:bodyPr/>
-          <a:lstStyle/>
+          <a:bodyPr anchor="t"/>
+          <a:lstStyle>
+            <a:lvl1pPr marL="0" indent="0" algn="ctr">
+              <a:spcBef>
+                <a:spcPts val="0"/>
+              </a:spcBef>
+              <a:buSzTx/>
+              <a:buNone/>
+              <a:defRPr sz="3200"/>
+            </a:lvl1pPr>
+            <a:lvl2pPr marL="0" indent="0" algn="ctr">
+              <a:spcBef>
+                <a:spcPts val="0"/>
+              </a:spcBef>
+              <a:buSzTx/>
+              <a:buNone/>
+              <a:defRPr sz="3200"/>
+            </a:lvl2pPr>
+            <a:lvl3pPr marL="0" indent="0" algn="ctr">
+              <a:spcBef>
+                <a:spcPts val="0"/>
+              </a:spcBef>
+              <a:buSzTx/>
+              <a:buNone/>
+              <a:defRPr sz="3200"/>
+            </a:lvl3pPr>
+            <a:lvl4pPr marL="0" indent="0" algn="ctr">
+              <a:spcBef>
+                <a:spcPts val="0"/>
+              </a:spcBef>
+              <a:buSzTx/>
+              <a:buNone/>
+              <a:defRPr sz="3200"/>
+            </a:lvl4pPr>
+            <a:lvl5pPr marL="0" indent="0" algn="ctr">
+              <a:spcBef>
+                <a:spcPts val="0"/>
+              </a:spcBef>
+              <a:buSzTx/>
+              <a:buNone/>
+              <a:defRPr sz="3200"/>
+            </a:lvl5pPr>
+          </a:lstStyle>
           <a:p>
             <a:pPr/>
             <a:r>
@@ -1596,46 +1393,23 @@
       </p:sp>
       <p:sp>
         <p:nvSpPr>
-          <p:cNvPr id="38" name="PlaceHolder 3"/>
-          <p:cNvSpPr/>
+          <p:cNvPr id="41" name="Slide Number"/>
+          <p:cNvSpPr txBox="1"/>
           <p:nvPr>
-            <p:ph type="body" sz="half" idx="13"/>
+            <p:ph type="sldNum" sz="quarter" idx="2"/>
           </p:nvPr>
         </p:nvSpPr>
         <p:spPr>
           <a:xfrm>
-            <a:off x="5152680" y="1769040"/>
-            <a:ext cx="4426921" cy="4384441"/>
+            <a:off x="6311798" y="9245600"/>
+            <a:ext cx="368504" cy="381000"/>
           </a:xfrm>
           <a:prstGeom prst="rect">
             <a:avLst/>
           </a:prstGeom>
         </p:spPr>
         <p:txBody>
-          <a:bodyPr/>
-          <a:lstStyle/>
-          <a:p>
-            <a:pPr>
-              <a:defRPr spc="-100"/>
-            </a:pPr>
-          </a:p>
-        </p:txBody>
-      </p:sp>
-      <p:sp>
-        <p:nvSpPr>
-          <p:cNvPr id="39" name="Slide Number"/>
-          <p:cNvSpPr txBox="1"/>
-          <p:nvPr>
-            <p:ph type="sldNum" sz="quarter" idx="2"/>
-          </p:nvPr>
-        </p:nvSpPr>
-        <p:spPr>
-          <a:prstGeom prst="rect">
-            <a:avLst/>
-          </a:prstGeom>
-        </p:spPr>
-        <p:txBody>
-          <a:bodyPr/>
+          <a:bodyPr anchor="t"/>
           <a:lstStyle/>
           <a:p>
             <a:pPr/>
@@ -1653,8 +1427,8 @@
 </file>
 
 <file path=ppt/slideLayouts/slideLayout5.xml><?xml version="1.0" encoding="utf-8"?>
-<p:sldLayout xmlns:a="http://schemas.openxmlformats.org/drawingml/2006/main" xmlns:r="http://schemas.openxmlformats.org/officeDocument/2006/relationships" xmlns:p="http://schemas.openxmlformats.org/presentationml/2006/main" type="tx" showMasterSp="1" showMasterPhAnim="1">
-  <p:cSld name="Title Only">
+<p:sldLayout xmlns:a="http://schemas.openxmlformats.org/drawingml/2006/main" xmlns:r="http://schemas.openxmlformats.org/officeDocument/2006/relationships" xmlns:p="http://schemas.openxmlformats.org/presentationml/2006/main" xmlns:m="http://schemas.openxmlformats.org/officeDocument/2006/math" xmlns:a14="http://schemas.microsoft.com/office/drawing/2010/main" type="tx" showMasterSp="1" showMasterPhAnim="1">
+  <p:cSld name="Title - Top">
     <p:spTree>
       <p:nvGrpSpPr>
         <p:cNvPr id="1" name=""/>
@@ -1671,25 +1445,19 @@
       </p:grpSpPr>
       <p:sp>
         <p:nvSpPr>
-          <p:cNvPr id="46" name="Title Text"/>
+          <p:cNvPr id="48" name="Title Text"/>
           <p:cNvSpPr txBox="1"/>
           <p:nvPr>
             <p:ph type="title"/>
           </p:nvPr>
         </p:nvSpPr>
         <p:spPr>
-          <a:xfrm>
-            <a:off x="504000" y="301320"/>
-            <a:ext cx="9071641" cy="1262160"/>
-          </a:xfrm>
           <a:prstGeom prst="rect">
             <a:avLst/>
           </a:prstGeom>
         </p:spPr>
         <p:txBody>
-          <a:bodyPr>
-            <a:normAutofit fontScale="100000" lnSpcReduction="0"/>
-          </a:bodyPr>
+          <a:bodyPr/>
           <a:lstStyle/>
           <a:p>
             <a:pPr/>
@@ -1701,7 +1469,7 @@
       </p:sp>
       <p:sp>
         <p:nvSpPr>
-          <p:cNvPr id="47" name="Slide Number"/>
+          <p:cNvPr id="49" name="Slide Number"/>
           <p:cNvSpPr txBox="1"/>
           <p:nvPr>
             <p:ph type="sldNum" sz="quarter" idx="2"/>
@@ -1731,8 +1499,8 @@
 </file>
 
 <file path=ppt/slideLayouts/slideLayout6.xml><?xml version="1.0" encoding="utf-8"?>
-<p:sldLayout xmlns:a="http://schemas.openxmlformats.org/drawingml/2006/main" xmlns:r="http://schemas.openxmlformats.org/officeDocument/2006/relationships" xmlns:p="http://schemas.openxmlformats.org/presentationml/2006/main" type="tx" showMasterSp="1" showMasterPhAnim="1">
-  <p:cSld name="Centered Text">
+<p:sldLayout xmlns:a="http://schemas.openxmlformats.org/drawingml/2006/main" xmlns:r="http://schemas.openxmlformats.org/officeDocument/2006/relationships" xmlns:p="http://schemas.openxmlformats.org/presentationml/2006/main" xmlns:m="http://schemas.openxmlformats.org/officeDocument/2006/math" xmlns:a14="http://schemas.microsoft.com/office/drawing/2010/main" type="tx" showMasterSp="1" showMasterPhAnim="1">
+  <p:cSld name="Title &amp; Bullets">
     <p:spTree>
       <p:nvGrpSpPr>
         <p:cNvPr id="1" name=""/>
@@ -1749,62 +1517,10 @@
       </p:grpSpPr>
       <p:sp>
         <p:nvSpPr>
-          <p:cNvPr id="54" name="Body Level One…"/>
+          <p:cNvPr id="56" name="Title Text"/>
           <p:cNvSpPr txBox="1"/>
           <p:nvPr>
-            <p:ph type="body" idx="1"/>
-          </p:nvPr>
-        </p:nvSpPr>
-        <p:spPr>
-          <a:xfrm>
-            <a:off x="504000" y="301320"/>
-            <a:ext cx="9071641" cy="5851801"/>
-          </a:xfrm>
-          <a:prstGeom prst="rect">
-            <a:avLst/>
-          </a:prstGeom>
-        </p:spPr>
-        <p:txBody>
-          <a:bodyPr anchor="ctr"/>
-          <a:lstStyle/>
-          <a:p>
-            <a:pPr/>
-            <a:r>
-              <a:t>Body Level One</a:t>
-            </a:r>
-          </a:p>
-          <a:p>
-            <a:pPr lvl="1"/>
-            <a:r>
-              <a:t>Body Level Two</a:t>
-            </a:r>
-          </a:p>
-          <a:p>
-            <a:pPr lvl="2"/>
-            <a:r>
-              <a:t>Body Level Three</a:t>
-            </a:r>
-          </a:p>
-          <a:p>
-            <a:pPr lvl="3"/>
-            <a:r>
-              <a:t>Body Level Four</a:t>
-            </a:r>
-          </a:p>
-          <a:p>
-            <a:pPr lvl="4"/>
-            <a:r>
-              <a:t>Body Level Five</a:t>
-            </a:r>
-          </a:p>
-        </p:txBody>
-      </p:sp>
-      <p:sp>
-        <p:nvSpPr>
-          <p:cNvPr id="55" name="Slide Number"/>
-          <p:cNvSpPr txBox="1"/>
-          <p:nvPr>
-            <p:ph type="sldNum" sz="quarter" idx="2"/>
+            <p:ph type="title"/>
           </p:nvPr>
         </p:nvSpPr>
         <p:spPr>
@@ -1814,6 +1530,82 @@
         </p:spPr>
         <p:txBody>
           <a:bodyPr/>
+          <a:lstStyle/>
+          <a:p>
+            <a:pPr/>
+            <a:r>
+              <a:t>Title Text</a:t>
+            </a:r>
+          </a:p>
+        </p:txBody>
+      </p:sp>
+      <p:sp>
+        <p:nvSpPr>
+          <p:cNvPr id="57" name="Body Level One…"/>
+          <p:cNvSpPr txBox="1"/>
+          <p:nvPr>
+            <p:ph type="body" idx="1"/>
+          </p:nvPr>
+        </p:nvSpPr>
+        <p:spPr>
+          <a:prstGeom prst="rect">
+            <a:avLst/>
+          </a:prstGeom>
+        </p:spPr>
+        <p:txBody>
+          <a:bodyPr/>
+          <a:lstStyle/>
+          <a:p>
+            <a:pPr/>
+            <a:r>
+              <a:t>Body Level One</a:t>
+            </a:r>
+          </a:p>
+          <a:p>
+            <a:pPr lvl="1"/>
+            <a:r>
+              <a:t>Body Level Two</a:t>
+            </a:r>
+          </a:p>
+          <a:p>
+            <a:pPr lvl="2"/>
+            <a:r>
+              <a:t>Body Level Three</a:t>
+            </a:r>
+          </a:p>
+          <a:p>
+            <a:pPr lvl="3"/>
+            <a:r>
+              <a:t>Body Level Four</a:t>
+            </a:r>
+          </a:p>
+          <a:p>
+            <a:pPr lvl="4"/>
+            <a:r>
+              <a:t>Body Level Five</a:t>
+            </a:r>
+          </a:p>
+        </p:txBody>
+      </p:sp>
+      <p:sp>
+        <p:nvSpPr>
+          <p:cNvPr id="58" name="Slide Number"/>
+          <p:cNvSpPr txBox="1"/>
+          <p:nvPr>
+            <p:ph type="sldNum" sz="quarter" idx="2"/>
+          </p:nvPr>
+        </p:nvSpPr>
+        <p:spPr>
+          <a:xfrm>
+            <a:off x="6311798" y="9245600"/>
+            <a:ext cx="368504" cy="381000"/>
+          </a:xfrm>
+          <a:prstGeom prst="rect">
+            <a:avLst/>
+          </a:prstGeom>
+        </p:spPr>
+        <p:txBody>
+          <a:bodyPr anchor="t"/>
           <a:lstStyle/>
           <a:p>
             <a:pPr/>
@@ -1831,8 +1623,8 @@
 </file>
 
 <file path=ppt/slideLayouts/slideLayout7.xml><?xml version="1.0" encoding="utf-8"?>
-<p:sldLayout xmlns:a="http://schemas.openxmlformats.org/drawingml/2006/main" xmlns:r="http://schemas.openxmlformats.org/officeDocument/2006/relationships" xmlns:p="http://schemas.openxmlformats.org/presentationml/2006/main" type="tx" showMasterSp="1" showMasterPhAnim="1">
-  <p:cSld name="Title, 2 Content and Content">
+<p:sldLayout xmlns:a="http://schemas.openxmlformats.org/drawingml/2006/main" xmlns:r="http://schemas.openxmlformats.org/officeDocument/2006/relationships" xmlns:p="http://schemas.openxmlformats.org/presentationml/2006/main" xmlns:m="http://schemas.openxmlformats.org/officeDocument/2006/math" xmlns:a14="http://schemas.microsoft.com/office/drawing/2010/main" type="tx" showMasterSp="1" showMasterPhAnim="1">
+  <p:cSld name="Title, Bullets &amp; Photo">
     <p:spTree>
       <p:nvGrpSpPr>
         <p:cNvPr id="1" name=""/>
@@ -1849,157 +1641,37 @@
       </p:grpSpPr>
       <p:sp>
         <p:nvSpPr>
-          <p:cNvPr id="62" name="Title Text"/>
-          <p:cNvSpPr txBox="1"/>
+          <p:cNvPr id="65" name="Image"/>
+          <p:cNvSpPr/>
           <p:nvPr>
-            <p:ph type="title"/>
+            <p:ph type="pic" sz="half" idx="13"/>
           </p:nvPr>
         </p:nvSpPr>
         <p:spPr>
           <a:xfrm>
-            <a:off x="504000" y="301320"/>
-            <a:ext cx="9071641" cy="1262160"/>
+            <a:off x="6718300" y="2590800"/>
+            <a:ext cx="5334000" cy="6286500"/>
           </a:xfrm>
           <a:prstGeom prst="rect">
             <a:avLst/>
           </a:prstGeom>
         </p:spPr>
         <p:txBody>
-          <a:bodyPr>
-            <a:normAutofit fontScale="100000" lnSpcReduction="0"/>
+          <a:bodyPr lIns="91439" tIns="45719" rIns="91439" bIns="45719" anchor="t">
+            <a:noAutofit/>
           </a:bodyPr>
           <a:lstStyle/>
           <a:p>
             <a:pPr/>
-            <a:r>
-              <a:t>Title Text</a:t>
-            </a:r>
           </a:p>
         </p:txBody>
       </p:sp>
       <p:sp>
         <p:nvSpPr>
-          <p:cNvPr id="63" name="Body Level One…"/>
+          <p:cNvPr id="66" name="Title Text"/>
           <p:cNvSpPr txBox="1"/>
           <p:nvPr>
-            <p:ph type="body" sz="quarter" idx="1"/>
-          </p:nvPr>
-        </p:nvSpPr>
-        <p:spPr>
-          <a:xfrm>
-            <a:off x="504000" y="1769040"/>
-            <a:ext cx="4426921" cy="2091241"/>
-          </a:xfrm>
-          <a:prstGeom prst="rect">
-            <a:avLst/>
-          </a:prstGeom>
-        </p:spPr>
-        <p:txBody>
-          <a:bodyPr/>
-          <a:lstStyle/>
-          <a:p>
-            <a:pPr/>
-            <a:r>
-              <a:t>Body Level One</a:t>
-            </a:r>
-          </a:p>
-          <a:p>
-            <a:pPr lvl="1"/>
-            <a:r>
-              <a:t>Body Level Two</a:t>
-            </a:r>
-          </a:p>
-          <a:p>
-            <a:pPr lvl="2"/>
-            <a:r>
-              <a:t>Body Level Three</a:t>
-            </a:r>
-          </a:p>
-          <a:p>
-            <a:pPr lvl="3"/>
-            <a:r>
-              <a:t>Body Level Four</a:t>
-            </a:r>
-          </a:p>
-          <a:p>
-            <a:pPr lvl="4"/>
-            <a:r>
-              <a:t>Body Level Five</a:t>
-            </a:r>
-          </a:p>
-        </p:txBody>
-      </p:sp>
-      <p:sp>
-        <p:nvSpPr>
-          <p:cNvPr id="64" name="PlaceHolder 3"/>
-          <p:cNvSpPr/>
-          <p:nvPr/>
-        </p:nvSpPr>
-        <p:spPr>
-          <a:xfrm>
-            <a:off x="5152680" y="1769040"/>
-            <a:ext cx="4426921" cy="4384441"/>
-          </a:xfrm>
-          <a:prstGeom prst="rect">
-            <a:avLst/>
-          </a:prstGeom>
-          <a:ln w="12700">
-            <a:miter lim="400000"/>
-          </a:ln>
-        </p:spPr>
-        <p:txBody>
-          <a:bodyPr lIns="0" tIns="0" rIns="0" bIns="0">
-            <a:normAutofit fontScale="100000" lnSpcReduction="0"/>
-          </a:bodyPr>
-          <a:lstStyle/>
-          <a:p>
-            <a:pPr marL="431999" indent="-323999">
-              <a:spcBef>
-                <a:spcPts val="1400"/>
-              </a:spcBef>
-              <a:buClr>
-                <a:srgbClr val="000000"/>
-              </a:buClr>
-              <a:buSzPct val="45000"/>
-              <a:buChar char="●"/>
-              <a:defRPr spc="-100" sz="3200"/>
-            </a:pPr>
-          </a:p>
-        </p:txBody>
-      </p:sp>
-      <p:sp>
-        <p:nvSpPr>
-          <p:cNvPr id="65" name="PlaceHolder 4"/>
-          <p:cNvSpPr/>
-          <p:nvPr>
-            <p:ph type="body" sz="quarter" idx="13"/>
-          </p:nvPr>
-        </p:nvSpPr>
-        <p:spPr>
-          <a:xfrm>
-            <a:off x="503999" y="4059359"/>
-            <a:ext cx="4426922" cy="2091241"/>
-          </a:xfrm>
-          <a:prstGeom prst="rect">
-            <a:avLst/>
-          </a:prstGeom>
-        </p:spPr>
-        <p:txBody>
-          <a:bodyPr/>
-          <a:lstStyle/>
-          <a:p>
-            <a:pPr>
-              <a:defRPr spc="-100"/>
-            </a:pPr>
-          </a:p>
-        </p:txBody>
-      </p:sp>
-      <p:sp>
-        <p:nvSpPr>
-          <p:cNvPr id="66" name="Slide Number"/>
-          <p:cNvSpPr txBox="1"/>
-          <p:nvPr>
-            <p:ph type="sldNum" sz="quarter" idx="2"/>
+            <p:ph type="title"/>
           </p:nvPr>
         </p:nvSpPr>
         <p:spPr>
@@ -2009,6 +1681,117 @@
         </p:spPr>
         <p:txBody>
           <a:bodyPr/>
+          <a:lstStyle/>
+          <a:p>
+            <a:pPr/>
+            <a:r>
+              <a:t>Title Text</a:t>
+            </a:r>
+          </a:p>
+        </p:txBody>
+      </p:sp>
+      <p:sp>
+        <p:nvSpPr>
+          <p:cNvPr id="67" name="Body Level One…"/>
+          <p:cNvSpPr txBox="1"/>
+          <p:nvPr>
+            <p:ph type="body" sz="half" idx="1"/>
+          </p:nvPr>
+        </p:nvSpPr>
+        <p:spPr>
+          <a:xfrm>
+            <a:off x="952500" y="2590800"/>
+            <a:ext cx="5334000" cy="6286500"/>
+          </a:xfrm>
+          <a:prstGeom prst="rect">
+            <a:avLst/>
+          </a:prstGeom>
+        </p:spPr>
+        <p:txBody>
+          <a:bodyPr/>
+          <a:lstStyle>
+            <a:lvl1pPr marL="381000" indent="-381000">
+              <a:spcBef>
+                <a:spcPts val="3800"/>
+              </a:spcBef>
+              <a:defRPr sz="2800"/>
+            </a:lvl1pPr>
+            <a:lvl2pPr marL="762000" indent="-381000">
+              <a:spcBef>
+                <a:spcPts val="3800"/>
+              </a:spcBef>
+              <a:defRPr sz="2800"/>
+            </a:lvl2pPr>
+            <a:lvl3pPr marL="1143000" indent="-381000">
+              <a:spcBef>
+                <a:spcPts val="3800"/>
+              </a:spcBef>
+              <a:defRPr sz="2800"/>
+            </a:lvl3pPr>
+            <a:lvl4pPr marL="1524000" indent="-381000">
+              <a:spcBef>
+                <a:spcPts val="3800"/>
+              </a:spcBef>
+              <a:defRPr sz="2800"/>
+            </a:lvl4pPr>
+            <a:lvl5pPr marL="1905000" indent="-381000">
+              <a:spcBef>
+                <a:spcPts val="3800"/>
+              </a:spcBef>
+              <a:defRPr sz="2800"/>
+            </a:lvl5pPr>
+          </a:lstStyle>
+          <a:p>
+            <a:pPr/>
+            <a:r>
+              <a:t>Body Level One</a:t>
+            </a:r>
+          </a:p>
+          <a:p>
+            <a:pPr lvl="1"/>
+            <a:r>
+              <a:t>Body Level Two</a:t>
+            </a:r>
+          </a:p>
+          <a:p>
+            <a:pPr lvl="2"/>
+            <a:r>
+              <a:t>Body Level Three</a:t>
+            </a:r>
+          </a:p>
+          <a:p>
+            <a:pPr lvl="3"/>
+            <a:r>
+              <a:t>Body Level Four</a:t>
+            </a:r>
+          </a:p>
+          <a:p>
+            <a:pPr lvl="4"/>
+            <a:r>
+              <a:t>Body Level Five</a:t>
+            </a:r>
+          </a:p>
+        </p:txBody>
+      </p:sp>
+      <p:sp>
+        <p:nvSpPr>
+          <p:cNvPr id="68" name="Slide Number"/>
+          <p:cNvSpPr txBox="1"/>
+          <p:nvPr>
+            <p:ph type="sldNum" sz="quarter" idx="2"/>
+          </p:nvPr>
+        </p:nvSpPr>
+        <p:spPr>
+          <a:xfrm>
+            <a:off x="6311798" y="9245600"/>
+            <a:ext cx="368504" cy="381000"/>
+          </a:xfrm>
+          <a:prstGeom prst="rect">
+            <a:avLst/>
+          </a:prstGeom>
+        </p:spPr>
+        <p:txBody>
+          <a:bodyPr anchor="t"/>
           <a:lstStyle/>
           <a:p>
             <a:pPr/>
@@ -2026,8 +1809,8 @@
 </file>
 
 <file path=ppt/slideLayouts/slideLayout8.xml><?xml version="1.0" encoding="utf-8"?>
-<p:sldLayout xmlns:a="http://schemas.openxmlformats.org/drawingml/2006/main" xmlns:r="http://schemas.openxmlformats.org/officeDocument/2006/relationships" xmlns:p="http://schemas.openxmlformats.org/presentationml/2006/main" type="tx" showMasterSp="1" showMasterPhAnim="1">
-  <p:cSld name="Title Content and 2 Content">
+<p:sldLayout xmlns:a="http://schemas.openxmlformats.org/drawingml/2006/main" xmlns:r="http://schemas.openxmlformats.org/officeDocument/2006/relationships" xmlns:p="http://schemas.openxmlformats.org/presentationml/2006/main" xmlns:m="http://schemas.openxmlformats.org/officeDocument/2006/math" xmlns:a14="http://schemas.microsoft.com/office/drawing/2010/main" type="tx" showMasterSp="1" showMasterPhAnim="1">
+  <p:cSld name="Bullets">
     <p:spTree>
       <p:nvGrpSpPr>
         <p:cNvPr id="1" name=""/>
@@ -2044,46 +1827,16 @@
       </p:grpSpPr>
       <p:sp>
         <p:nvSpPr>
-          <p:cNvPr id="73" name="Title Text"/>
+          <p:cNvPr id="75" name="Body Level One…"/>
           <p:cNvSpPr txBox="1"/>
           <p:nvPr>
-            <p:ph type="title"/>
+            <p:ph type="body" idx="1"/>
           </p:nvPr>
         </p:nvSpPr>
         <p:spPr>
           <a:xfrm>
-            <a:off x="504000" y="301320"/>
-            <a:ext cx="9071641" cy="1262160"/>
-          </a:xfrm>
-          <a:prstGeom prst="rect">
-            <a:avLst/>
-          </a:prstGeom>
-        </p:spPr>
-        <p:txBody>
-          <a:bodyPr>
-            <a:normAutofit fontScale="100000" lnSpcReduction="0"/>
-          </a:bodyPr>
-          <a:lstStyle/>
-          <a:p>
-            <a:pPr/>
-            <a:r>
-              <a:t>Title Text</a:t>
-            </a:r>
-          </a:p>
-        </p:txBody>
-      </p:sp>
-      <p:sp>
-        <p:nvSpPr>
-          <p:cNvPr id="74" name="Body Level One…"/>
-          <p:cNvSpPr txBox="1"/>
-          <p:nvPr>
-            <p:ph type="body" sz="half" idx="1"/>
-          </p:nvPr>
-        </p:nvSpPr>
-        <p:spPr>
-          <a:xfrm>
-            <a:off x="504000" y="1769040"/>
-            <a:ext cx="4426921" cy="4384441"/>
+            <a:off x="952500" y="1270000"/>
+            <a:ext cx="11099800" cy="7213600"/>
           </a:xfrm>
           <a:prstGeom prst="rect">
             <a:avLst/>
@@ -2126,84 +1879,23 @@
       </p:sp>
       <p:sp>
         <p:nvSpPr>
-          <p:cNvPr id="75" name="PlaceHolder 3"/>
-          <p:cNvSpPr/>
-          <p:nvPr/>
-        </p:nvSpPr>
-        <p:spPr>
-          <a:xfrm>
-            <a:off x="5152680" y="1769040"/>
-            <a:ext cx="4426921" cy="2091241"/>
-          </a:xfrm>
-          <a:prstGeom prst="rect">
-            <a:avLst/>
-          </a:prstGeom>
-          <a:ln w="12700">
-            <a:miter lim="400000"/>
-          </a:ln>
-        </p:spPr>
-        <p:txBody>
-          <a:bodyPr lIns="0" tIns="0" rIns="0" bIns="0">
-            <a:normAutofit fontScale="100000" lnSpcReduction="0"/>
-          </a:bodyPr>
-          <a:lstStyle/>
-          <a:p>
-            <a:pPr marL="431999" indent="-323999">
-              <a:spcBef>
-                <a:spcPts val="1400"/>
-              </a:spcBef>
-              <a:buClr>
-                <a:srgbClr val="000000"/>
-              </a:buClr>
-              <a:buSzPct val="45000"/>
-              <a:buChar char="●"/>
-              <a:defRPr spc="-100" sz="3200"/>
-            </a:pPr>
-          </a:p>
-        </p:txBody>
-      </p:sp>
-      <p:sp>
-        <p:nvSpPr>
-          <p:cNvPr id="76" name="PlaceHolder 4"/>
-          <p:cNvSpPr/>
+          <p:cNvPr id="76" name="Slide Number"/>
+          <p:cNvSpPr txBox="1"/>
           <p:nvPr>
-            <p:ph type="body" sz="quarter" idx="13"/>
+            <p:ph type="sldNum" sz="quarter" idx="2"/>
           </p:nvPr>
         </p:nvSpPr>
         <p:spPr>
           <a:xfrm>
-            <a:off x="5152680" y="4059359"/>
-            <a:ext cx="4426921" cy="2091241"/>
+            <a:off x="6311798" y="9245600"/>
+            <a:ext cx="368504" cy="381000"/>
           </a:xfrm>
           <a:prstGeom prst="rect">
             <a:avLst/>
           </a:prstGeom>
         </p:spPr>
         <p:txBody>
-          <a:bodyPr/>
-          <a:lstStyle/>
-          <a:p>
-            <a:pPr>
-              <a:defRPr spc="-100"/>
-            </a:pPr>
-          </a:p>
-        </p:txBody>
-      </p:sp>
-      <p:sp>
-        <p:nvSpPr>
-          <p:cNvPr id="77" name="Slide Number"/>
-          <p:cNvSpPr txBox="1"/>
-          <p:nvPr>
-            <p:ph type="sldNum" sz="quarter" idx="2"/>
-          </p:nvPr>
-        </p:nvSpPr>
-        <p:spPr>
-          <a:prstGeom prst="rect">
-            <a:avLst/>
-          </a:prstGeom>
-        </p:spPr>
-        <p:txBody>
-          <a:bodyPr/>
+          <a:bodyPr anchor="t"/>
           <a:lstStyle/>
           <a:p>
             <a:pPr/>
@@ -2221,8 +1913,8 @@
 </file>
 
 <file path=ppt/slideLayouts/slideLayout9.xml><?xml version="1.0" encoding="utf-8"?>
-<p:sldLayout xmlns:a="http://schemas.openxmlformats.org/drawingml/2006/main" xmlns:r="http://schemas.openxmlformats.org/officeDocument/2006/relationships" xmlns:p="http://schemas.openxmlformats.org/presentationml/2006/main" type="tx" showMasterSp="1" showMasterPhAnim="1">
-  <p:cSld name="Title, 2 Content over Content">
+<p:sldLayout xmlns:a="http://schemas.openxmlformats.org/drawingml/2006/main" xmlns:r="http://schemas.openxmlformats.org/officeDocument/2006/relationships" xmlns:p="http://schemas.openxmlformats.org/presentationml/2006/main" xmlns:m="http://schemas.openxmlformats.org/officeDocument/2006/math" xmlns:a14="http://schemas.microsoft.com/office/drawing/2010/main" type="tx" showMasterSp="1" showMasterPhAnim="1">
+  <p:cSld name="Photo - 3 Up">
     <p:spTree>
       <p:nvGrpSpPr>
         <p:cNvPr id="1" name=""/>
@@ -2239,166 +1931,104 @@
       </p:grpSpPr>
       <p:sp>
         <p:nvSpPr>
-          <p:cNvPr id="84" name="Title Text"/>
-          <p:cNvSpPr txBox="1"/>
+          <p:cNvPr id="83" name="Image"/>
+          <p:cNvSpPr/>
           <p:nvPr>
-            <p:ph type="title"/>
+            <p:ph type="pic" sz="quarter" idx="13"/>
           </p:nvPr>
         </p:nvSpPr>
         <p:spPr>
           <a:xfrm>
-            <a:off x="504000" y="301320"/>
-            <a:ext cx="9071641" cy="1262160"/>
+            <a:off x="6718300" y="5092700"/>
+            <a:ext cx="5334000" cy="3898900"/>
           </a:xfrm>
           <a:prstGeom prst="rect">
             <a:avLst/>
           </a:prstGeom>
         </p:spPr>
         <p:txBody>
-          <a:bodyPr>
-            <a:normAutofit fontScale="100000" lnSpcReduction="0"/>
+          <a:bodyPr lIns="91439" tIns="45719" rIns="91439" bIns="45719" anchor="t">
+            <a:noAutofit/>
           </a:bodyPr>
           <a:lstStyle/>
           <a:p>
             <a:pPr/>
-            <a:r>
-              <a:t>Title Text</a:t>
-            </a:r>
           </a:p>
         </p:txBody>
       </p:sp>
       <p:sp>
         <p:nvSpPr>
-          <p:cNvPr id="85" name="Body Level One…"/>
-          <p:cNvSpPr txBox="1"/>
+          <p:cNvPr id="84" name="Image"/>
+          <p:cNvSpPr/>
           <p:nvPr>
-            <p:ph type="body" sz="quarter" idx="1"/>
+            <p:ph type="pic" sz="quarter" idx="14"/>
           </p:nvPr>
         </p:nvSpPr>
         <p:spPr>
           <a:xfrm>
-            <a:off x="504000" y="1769040"/>
-            <a:ext cx="4426921" cy="2091241"/>
+            <a:off x="6718300" y="762000"/>
+            <a:ext cx="5334000" cy="3898900"/>
           </a:xfrm>
           <a:prstGeom prst="rect">
             <a:avLst/>
           </a:prstGeom>
         </p:spPr>
         <p:txBody>
-          <a:bodyPr/>
+          <a:bodyPr lIns="91439" tIns="45719" rIns="91439" bIns="45719" anchor="t">
+            <a:noAutofit/>
+          </a:bodyPr>
           <a:lstStyle/>
           <a:p>
             <a:pPr/>
-            <a:r>
-              <a:t>Body Level One</a:t>
-            </a:r>
-          </a:p>
-          <a:p>
-            <a:pPr lvl="1"/>
-            <a:r>
-              <a:t>Body Level Two</a:t>
-            </a:r>
-          </a:p>
-          <a:p>
-            <a:pPr lvl="2"/>
-            <a:r>
-              <a:t>Body Level Three</a:t>
-            </a:r>
-          </a:p>
-          <a:p>
-            <a:pPr lvl="3"/>
-            <a:r>
-              <a:t>Body Level Four</a:t>
-            </a:r>
-          </a:p>
-          <a:p>
-            <a:pPr lvl="4"/>
-            <a:r>
-              <a:t>Body Level Five</a:t>
-            </a:r>
           </a:p>
         </p:txBody>
       </p:sp>
       <p:sp>
         <p:nvSpPr>
-          <p:cNvPr id="86" name="PlaceHolder 3"/>
-          <p:cNvSpPr/>
-          <p:nvPr/>
-        </p:nvSpPr>
-        <p:spPr>
-          <a:xfrm>
-            <a:off x="5152680" y="1769040"/>
-            <a:ext cx="4426921" cy="2091241"/>
-          </a:xfrm>
-          <a:prstGeom prst="rect">
-            <a:avLst/>
-          </a:prstGeom>
-          <a:ln w="12700">
-            <a:miter lim="400000"/>
-          </a:ln>
-        </p:spPr>
-        <p:txBody>
-          <a:bodyPr lIns="0" tIns="0" rIns="0" bIns="0">
-            <a:normAutofit fontScale="100000" lnSpcReduction="0"/>
-          </a:bodyPr>
-          <a:lstStyle/>
-          <a:p>
-            <a:pPr marL="431999" indent="-323999">
-              <a:spcBef>
-                <a:spcPts val="1400"/>
-              </a:spcBef>
-              <a:buClr>
-                <a:srgbClr val="000000"/>
-              </a:buClr>
-              <a:buSzPct val="45000"/>
-              <a:buChar char="●"/>
-              <a:defRPr spc="-100" sz="3200"/>
-            </a:pPr>
-          </a:p>
-        </p:txBody>
-      </p:sp>
-      <p:sp>
-        <p:nvSpPr>
-          <p:cNvPr id="87" name="PlaceHolder 4"/>
+          <p:cNvPr id="85" name="Image"/>
           <p:cNvSpPr/>
           <p:nvPr>
-            <p:ph type="body" sz="half" idx="13"/>
+            <p:ph type="pic" sz="half" idx="15"/>
           </p:nvPr>
         </p:nvSpPr>
         <p:spPr>
           <a:xfrm>
-            <a:off x="503999" y="4059359"/>
-            <a:ext cx="9071642" cy="2091241"/>
+            <a:off x="952500" y="762884"/>
+            <a:ext cx="5334000" cy="8229601"/>
           </a:xfrm>
           <a:prstGeom prst="rect">
             <a:avLst/>
           </a:prstGeom>
         </p:spPr>
         <p:txBody>
-          <a:bodyPr/>
+          <a:bodyPr lIns="91439" tIns="45719" rIns="91439" bIns="45719" anchor="t">
+            <a:noAutofit/>
+          </a:bodyPr>
           <a:lstStyle/>
           <a:p>
-            <a:pPr>
-              <a:defRPr spc="-100"/>
-            </a:pPr>
+            <a:pPr/>
           </a:p>
         </p:txBody>
       </p:sp>
       <p:sp>
         <p:nvSpPr>
-          <p:cNvPr id="88" name="Slide Number"/>
+          <p:cNvPr id="86" name="Slide Number"/>
           <p:cNvSpPr txBox="1"/>
           <p:nvPr>
             <p:ph type="sldNum" sz="quarter" idx="2"/>
           </p:nvPr>
         </p:nvSpPr>
         <p:spPr>
+          <a:xfrm>
+            <a:off x="6311798" y="9245600"/>
+            <a:ext cx="368504" cy="381000"/>
+          </a:xfrm>
           <a:prstGeom prst="rect">
             <a:avLst/>
           </a:prstGeom>
         </p:spPr>
         <p:txBody>
-          <a:bodyPr/>
+          <a:bodyPr anchor="t"/>
           <a:lstStyle/>
           <a:p>
             <a:pPr/>
@@ -2416,13 +2046,17 @@
 </file>
 
 <file path=ppt/slideMasters/slideMaster1.xml><?xml version="1.0" encoding="utf-8"?>
-<p:sldMaster xmlns:a="http://schemas.openxmlformats.org/drawingml/2006/main" xmlns:r="http://schemas.openxmlformats.org/officeDocument/2006/relationships" xmlns:p="http://schemas.openxmlformats.org/presentationml/2006/main">
+<p:sldMaster xmlns:a="http://schemas.openxmlformats.org/drawingml/2006/main" xmlns:r="http://schemas.openxmlformats.org/officeDocument/2006/relationships" xmlns:p="http://schemas.openxmlformats.org/presentationml/2006/main" xmlns:m="http://schemas.openxmlformats.org/officeDocument/2006/math" xmlns:a14="http://schemas.microsoft.com/office/drawing/2010/main">
   <p:cSld>
     <p:bg>
       <p:bgPr>
-        <a:solidFill>
-          <a:srgbClr val="000000"/>
-        </a:solidFill>
+        <a:blipFill rotWithShape="1">
+          <a:blip r:embed="rId2"/>
+          <a:srcRect l="0" t="0" r="0" b="0"/>
+          <a:stretch>
+            <a:fillRect/>
+          </a:stretch>
+        </a:blipFill>
       </p:bgPr>
     </p:bg>
     <p:spTree>
@@ -2449,8 +2083,8 @@
         </p:nvSpPr>
         <p:spPr>
           <a:xfrm>
-            <a:off x="503555" y="101453"/>
-            <a:ext cx="9063991" cy="1661731"/>
+            <a:off x="952500" y="406400"/>
+            <a:ext cx="11099800" cy="2120900"/>
           </a:xfrm>
           <a:prstGeom prst="rect">
             <a:avLst/>
@@ -2465,7 +2099,9 @@
           </a:extLst>
         </p:spPr>
         <p:txBody>
-          <a:bodyPr lIns="0" tIns="0" rIns="0" bIns="0" anchor="ctr"/>
+          <a:bodyPr lIns="50800" tIns="50800" rIns="50800" bIns="50800" anchor="ctr">
+            <a:normAutofit fontScale="100000" lnSpcReduction="0"/>
+          </a:bodyPr>
           <a:lstStyle/>
           <a:p>
             <a:pPr/>
@@ -2485,8 +2121,8 @@
         </p:nvSpPr>
         <p:spPr>
           <a:xfrm>
-            <a:off x="503555" y="1763183"/>
-            <a:ext cx="9063991" cy="5793317"/>
+            <a:off x="952500" y="2590800"/>
+            <a:ext cx="11099800" cy="6286500"/>
           </a:xfrm>
           <a:prstGeom prst="rect">
             <a:avLst/>
@@ -2501,7 +2137,7 @@
           </a:extLst>
         </p:spPr>
         <p:txBody>
-          <a:bodyPr lIns="0" tIns="0" rIns="0" bIns="0">
+          <a:bodyPr lIns="50800" tIns="50800" rIns="50800" bIns="50800" anchor="ctr">
             <a:normAutofit fontScale="100000" lnSpcReduction="0"/>
           </a:bodyPr>
           <a:lstStyle/>
@@ -2547,8 +2183,8 @@
         </p:nvSpPr>
         <p:spPr>
           <a:xfrm>
-            <a:off x="4867698" y="7003756"/>
-            <a:ext cx="2349924" cy="406401"/>
+            <a:off x="6311798" y="9245599"/>
+            <a:ext cx="368504" cy="381001"/>
           </a:xfrm>
           <a:prstGeom prst="rect">
             <a:avLst/>
@@ -2558,17 +2194,15 @@
           </a:ln>
         </p:spPr>
         <p:txBody>
-          <a:bodyPr wrap="none" lIns="0" tIns="0" rIns="0" bIns="0">
+          <a:bodyPr wrap="none" lIns="50800" tIns="50800" rIns="50800" bIns="50800" anchor="b">
             <a:spAutoFit/>
           </a:bodyPr>
           <a:lstStyle>
-            <a:lvl1pPr algn="r">
-              <a:defRPr spc="-1" sz="1400">
-                <a:latin typeface="Times New Roman"/>
-                <a:ea typeface="Times New Roman"/>
-                <a:cs typeface="Times New Roman"/>
-                <a:sym typeface="Times New Roman"/>
-              </a:defRPr>
+            <a:lvl1pPr>
+              <a:spcBef>
+                <a:spcPts val="0"/>
+              </a:spcBef>
+              <a:defRPr spc="0" sz="1800"/>
             </a:lvl1pPr>
           </a:lstStyle>
           <a:p>
@@ -2579,25 +2213,25 @@
       </p:sp>
     </p:spTree>
   </p:cSld>
-  <p:clrMap bg1="lt1" tx1="dk1" bg2="lt2" tx2="dk2" accent1="accent1" accent2="accent2" accent3="accent3" accent4="accent4" accent5="accent5" accent6="accent6" hlink="hlink" folHlink="folHlink"/>
+  <p:clrMap bg1="dk1" tx1="lt1" bg2="dk2" tx2="lt2" accent1="accent1" accent2="accent2" accent3="accent3" accent4="accent4" accent5="accent5" accent6="accent6" hlink="hlink" folHlink="folHlink"/>
   <p:sldLayoutIdLst>
-    <p:sldLayoutId id="2147483649" r:id="rId2"/>
-    <p:sldLayoutId id="2147483650" r:id="rId3"/>
-    <p:sldLayoutId id="2147483651" r:id="rId4"/>
-    <p:sldLayoutId id="2147483652" r:id="rId5"/>
-    <p:sldLayoutId id="2147483653" r:id="rId6"/>
-    <p:sldLayoutId id="2147483654" r:id="rId7"/>
-    <p:sldLayoutId id="2147483655" r:id="rId8"/>
-    <p:sldLayoutId id="2147483656" r:id="rId9"/>
-    <p:sldLayoutId id="2147483657" r:id="rId10"/>
-    <p:sldLayoutId id="2147483658" r:id="rId11"/>
-    <p:sldLayoutId id="2147483659" r:id="rId12"/>
-    <p:sldLayoutId id="2147483660" r:id="rId13"/>
+    <p:sldLayoutId id="2147483649" r:id="rId3"/>
+    <p:sldLayoutId id="2147483650" r:id="rId4"/>
+    <p:sldLayoutId id="2147483651" r:id="rId5"/>
+    <p:sldLayoutId id="2147483652" r:id="rId6"/>
+    <p:sldLayoutId id="2147483653" r:id="rId7"/>
+    <p:sldLayoutId id="2147483654" r:id="rId8"/>
+    <p:sldLayoutId id="2147483655" r:id="rId9"/>
+    <p:sldLayoutId id="2147483656" r:id="rId10"/>
+    <p:sldLayoutId id="2147483657" r:id="rId11"/>
+    <p:sldLayoutId id="2147483658" r:id="rId12"/>
+    <p:sldLayoutId id="2147483659" r:id="rId13"/>
+    <p:sldLayoutId id="2147483660" r:id="rId14"/>
   </p:sldLayoutIdLst>
   <p:transition xmlns:p14="http://schemas.microsoft.com/office/powerpoint/2010/main" spd="med" advClick="1"/>
   <p:txStyles>
     <p:titleStyle>
-      <a:lvl1pPr marL="0" marR="0" indent="0" algn="ctr" defTabSz="914400" rtl="0" latinLnBrk="0">
+      <a:lvl1pPr marL="0" marR="0" indent="0" algn="ctr" defTabSz="584200" rtl="0" latinLnBrk="0">
         <a:lnSpc>
           <a:spcPct val="100000"/>
         </a:lnSpc>
@@ -2612,21 +2246,21 @@
         <a:buFontTx/>
         <a:buNone/>
         <a:tabLst/>
-        <a:defRPr b="0" baseline="0" cap="none" i="0" spc="-1" strike="noStrike" sz="4400" u="none">
+        <a:defRPr b="0" baseline="0" cap="none" i="0" spc="0" strike="noStrike" sz="8000" u="none">
           <a:ln>
             <a:noFill/>
           </a:ln>
           <a:solidFill>
-            <a:srgbClr val="000000"/>
+            <a:srgbClr val="FFFFFF"/>
           </a:solidFill>
           <a:uFillTx/>
-          <a:latin typeface="Arial"/>
-          <a:ea typeface="Arial"/>
-          <a:cs typeface="Arial"/>
-          <a:sym typeface="Arial"/>
+          <a:latin typeface="+mn-lt"/>
+          <a:ea typeface="+mn-ea"/>
+          <a:cs typeface="+mn-cs"/>
+          <a:sym typeface="Helvetica Light"/>
         </a:defRPr>
       </a:lvl1pPr>
-      <a:lvl2pPr marL="0" marR="0" indent="0" algn="ctr" defTabSz="914400" rtl="0" latinLnBrk="0">
+      <a:lvl2pPr marL="0" marR="0" indent="0" algn="ctr" defTabSz="584200" rtl="0" latinLnBrk="0">
         <a:lnSpc>
           <a:spcPct val="100000"/>
         </a:lnSpc>
@@ -2641,21 +2275,21 @@
         <a:buFontTx/>
         <a:buNone/>
         <a:tabLst/>
-        <a:defRPr b="0" baseline="0" cap="none" i="0" spc="-1" strike="noStrike" sz="4400" u="none">
+        <a:defRPr b="0" baseline="0" cap="none" i="0" spc="0" strike="noStrike" sz="8000" u="none">
           <a:ln>
             <a:noFill/>
           </a:ln>
           <a:solidFill>
-            <a:srgbClr val="000000"/>
+            <a:srgbClr val="FFFFFF"/>
           </a:solidFill>
           <a:uFillTx/>
-          <a:latin typeface="Arial"/>
-          <a:ea typeface="Arial"/>
-          <a:cs typeface="Arial"/>
-          <a:sym typeface="Arial"/>
+          <a:latin typeface="+mn-lt"/>
+          <a:ea typeface="+mn-ea"/>
+          <a:cs typeface="+mn-cs"/>
+          <a:sym typeface="Helvetica Light"/>
         </a:defRPr>
       </a:lvl2pPr>
-      <a:lvl3pPr marL="0" marR="0" indent="0" algn="ctr" defTabSz="914400" rtl="0" latinLnBrk="0">
+      <a:lvl3pPr marL="0" marR="0" indent="0" algn="ctr" defTabSz="584200" rtl="0" latinLnBrk="0">
         <a:lnSpc>
           <a:spcPct val="100000"/>
         </a:lnSpc>
@@ -2670,21 +2304,21 @@
         <a:buFontTx/>
         <a:buNone/>
         <a:tabLst/>
-        <a:defRPr b="0" baseline="0" cap="none" i="0" spc="-1" strike="noStrike" sz="4400" u="none">
+        <a:defRPr b="0" baseline="0" cap="none" i="0" spc="0" strike="noStrike" sz="8000" u="none">
           <a:ln>
             <a:noFill/>
           </a:ln>
           <a:solidFill>
-            <a:srgbClr val="000000"/>
+            <a:srgbClr val="FFFFFF"/>
           </a:solidFill>
           <a:uFillTx/>
-          <a:latin typeface="Arial"/>
-          <a:ea typeface="Arial"/>
-          <a:cs typeface="Arial"/>
-          <a:sym typeface="Arial"/>
+          <a:latin typeface="+mn-lt"/>
+          <a:ea typeface="+mn-ea"/>
+          <a:cs typeface="+mn-cs"/>
+          <a:sym typeface="Helvetica Light"/>
         </a:defRPr>
       </a:lvl3pPr>
-      <a:lvl4pPr marL="0" marR="0" indent="0" algn="ctr" defTabSz="914400" rtl="0" latinLnBrk="0">
+      <a:lvl4pPr marL="0" marR="0" indent="0" algn="ctr" defTabSz="584200" rtl="0" latinLnBrk="0">
         <a:lnSpc>
           <a:spcPct val="100000"/>
         </a:lnSpc>
@@ -2699,21 +2333,21 @@
         <a:buFontTx/>
         <a:buNone/>
         <a:tabLst/>
-        <a:defRPr b="0" baseline="0" cap="none" i="0" spc="-1" strike="noStrike" sz="4400" u="none">
+        <a:defRPr b="0" baseline="0" cap="none" i="0" spc="0" strike="noStrike" sz="8000" u="none">
           <a:ln>
             <a:noFill/>
           </a:ln>
           <a:solidFill>
-            <a:srgbClr val="000000"/>
+            <a:srgbClr val="FFFFFF"/>
           </a:solidFill>
           <a:uFillTx/>
-          <a:latin typeface="Arial"/>
-          <a:ea typeface="Arial"/>
-          <a:cs typeface="Arial"/>
-          <a:sym typeface="Arial"/>
+          <a:latin typeface="+mn-lt"/>
+          <a:ea typeface="+mn-ea"/>
+          <a:cs typeface="+mn-cs"/>
+          <a:sym typeface="Helvetica Light"/>
         </a:defRPr>
       </a:lvl4pPr>
-      <a:lvl5pPr marL="0" marR="0" indent="0" algn="ctr" defTabSz="914400" rtl="0" latinLnBrk="0">
+      <a:lvl5pPr marL="0" marR="0" indent="0" algn="ctr" defTabSz="584200" rtl="0" latinLnBrk="0">
         <a:lnSpc>
           <a:spcPct val="100000"/>
         </a:lnSpc>
@@ -2728,21 +2362,21 @@
         <a:buFontTx/>
         <a:buNone/>
         <a:tabLst/>
-        <a:defRPr b="0" baseline="0" cap="none" i="0" spc="-1" strike="noStrike" sz="4400" u="none">
+        <a:defRPr b="0" baseline="0" cap="none" i="0" spc="0" strike="noStrike" sz="8000" u="none">
           <a:ln>
             <a:noFill/>
           </a:ln>
           <a:solidFill>
-            <a:srgbClr val="000000"/>
+            <a:srgbClr val="FFFFFF"/>
           </a:solidFill>
           <a:uFillTx/>
-          <a:latin typeface="Arial"/>
-          <a:ea typeface="Arial"/>
-          <a:cs typeface="Arial"/>
-          <a:sym typeface="Arial"/>
+          <a:latin typeface="+mn-lt"/>
+          <a:ea typeface="+mn-ea"/>
+          <a:cs typeface="+mn-cs"/>
+          <a:sym typeface="Helvetica Light"/>
         </a:defRPr>
       </a:lvl5pPr>
-      <a:lvl6pPr marL="0" marR="0" indent="0" algn="ctr" defTabSz="914400" rtl="0" latinLnBrk="0">
+      <a:lvl6pPr marL="0" marR="0" indent="0" algn="ctr" defTabSz="584200" rtl="0" latinLnBrk="0">
         <a:lnSpc>
           <a:spcPct val="100000"/>
         </a:lnSpc>
@@ -2757,21 +2391,21 @@
         <a:buFontTx/>
         <a:buNone/>
         <a:tabLst/>
-        <a:defRPr b="0" baseline="0" cap="none" i="0" spc="-1" strike="noStrike" sz="4400" u="none">
+        <a:defRPr b="0" baseline="0" cap="none" i="0" spc="0" strike="noStrike" sz="8000" u="none">
           <a:ln>
             <a:noFill/>
           </a:ln>
           <a:solidFill>
-            <a:srgbClr val="000000"/>
+            <a:srgbClr val="FFFFFF"/>
           </a:solidFill>
           <a:uFillTx/>
-          <a:latin typeface="Arial"/>
-          <a:ea typeface="Arial"/>
-          <a:cs typeface="Arial"/>
-          <a:sym typeface="Arial"/>
+          <a:latin typeface="+mn-lt"/>
+          <a:ea typeface="+mn-ea"/>
+          <a:cs typeface="+mn-cs"/>
+          <a:sym typeface="Helvetica Light"/>
         </a:defRPr>
       </a:lvl6pPr>
-      <a:lvl7pPr marL="0" marR="0" indent="0" algn="ctr" defTabSz="914400" rtl="0" latinLnBrk="0">
+      <a:lvl7pPr marL="0" marR="0" indent="0" algn="ctr" defTabSz="584200" rtl="0" latinLnBrk="0">
         <a:lnSpc>
           <a:spcPct val="100000"/>
         </a:lnSpc>
@@ -2786,21 +2420,21 @@
         <a:buFontTx/>
         <a:buNone/>
         <a:tabLst/>
-        <a:defRPr b="0" baseline="0" cap="none" i="0" spc="-1" strike="noStrike" sz="4400" u="none">
+        <a:defRPr b="0" baseline="0" cap="none" i="0" spc="0" strike="noStrike" sz="8000" u="none">
           <a:ln>
             <a:noFill/>
           </a:ln>
           <a:solidFill>
-            <a:srgbClr val="000000"/>
+            <a:srgbClr val="FFFFFF"/>
           </a:solidFill>
           <a:uFillTx/>
-          <a:latin typeface="Arial"/>
-          <a:ea typeface="Arial"/>
-          <a:cs typeface="Arial"/>
-          <a:sym typeface="Arial"/>
+          <a:latin typeface="+mn-lt"/>
+          <a:ea typeface="+mn-ea"/>
+          <a:cs typeface="+mn-cs"/>
+          <a:sym typeface="Helvetica Light"/>
         </a:defRPr>
       </a:lvl7pPr>
-      <a:lvl8pPr marL="0" marR="0" indent="0" algn="ctr" defTabSz="914400" rtl="0" latinLnBrk="0">
+      <a:lvl8pPr marL="0" marR="0" indent="0" algn="ctr" defTabSz="584200" rtl="0" latinLnBrk="0">
         <a:lnSpc>
           <a:spcPct val="100000"/>
         </a:lnSpc>
@@ -2815,21 +2449,21 @@
         <a:buFontTx/>
         <a:buNone/>
         <a:tabLst/>
-        <a:defRPr b="0" baseline="0" cap="none" i="0" spc="-1" strike="noStrike" sz="4400" u="none">
+        <a:defRPr b="0" baseline="0" cap="none" i="0" spc="0" strike="noStrike" sz="8000" u="none">
           <a:ln>
             <a:noFill/>
           </a:ln>
           <a:solidFill>
-            <a:srgbClr val="000000"/>
+            <a:srgbClr val="FFFFFF"/>
           </a:solidFill>
           <a:uFillTx/>
-          <a:latin typeface="Arial"/>
-          <a:ea typeface="Arial"/>
-          <a:cs typeface="Arial"/>
-          <a:sym typeface="Arial"/>
+          <a:latin typeface="+mn-lt"/>
+          <a:ea typeface="+mn-ea"/>
+          <a:cs typeface="+mn-cs"/>
+          <a:sym typeface="Helvetica Light"/>
         </a:defRPr>
       </a:lvl8pPr>
-      <a:lvl9pPr marL="0" marR="0" indent="0" algn="ctr" defTabSz="914400" rtl="0" latinLnBrk="0">
+      <a:lvl9pPr marL="0" marR="0" indent="0" algn="ctr" defTabSz="584200" rtl="0" latinLnBrk="0">
         <a:lnSpc>
           <a:spcPct val="100000"/>
         </a:lnSpc>
@@ -2844,304 +2478,286 @@
         <a:buFontTx/>
         <a:buNone/>
         <a:tabLst/>
-        <a:defRPr b="0" baseline="0" cap="none" i="0" spc="-1" strike="noStrike" sz="4400" u="none">
+        <a:defRPr b="0" baseline="0" cap="none" i="0" spc="0" strike="noStrike" sz="8000" u="none">
           <a:ln>
             <a:noFill/>
           </a:ln>
           <a:solidFill>
-            <a:srgbClr val="000000"/>
+            <a:srgbClr val="FFFFFF"/>
           </a:solidFill>
           <a:uFillTx/>
-          <a:latin typeface="Arial"/>
-          <a:ea typeface="Arial"/>
-          <a:cs typeface="Arial"/>
-          <a:sym typeface="Arial"/>
+          <a:latin typeface="+mn-lt"/>
+          <a:ea typeface="+mn-ea"/>
+          <a:cs typeface="+mn-cs"/>
+          <a:sym typeface="Helvetica Light"/>
         </a:defRPr>
       </a:lvl9pPr>
     </p:titleStyle>
     <p:bodyStyle>
-      <a:lvl1pPr marL="431999" marR="0" indent="-323999" algn="l" defTabSz="914400" rtl="0" latinLnBrk="0">
+      <a:lvl1pPr marL="457200" marR="0" indent="-457200" algn="l" defTabSz="584200" rtl="0" latinLnBrk="0">
         <a:lnSpc>
           <a:spcPct val="100000"/>
         </a:lnSpc>
         <a:spcBef>
-          <a:spcPts val="1400"/>
+          <a:spcPts val="4200"/>
         </a:spcBef>
         <a:spcAft>
           <a:spcPts val="0"/>
         </a:spcAft>
-        <a:buClr>
-          <a:srgbClr val="000000"/>
-        </a:buClr>
-        <a:buSzPct val="45000"/>
+        <a:buClrTx/>
+        <a:buSzPct val="75000"/>
         <a:buFontTx/>
-        <a:buChar char="●"/>
+        <a:buChar char="•"/>
         <a:tabLst/>
-        <a:defRPr b="0" baseline="0" cap="none" i="0" spc="-1" strike="noStrike" sz="3200" u="none">
+        <a:defRPr b="0" baseline="0" cap="none" i="0" spc="0" strike="noStrike" sz="3800" u="none">
           <a:ln>
             <a:noFill/>
           </a:ln>
           <a:solidFill>
-            <a:srgbClr val="000000"/>
+            <a:srgbClr val="FFFFFF"/>
           </a:solidFill>
           <a:uFillTx/>
-          <a:latin typeface="Arial"/>
-          <a:ea typeface="Arial"/>
-          <a:cs typeface="Arial"/>
-          <a:sym typeface="Arial"/>
+          <a:latin typeface="+mn-lt"/>
+          <a:ea typeface="+mn-ea"/>
+          <a:cs typeface="+mn-cs"/>
+          <a:sym typeface="Helvetica Light"/>
         </a:defRPr>
       </a:lvl1pPr>
-      <a:lvl2pPr marL="910285" marR="0" indent="-370285" algn="l" defTabSz="914400" rtl="0" latinLnBrk="0">
+      <a:lvl2pPr marL="914400" marR="0" indent="-457200" algn="l" defTabSz="584200" rtl="0" latinLnBrk="0">
         <a:lnSpc>
           <a:spcPct val="100000"/>
         </a:lnSpc>
         <a:spcBef>
-          <a:spcPts val="1400"/>
+          <a:spcPts val="4200"/>
         </a:spcBef>
         <a:spcAft>
           <a:spcPts val="0"/>
         </a:spcAft>
-        <a:buClr>
-          <a:srgbClr val="000000"/>
-        </a:buClr>
+        <a:buClrTx/>
         <a:buSzPct val="75000"/>
-        <a:buFont typeface="Wingdings"/>
-        <a:buChar char=""/>
+        <a:buFontTx/>
+        <a:buChar char="•"/>
         <a:tabLst/>
-        <a:defRPr b="0" baseline="0" cap="none" i="0" spc="-1" strike="noStrike" sz="3200" u="none">
+        <a:defRPr b="0" baseline="0" cap="none" i="0" spc="0" strike="noStrike" sz="3800" u="none">
           <a:ln>
             <a:noFill/>
           </a:ln>
           <a:solidFill>
-            <a:srgbClr val="000000"/>
+            <a:srgbClr val="FFFFFF"/>
           </a:solidFill>
           <a:uFillTx/>
-          <a:latin typeface="Arial"/>
-          <a:ea typeface="Arial"/>
-          <a:cs typeface="Arial"/>
-          <a:sym typeface="Arial"/>
+          <a:latin typeface="+mn-lt"/>
+          <a:ea typeface="+mn-ea"/>
+          <a:cs typeface="+mn-cs"/>
+          <a:sym typeface="Helvetica Light"/>
         </a:defRPr>
       </a:lvl2pPr>
-      <a:lvl3pPr marL="1392000" marR="0" indent="-384000" algn="l" defTabSz="914400" rtl="0" latinLnBrk="0">
+      <a:lvl3pPr marL="1371600" marR="0" indent="-457200" algn="l" defTabSz="584200" rtl="0" latinLnBrk="0">
         <a:lnSpc>
           <a:spcPct val="100000"/>
         </a:lnSpc>
         <a:spcBef>
-          <a:spcPts val="1400"/>
+          <a:spcPts val="4200"/>
         </a:spcBef>
         <a:spcAft>
           <a:spcPts val="0"/>
         </a:spcAft>
-        <a:buClr>
-          <a:srgbClr val="000000"/>
-        </a:buClr>
-        <a:buSzPct val="45000"/>
-        <a:buFont typeface="Wingdings"/>
-        <a:buChar char=""/>
+        <a:buClrTx/>
+        <a:buSzPct val="75000"/>
+        <a:buFontTx/>
+        <a:buChar char="•"/>
         <a:tabLst/>
-        <a:defRPr b="0" baseline="0" cap="none" i="0" spc="-1" strike="noStrike" sz="3200" u="none">
+        <a:defRPr b="0" baseline="0" cap="none" i="0" spc="0" strike="noStrike" sz="3800" u="none">
           <a:ln>
             <a:noFill/>
           </a:ln>
           <a:solidFill>
-            <a:srgbClr val="000000"/>
+            <a:srgbClr val="FFFFFF"/>
           </a:solidFill>
           <a:uFillTx/>
-          <a:latin typeface="Arial"/>
-          <a:ea typeface="Arial"/>
-          <a:cs typeface="Arial"/>
-          <a:sym typeface="Arial"/>
+          <a:latin typeface="+mn-lt"/>
+          <a:ea typeface="+mn-ea"/>
+          <a:cs typeface="+mn-cs"/>
+          <a:sym typeface="Helvetica Light"/>
         </a:defRPr>
       </a:lvl3pPr>
-      <a:lvl4pPr marL="1857599" marR="0" indent="-345600" algn="l" defTabSz="914400" rtl="0" latinLnBrk="0">
+      <a:lvl4pPr marL="1828800" marR="0" indent="-457200" algn="l" defTabSz="584200" rtl="0" latinLnBrk="0">
         <a:lnSpc>
           <a:spcPct val="100000"/>
         </a:lnSpc>
         <a:spcBef>
-          <a:spcPts val="1400"/>
+          <a:spcPts val="4200"/>
         </a:spcBef>
         <a:spcAft>
           <a:spcPts val="0"/>
         </a:spcAft>
-        <a:buClr>
-          <a:srgbClr val="000000"/>
-        </a:buClr>
+        <a:buClrTx/>
         <a:buSzPct val="75000"/>
-        <a:buFont typeface="Wingdings"/>
-        <a:buChar char=""/>
+        <a:buFontTx/>
+        <a:buChar char="•"/>
         <a:tabLst/>
-        <a:defRPr b="0" baseline="0" cap="none" i="0" spc="-1" strike="noStrike" sz="3200" u="none">
+        <a:defRPr b="0" baseline="0" cap="none" i="0" spc="0" strike="noStrike" sz="3800" u="none">
           <a:ln>
             <a:noFill/>
           </a:ln>
           <a:solidFill>
-            <a:srgbClr val="000000"/>
+            <a:srgbClr val="FFFFFF"/>
           </a:solidFill>
           <a:uFillTx/>
-          <a:latin typeface="Arial"/>
-          <a:ea typeface="Arial"/>
-          <a:cs typeface="Arial"/>
-          <a:sym typeface="Arial"/>
+          <a:latin typeface="+mn-lt"/>
+          <a:ea typeface="+mn-ea"/>
+          <a:cs typeface="+mn-cs"/>
+          <a:sym typeface="Helvetica Light"/>
         </a:defRPr>
       </a:lvl4pPr>
-      <a:lvl5pPr marL="2289599" marR="0" indent="-345600" algn="l" defTabSz="914400" rtl="0" latinLnBrk="0">
+      <a:lvl5pPr marL="2286000" marR="0" indent="-457200" algn="l" defTabSz="584200" rtl="0" latinLnBrk="0">
         <a:lnSpc>
           <a:spcPct val="100000"/>
         </a:lnSpc>
         <a:spcBef>
-          <a:spcPts val="1400"/>
+          <a:spcPts val="4200"/>
         </a:spcBef>
         <a:spcAft>
           <a:spcPts val="0"/>
         </a:spcAft>
-        <a:buClr>
-          <a:srgbClr val="000000"/>
-        </a:buClr>
-        <a:buSzPct val="45000"/>
-        <a:buFont typeface="Wingdings"/>
-        <a:buChar char=""/>
+        <a:buClrTx/>
+        <a:buSzPct val="75000"/>
+        <a:buFontTx/>
+        <a:buChar char="•"/>
         <a:tabLst/>
-        <a:defRPr b="0" baseline="0" cap="none" i="0" spc="-1" strike="noStrike" sz="3200" u="none">
+        <a:defRPr b="0" baseline="0" cap="none" i="0" spc="0" strike="noStrike" sz="3800" u="none">
           <a:ln>
             <a:noFill/>
           </a:ln>
           <a:solidFill>
-            <a:srgbClr val="000000"/>
+            <a:srgbClr val="FFFFFF"/>
           </a:solidFill>
           <a:uFillTx/>
-          <a:latin typeface="Arial"/>
-          <a:ea typeface="Arial"/>
-          <a:cs typeface="Arial"/>
-          <a:sym typeface="Arial"/>
+          <a:latin typeface="+mn-lt"/>
+          <a:ea typeface="+mn-ea"/>
+          <a:cs typeface="+mn-cs"/>
+          <a:sym typeface="Helvetica Light"/>
         </a:defRPr>
       </a:lvl5pPr>
-      <a:lvl6pPr marL="2721599" marR="0" indent="-345600" algn="l" defTabSz="914400" rtl="0" latinLnBrk="0">
+      <a:lvl6pPr marL="2743200" marR="0" indent="-457200" algn="l" defTabSz="584200" rtl="0" latinLnBrk="0">
         <a:lnSpc>
           <a:spcPct val="100000"/>
         </a:lnSpc>
         <a:spcBef>
-          <a:spcPts val="1400"/>
+          <a:spcPts val="4200"/>
         </a:spcBef>
         <a:spcAft>
           <a:spcPts val="0"/>
         </a:spcAft>
-        <a:buClr>
-          <a:srgbClr val="000000"/>
-        </a:buClr>
-        <a:buSzPct val="45000"/>
-        <a:buFont typeface="Wingdings"/>
-        <a:buChar char=""/>
+        <a:buClrTx/>
+        <a:buSzPct val="75000"/>
+        <a:buFontTx/>
+        <a:buChar char="•"/>
         <a:tabLst/>
-        <a:defRPr b="0" baseline="0" cap="none" i="0" spc="-1" strike="noStrike" sz="3200" u="none">
+        <a:defRPr b="0" baseline="0" cap="none" i="0" spc="0" strike="noStrike" sz="3800" u="none">
           <a:ln>
             <a:noFill/>
           </a:ln>
           <a:solidFill>
-            <a:srgbClr val="000000"/>
+            <a:srgbClr val="FFFFFF"/>
           </a:solidFill>
           <a:uFillTx/>
-          <a:latin typeface="Arial"/>
-          <a:ea typeface="Arial"/>
-          <a:cs typeface="Arial"/>
-          <a:sym typeface="Arial"/>
+          <a:latin typeface="+mn-lt"/>
+          <a:ea typeface="+mn-ea"/>
+          <a:cs typeface="+mn-cs"/>
+          <a:sym typeface="Helvetica Light"/>
         </a:defRPr>
       </a:lvl6pPr>
-      <a:lvl7pPr marL="3153599" marR="0" indent="-345600" algn="l" defTabSz="914400" rtl="0" latinLnBrk="0">
+      <a:lvl7pPr marL="3200400" marR="0" indent="-457200" algn="l" defTabSz="584200" rtl="0" latinLnBrk="0">
         <a:lnSpc>
           <a:spcPct val="100000"/>
         </a:lnSpc>
         <a:spcBef>
-          <a:spcPts val="1400"/>
+          <a:spcPts val="4200"/>
         </a:spcBef>
         <a:spcAft>
           <a:spcPts val="0"/>
         </a:spcAft>
-        <a:buClr>
-          <a:srgbClr val="000000"/>
-        </a:buClr>
-        <a:buSzPct val="45000"/>
-        <a:buFont typeface="Wingdings"/>
-        <a:buChar char=""/>
+        <a:buClrTx/>
+        <a:buSzPct val="75000"/>
+        <a:buFontTx/>
+        <a:buChar char="•"/>
         <a:tabLst/>
-        <a:defRPr b="0" baseline="0" cap="none" i="0" spc="-1" strike="noStrike" sz="3200" u="none">
+        <a:defRPr b="0" baseline="0" cap="none" i="0" spc="0" strike="noStrike" sz="3800" u="none">
           <a:ln>
             <a:noFill/>
           </a:ln>
           <a:solidFill>
-            <a:srgbClr val="000000"/>
+            <a:srgbClr val="FFFFFF"/>
           </a:solidFill>
           <a:uFillTx/>
-          <a:latin typeface="Arial"/>
-          <a:ea typeface="Arial"/>
-          <a:cs typeface="Arial"/>
-          <a:sym typeface="Arial"/>
+          <a:latin typeface="+mn-lt"/>
+          <a:ea typeface="+mn-ea"/>
+          <a:cs typeface="+mn-cs"/>
+          <a:sym typeface="Helvetica Light"/>
         </a:defRPr>
       </a:lvl7pPr>
-      <a:lvl8pPr marL="0" marR="0" indent="0" algn="l" defTabSz="914400" rtl="0" latinLnBrk="0">
+      <a:lvl8pPr marL="3657600" marR="0" indent="-457200" algn="l" defTabSz="584200" rtl="0" latinLnBrk="0">
         <a:lnSpc>
           <a:spcPct val="100000"/>
         </a:lnSpc>
         <a:spcBef>
-          <a:spcPts val="1400"/>
+          <a:spcPts val="4200"/>
         </a:spcBef>
         <a:spcAft>
           <a:spcPts val="0"/>
         </a:spcAft>
-        <a:buClr>
-          <a:srgbClr val="000000"/>
-        </a:buClr>
-        <a:buSzTx/>
-        <a:buFont typeface="Wingdings"/>
-        <a:buNone/>
+        <a:buClrTx/>
+        <a:buSzPct val="75000"/>
+        <a:buFontTx/>
+        <a:buChar char="•"/>
         <a:tabLst/>
-        <a:defRPr b="0" baseline="0" cap="none" i="0" spc="-1" strike="noStrike" sz="3200" u="none">
+        <a:defRPr b="0" baseline="0" cap="none" i="0" spc="0" strike="noStrike" sz="3800" u="none">
           <a:ln>
             <a:noFill/>
           </a:ln>
           <a:solidFill>
-            <a:srgbClr val="000000"/>
+            <a:srgbClr val="FFFFFF"/>
           </a:solidFill>
           <a:uFillTx/>
-          <a:latin typeface="Arial"/>
-          <a:ea typeface="Arial"/>
-          <a:cs typeface="Arial"/>
-          <a:sym typeface="Arial"/>
+          <a:latin typeface="+mn-lt"/>
+          <a:ea typeface="+mn-ea"/>
+          <a:cs typeface="+mn-cs"/>
+          <a:sym typeface="Helvetica Light"/>
         </a:defRPr>
       </a:lvl8pPr>
-      <a:lvl9pPr marL="0" marR="0" indent="0" algn="l" defTabSz="914400" rtl="0" latinLnBrk="0">
+      <a:lvl9pPr marL="4114800" marR="0" indent="-457200" algn="l" defTabSz="584200" rtl="0" latinLnBrk="0">
         <a:lnSpc>
           <a:spcPct val="100000"/>
         </a:lnSpc>
         <a:spcBef>
-          <a:spcPts val="1400"/>
+          <a:spcPts val="4200"/>
         </a:spcBef>
         <a:spcAft>
           <a:spcPts val="0"/>
         </a:spcAft>
-        <a:buClr>
-          <a:srgbClr val="000000"/>
-        </a:buClr>
-        <a:buSzTx/>
-        <a:buFont typeface="Wingdings"/>
-        <a:buNone/>
+        <a:buClrTx/>
+        <a:buSzPct val="75000"/>
+        <a:buFontTx/>
+        <a:buChar char="•"/>
         <a:tabLst/>
-        <a:defRPr b="0" baseline="0" cap="none" i="0" spc="-1" strike="noStrike" sz="3200" u="none">
+        <a:defRPr b="0" baseline="0" cap="none" i="0" spc="0" strike="noStrike" sz="3800" u="none">
           <a:ln>
             <a:noFill/>
           </a:ln>
           <a:solidFill>
-            <a:srgbClr val="000000"/>
+            <a:srgbClr val="FFFFFF"/>
           </a:solidFill>
           <a:uFillTx/>
-          <a:latin typeface="Arial"/>
-          <a:ea typeface="Arial"/>
-          <a:cs typeface="Arial"/>
-          <a:sym typeface="Arial"/>
+          <a:latin typeface="+mn-lt"/>
+          <a:ea typeface="+mn-ea"/>
+          <a:cs typeface="+mn-cs"/>
+          <a:sym typeface="Helvetica Light"/>
         </a:defRPr>
       </a:lvl9pPr>
     </p:bodyStyle>
     <p:otherStyle>
-      <a:lvl1pPr marL="0" marR="0" indent="0" algn="r" defTabSz="914400" rtl="0" latinLnBrk="0">
+      <a:lvl1pPr marL="0" marR="0" indent="0" algn="ctr" defTabSz="584200" latinLnBrk="0">
         <a:lnSpc>
           <a:spcPct val="100000"/>
         </a:lnSpc>
@@ -3156,7 +2772,7 @@
         <a:buFontTx/>
         <a:buNone/>
         <a:tabLst/>
-        <a:defRPr b="0" baseline="0" cap="none" i="0" spc="-1" strike="noStrike" sz="1400" u="none">
+        <a:defRPr b="0" baseline="0" cap="none" i="0" spc="0" strike="noStrike" sz="1800" u="none">
           <a:ln>
             <a:noFill/>
           </a:ln>
@@ -3167,10 +2783,10 @@
           <a:latin typeface="+mn-lt"/>
           <a:ea typeface="+mn-ea"/>
           <a:cs typeface="+mn-cs"/>
-          <a:sym typeface="Times New Roman"/>
+          <a:sym typeface="Helvetica Light"/>
         </a:defRPr>
       </a:lvl1pPr>
-      <a:lvl2pPr marL="0" marR="0" indent="0" algn="r" defTabSz="914400" rtl="0" latinLnBrk="0">
+      <a:lvl2pPr marL="0" marR="0" indent="228600" algn="ctr" defTabSz="584200" latinLnBrk="0">
         <a:lnSpc>
           <a:spcPct val="100000"/>
         </a:lnSpc>
@@ -3185,7 +2801,7 @@
         <a:buFontTx/>
         <a:buNone/>
         <a:tabLst/>
-        <a:defRPr b="0" baseline="0" cap="none" i="0" spc="-1" strike="noStrike" sz="1400" u="none">
+        <a:defRPr b="0" baseline="0" cap="none" i="0" spc="0" strike="noStrike" sz="1800" u="none">
           <a:ln>
             <a:noFill/>
           </a:ln>
@@ -3196,10 +2812,10 @@
           <a:latin typeface="+mn-lt"/>
           <a:ea typeface="+mn-ea"/>
           <a:cs typeface="+mn-cs"/>
-          <a:sym typeface="Times New Roman"/>
+          <a:sym typeface="Helvetica Light"/>
         </a:defRPr>
       </a:lvl2pPr>
-      <a:lvl3pPr marL="0" marR="0" indent="0" algn="r" defTabSz="914400" rtl="0" latinLnBrk="0">
+      <a:lvl3pPr marL="0" marR="0" indent="457200" algn="ctr" defTabSz="584200" latinLnBrk="0">
         <a:lnSpc>
           <a:spcPct val="100000"/>
         </a:lnSpc>
@@ -3214,7 +2830,7 @@
         <a:buFontTx/>
         <a:buNone/>
         <a:tabLst/>
-        <a:defRPr b="0" baseline="0" cap="none" i="0" spc="-1" strike="noStrike" sz="1400" u="none">
+        <a:defRPr b="0" baseline="0" cap="none" i="0" spc="0" strike="noStrike" sz="1800" u="none">
           <a:ln>
             <a:noFill/>
           </a:ln>
@@ -3225,10 +2841,10 @@
           <a:latin typeface="+mn-lt"/>
           <a:ea typeface="+mn-ea"/>
           <a:cs typeface="+mn-cs"/>
-          <a:sym typeface="Times New Roman"/>
+          <a:sym typeface="Helvetica Light"/>
         </a:defRPr>
       </a:lvl3pPr>
-      <a:lvl4pPr marL="0" marR="0" indent="0" algn="r" defTabSz="914400" rtl="0" latinLnBrk="0">
+      <a:lvl4pPr marL="0" marR="0" indent="685800" algn="ctr" defTabSz="584200" latinLnBrk="0">
         <a:lnSpc>
           <a:spcPct val="100000"/>
         </a:lnSpc>
@@ -3243,7 +2859,7 @@
         <a:buFontTx/>
         <a:buNone/>
         <a:tabLst/>
-        <a:defRPr b="0" baseline="0" cap="none" i="0" spc="-1" strike="noStrike" sz="1400" u="none">
+        <a:defRPr b="0" baseline="0" cap="none" i="0" spc="0" strike="noStrike" sz="1800" u="none">
           <a:ln>
             <a:noFill/>
           </a:ln>
@@ -3254,10 +2870,10 @@
           <a:latin typeface="+mn-lt"/>
           <a:ea typeface="+mn-ea"/>
           <a:cs typeface="+mn-cs"/>
-          <a:sym typeface="Times New Roman"/>
+          <a:sym typeface="Helvetica Light"/>
         </a:defRPr>
       </a:lvl4pPr>
-      <a:lvl5pPr marL="0" marR="0" indent="0" algn="r" defTabSz="914400" rtl="0" latinLnBrk="0">
+      <a:lvl5pPr marL="0" marR="0" indent="914400" algn="ctr" defTabSz="584200" latinLnBrk="0">
         <a:lnSpc>
           <a:spcPct val="100000"/>
         </a:lnSpc>
@@ -3272,7 +2888,7 @@
         <a:buFontTx/>
         <a:buNone/>
         <a:tabLst/>
-        <a:defRPr b="0" baseline="0" cap="none" i="0" spc="-1" strike="noStrike" sz="1400" u="none">
+        <a:defRPr b="0" baseline="0" cap="none" i="0" spc="0" strike="noStrike" sz="1800" u="none">
           <a:ln>
             <a:noFill/>
           </a:ln>
@@ -3283,10 +2899,10 @@
           <a:latin typeface="+mn-lt"/>
           <a:ea typeface="+mn-ea"/>
           <a:cs typeface="+mn-cs"/>
-          <a:sym typeface="Times New Roman"/>
+          <a:sym typeface="Helvetica Light"/>
         </a:defRPr>
       </a:lvl5pPr>
-      <a:lvl6pPr marL="0" marR="0" indent="0" algn="r" defTabSz="914400" rtl="0" latinLnBrk="0">
+      <a:lvl6pPr marL="0" marR="0" indent="1143000" algn="ctr" defTabSz="584200" latinLnBrk="0">
         <a:lnSpc>
           <a:spcPct val="100000"/>
         </a:lnSpc>
@@ -3301,7 +2917,7 @@
         <a:buFontTx/>
         <a:buNone/>
         <a:tabLst/>
-        <a:defRPr b="0" baseline="0" cap="none" i="0" spc="-1" strike="noStrike" sz="1400" u="none">
+        <a:defRPr b="0" baseline="0" cap="none" i="0" spc="0" strike="noStrike" sz="1800" u="none">
           <a:ln>
             <a:noFill/>
           </a:ln>
@@ -3312,10 +2928,10 @@
           <a:latin typeface="+mn-lt"/>
           <a:ea typeface="+mn-ea"/>
           <a:cs typeface="+mn-cs"/>
-          <a:sym typeface="Times New Roman"/>
+          <a:sym typeface="Helvetica Light"/>
         </a:defRPr>
       </a:lvl6pPr>
-      <a:lvl7pPr marL="0" marR="0" indent="0" algn="r" defTabSz="914400" rtl="0" latinLnBrk="0">
+      <a:lvl7pPr marL="0" marR="0" indent="1371600" algn="ctr" defTabSz="584200" latinLnBrk="0">
         <a:lnSpc>
           <a:spcPct val="100000"/>
         </a:lnSpc>
@@ -3330,7 +2946,7 @@
         <a:buFontTx/>
         <a:buNone/>
         <a:tabLst/>
-        <a:defRPr b="0" baseline="0" cap="none" i="0" spc="-1" strike="noStrike" sz="1400" u="none">
+        <a:defRPr b="0" baseline="0" cap="none" i="0" spc="0" strike="noStrike" sz="1800" u="none">
           <a:ln>
             <a:noFill/>
           </a:ln>
@@ -3341,10 +2957,10 @@
           <a:latin typeface="+mn-lt"/>
           <a:ea typeface="+mn-ea"/>
           <a:cs typeface="+mn-cs"/>
-          <a:sym typeface="Times New Roman"/>
+          <a:sym typeface="Helvetica Light"/>
         </a:defRPr>
       </a:lvl7pPr>
-      <a:lvl8pPr marL="0" marR="0" indent="0" algn="r" defTabSz="914400" rtl="0" latinLnBrk="0">
+      <a:lvl8pPr marL="0" marR="0" indent="1600200" algn="ctr" defTabSz="584200" latinLnBrk="0">
         <a:lnSpc>
           <a:spcPct val="100000"/>
         </a:lnSpc>
@@ -3359,7 +2975,7 @@
         <a:buFontTx/>
         <a:buNone/>
         <a:tabLst/>
-        <a:defRPr b="0" baseline="0" cap="none" i="0" spc="-1" strike="noStrike" sz="1400" u="none">
+        <a:defRPr b="0" baseline="0" cap="none" i="0" spc="0" strike="noStrike" sz="1800" u="none">
           <a:ln>
             <a:noFill/>
           </a:ln>
@@ -3370,10 +2986,10 @@
           <a:latin typeface="+mn-lt"/>
           <a:ea typeface="+mn-ea"/>
           <a:cs typeface="+mn-cs"/>
-          <a:sym typeface="Times New Roman"/>
+          <a:sym typeface="Helvetica Light"/>
         </a:defRPr>
       </a:lvl8pPr>
-      <a:lvl9pPr marL="0" marR="0" indent="0" algn="r" defTabSz="914400" rtl="0" latinLnBrk="0">
+      <a:lvl9pPr marL="0" marR="0" indent="1828800" algn="ctr" defTabSz="584200" latinLnBrk="0">
         <a:lnSpc>
           <a:spcPct val="100000"/>
         </a:lnSpc>
@@ -3388,7 +3004,7 @@
         <a:buFontTx/>
         <a:buNone/>
         <a:tabLst/>
-        <a:defRPr b="0" baseline="0" cap="none" i="0" spc="-1" strike="noStrike" sz="1400" u="none">
+        <a:defRPr b="0" baseline="0" cap="none" i="0" spc="0" strike="noStrike" sz="1800" u="none">
           <a:ln>
             <a:noFill/>
           </a:ln>
@@ -3399,7 +3015,7 @@
           <a:latin typeface="+mn-lt"/>
           <a:ea typeface="+mn-ea"/>
           <a:cs typeface="+mn-cs"/>
-          <a:sym typeface="Times New Roman"/>
+          <a:sym typeface="Helvetica Light"/>
         </a:defRPr>
       </a:lvl9pPr>
     </p:otherStyle>
@@ -3408,7 +3024,7 @@
 </file>
 
 <file path=ppt/slides/slide1.xml><?xml version="1.0" encoding="utf-8"?>
-<p:sld xmlns:a="http://schemas.openxmlformats.org/drawingml/2006/main" xmlns:r="http://schemas.openxmlformats.org/officeDocument/2006/relationships" xmlns:p="http://schemas.openxmlformats.org/presentationml/2006/main" showMasterSp="1" showMasterPhAnim="1">
+<p:sld xmlns:a="http://schemas.openxmlformats.org/drawingml/2006/main" xmlns:r="http://schemas.openxmlformats.org/officeDocument/2006/relationships" xmlns:p="http://schemas.openxmlformats.org/presentationml/2006/main" xmlns:m="http://schemas.openxmlformats.org/officeDocument/2006/math" xmlns:a14="http://schemas.microsoft.com/office/drawing/2010/main" showMasterSp="1" showMasterPhAnim="1">
   <p:cSld>
     <p:spTree>
       <p:nvGrpSpPr>
@@ -3426,14 +3042,14 @@
       </p:grpSpPr>
       <p:sp>
         <p:nvSpPr>
-          <p:cNvPr id="133" name="TextShape 1"/>
+          <p:cNvPr id="119" name="TextShape 1"/>
           <p:cNvSpPr txBox="1"/>
           <p:nvPr/>
         </p:nvSpPr>
         <p:spPr>
           <a:xfrm>
-            <a:off x="503999" y="306540"/>
-            <a:ext cx="9071642" cy="1251720"/>
+            <a:off x="653273" y="778050"/>
+            <a:ext cx="11709278" cy="850901"/>
           </a:xfrm>
           <a:prstGeom prst="rect">
             <a:avLst/>
@@ -3452,28 +3068,28 @@
             <a:spAutoFit/>
           </a:bodyPr>
           <a:lstStyle>
-            <a:lvl1pPr algn="ctr">
-              <a:defRPr spc="-1" sz="4400"/>
+            <a:lvl1pPr>
+              <a:defRPr spc="-1" sz="5600"/>
             </a:lvl1pPr>
           </a:lstStyle>
           <a:p>
             <a:pPr/>
             <a:r>
-              <a:t>CSCI-4961-01 Open Source Software</a:t>
+              <a:t>CSCI-4966 Open Source Software</a:t>
             </a:r>
           </a:p>
         </p:txBody>
       </p:sp>
       <p:sp>
         <p:nvSpPr>
-          <p:cNvPr id="134" name="TextShape 2"/>
+          <p:cNvPr id="120" name="TextShape 2"/>
           <p:cNvSpPr txBox="1"/>
           <p:nvPr/>
         </p:nvSpPr>
         <p:spPr>
           <a:xfrm>
-            <a:off x="503999" y="3498007"/>
-            <a:ext cx="9071642" cy="926506"/>
+            <a:off x="653273" y="4388673"/>
+            <a:ext cx="11709278" cy="1448697"/>
           </a:xfrm>
           <a:prstGeom prst="rect">
             <a:avLst/>
@@ -3493,16 +3109,16 @@
           </a:bodyPr>
           <a:lstStyle/>
           <a:p>
-            <a:pPr algn="ctr">
-              <a:defRPr spc="-1" sz="3200"/>
+            <a:pPr>
+              <a:defRPr spc="-1"/>
             </a:pPr>
             <a:r>
-              <a:t>Wesley Turner</a:t>
-            </a:r>
-          </a:p>
-          <a:p>
-            <a:pPr algn="ctr">
-              <a:defRPr spc="-1" sz="3200"/>
+              <a:t>Professor Wesley Turner</a:t>
+            </a:r>
+          </a:p>
+          <a:p>
+            <a:pPr>
+              <a:defRPr spc="-1"/>
             </a:pPr>
             <a:r>
               <a:t>Amos Eaton 207</a:t>
@@ -3520,7 +3136,7 @@
 </file>
 
 <file path=ppt/slides/slide10.xml><?xml version="1.0" encoding="utf-8"?>
-<p:sld xmlns:a="http://schemas.openxmlformats.org/drawingml/2006/main" xmlns:r="http://schemas.openxmlformats.org/officeDocument/2006/relationships" xmlns:p="http://schemas.openxmlformats.org/presentationml/2006/main" showMasterSp="1" showMasterPhAnim="1">
+<p:sld xmlns:a="http://schemas.openxmlformats.org/drawingml/2006/main" xmlns:r="http://schemas.openxmlformats.org/officeDocument/2006/relationships" xmlns:p="http://schemas.openxmlformats.org/presentationml/2006/main" xmlns:m="http://schemas.openxmlformats.org/officeDocument/2006/math" xmlns:a14="http://schemas.microsoft.com/office/drawing/2010/main" showMasterSp="1" showMasterPhAnim="1">
   <p:cSld>
     <p:spTree>
       <p:nvGrpSpPr>
@@ -3538,14 +3154,14 @@
       </p:grpSpPr>
       <p:sp>
         <p:nvSpPr>
-          <p:cNvPr id="161" name="TextShape 1"/>
+          <p:cNvPr id="147" name="TextShape 1"/>
           <p:cNvSpPr txBox="1"/>
           <p:nvPr/>
         </p:nvSpPr>
         <p:spPr>
           <a:xfrm>
-            <a:off x="503999" y="624040"/>
-            <a:ext cx="9071642" cy="616720"/>
+            <a:off x="653273" y="778050"/>
+            <a:ext cx="11709278" cy="850901"/>
           </a:xfrm>
           <a:prstGeom prst="rect">
             <a:avLst/>
@@ -3564,28 +3180,28 @@
             <a:spAutoFit/>
           </a:bodyPr>
           <a:lstStyle>
-            <a:lvl1pPr algn="ctr">
-              <a:defRPr spc="-1" sz="4400"/>
+            <a:lvl1pPr>
+              <a:defRPr spc="-1" sz="5600"/>
             </a:lvl1pPr>
           </a:lstStyle>
           <a:p>
             <a:pPr/>
             <a:r>
-              <a:t>Grading</a:t>
+              <a:t>Class Format	</a:t>
             </a:r>
           </a:p>
         </p:txBody>
       </p:sp>
       <p:sp>
         <p:nvSpPr>
-          <p:cNvPr id="162" name="TextShape 2"/>
+          <p:cNvPr id="148" name="TextShape 2"/>
           <p:cNvSpPr txBox="1"/>
           <p:nvPr/>
         </p:nvSpPr>
         <p:spPr>
           <a:xfrm>
-            <a:off x="503999" y="1769040"/>
-            <a:ext cx="9071642" cy="4384441"/>
+            <a:off x="653273" y="2283399"/>
+            <a:ext cx="11709278" cy="5659245"/>
           </a:xfrm>
           <a:prstGeom prst="rect">
             <a:avLst/>
@@ -3600,91 +3216,27 @@
           </a:extLst>
         </p:spPr>
         <p:txBody>
-          <a:bodyPr lIns="0" tIns="0" rIns="0" bIns="0">
+          <a:bodyPr lIns="0" tIns="0" rIns="0" bIns="0" anchor="ctr">
             <a:normAutofit fontScale="100000" lnSpcReduction="0"/>
           </a:bodyPr>
           <a:lstStyle/>
           <a:p>
-            <a:pPr marL="295174" indent="-295174" defTabSz="841247">
-              <a:spcBef>
-                <a:spcPts val="1200"/>
-              </a:spcBef>
-              <a:buSzPct val="100000"/>
+            <a:pPr marL="481263" indent="-481263" algn="l">
+              <a:buSzPct val="75000"/>
               <a:buChar char="•"/>
-              <a:defRPr spc="-92" sz="2944"/>
             </a:pPr>
             <a:r>
-              <a:t>Quizzes 2 (28</a:t>
-            </a:r>
-            <a:r>
-              <a:rPr baseline="106999"/>
-              <a:t>th</a:t>
-            </a:r>
-            <a:r>
-              <a:t> June and 16</a:t>
-            </a:r>
-            <a:r>
-              <a:rPr baseline="106999"/>
-              <a:t>th</a:t>
-            </a:r>
-            <a:r>
-              <a:t> August) 20%</a:t>
-            </a:r>
-          </a:p>
-          <a:p>
-            <a:pPr marL="295174" indent="-295174" defTabSz="841247">
-              <a:spcBef>
-                <a:spcPts val="1200"/>
-              </a:spcBef>
-              <a:buSzPct val="100000"/>
+              <a:t>Tuesday Lectures/Discussions</a:t>
+            </a:r>
+            <a:endParaRPr spc="-1"/>
+          </a:p>
+          <a:p>
+            <a:pPr marL="481263" indent="-481263" algn="l">
+              <a:buSzPct val="75000"/>
               <a:buChar char="•"/>
-              <a:defRPr spc="-92" sz="2944"/>
             </a:pPr>
             <a:r>
-              <a:t>Open Source Project Analysis 10%</a:t>
-            </a:r>
-            <a:endParaRPr spc="0"/>
-          </a:p>
-          <a:p>
-            <a:pPr marL="295174" indent="-295174" defTabSz="841247">
-              <a:spcBef>
-                <a:spcPts val="1200"/>
-              </a:spcBef>
-              <a:buSzPct val="100000"/>
-              <a:buChar char="•"/>
-              <a:defRPr spc="-92" sz="2944"/>
-            </a:pPr>
-            <a:r>
-              <a:t>Labs 10 – 30%</a:t>
-            </a:r>
-            <a:endParaRPr spc="0"/>
-          </a:p>
-          <a:p>
-            <a:pPr marL="295174" indent="-295174" defTabSz="841247">
-              <a:spcBef>
-                <a:spcPts val="1200"/>
-              </a:spcBef>
-              <a:buSzPct val="100000"/>
-              <a:buChar char="•"/>
-              <a:defRPr spc="-92" sz="2944"/>
-            </a:pPr>
-            <a:r>
-              <a:t>Project 40%</a:t>
-            </a:r>
-            <a:endParaRPr spc="0"/>
-          </a:p>
-          <a:p>
-            <a:pPr marL="295174" indent="-295174" defTabSz="841247">
-              <a:spcBef>
-                <a:spcPts val="1200"/>
-              </a:spcBef>
-              <a:buSzPct val="100000"/>
-              <a:buChar char="•"/>
-              <a:defRPr spc="-92" sz="2944"/>
-            </a:pPr>
-            <a:r>
-              <a:rPr spc="0"/>
-              <a:t>93 and above A; 90 and above A-; 87 and above B+; 83 and above B; 80 and above B-; 77 and above C+; 73 and above C; 70 and above C-; 67 and above D+; 60 and above D.</a:t>
+              <a:t>Friday in class labs – a mixture of programming, development, writing and discussion</a:t>
             </a:r>
           </a:p>
         </p:txBody>
@@ -3699,7 +3251,7 @@
 </file>
 
 <file path=ppt/slides/slide11.xml><?xml version="1.0" encoding="utf-8"?>
-<p:sld xmlns:a="http://schemas.openxmlformats.org/drawingml/2006/main" xmlns:r="http://schemas.openxmlformats.org/officeDocument/2006/relationships" xmlns:p="http://schemas.openxmlformats.org/presentationml/2006/main" showMasterSp="1" showMasterPhAnim="1">
+<p:sld xmlns:a="http://schemas.openxmlformats.org/drawingml/2006/main" xmlns:r="http://schemas.openxmlformats.org/officeDocument/2006/relationships" xmlns:p="http://schemas.openxmlformats.org/presentationml/2006/main" xmlns:m="http://schemas.openxmlformats.org/officeDocument/2006/math" xmlns:a14="http://schemas.microsoft.com/office/drawing/2010/main" showMasterSp="1" showMasterPhAnim="1">
   <p:cSld>
     <p:spTree>
       <p:nvGrpSpPr>
@@ -3717,14 +3269,14 @@
       </p:grpSpPr>
       <p:sp>
         <p:nvSpPr>
-          <p:cNvPr id="164" name="TextShape 1"/>
+          <p:cNvPr id="150" name="TextShape 1"/>
           <p:cNvSpPr txBox="1"/>
           <p:nvPr/>
         </p:nvSpPr>
         <p:spPr>
           <a:xfrm>
-            <a:off x="503999" y="624040"/>
-            <a:ext cx="9071642" cy="616720"/>
+            <a:off x="653273" y="778050"/>
+            <a:ext cx="11709278" cy="850901"/>
           </a:xfrm>
           <a:prstGeom prst="rect">
             <a:avLst/>
@@ -3743,14 +3295,138 @@
             <a:spAutoFit/>
           </a:bodyPr>
           <a:lstStyle>
-            <a:lvl1pPr algn="ctr">
-              <a:defRPr spc="-1" sz="4400"/>
+            <a:lvl1pPr>
+              <a:defRPr spc="-1" sz="5600"/>
             </a:lvl1pPr>
           </a:lstStyle>
           <a:p>
             <a:pPr/>
             <a:r>
-              <a:t>Questions and Discussions</a:t>
+              <a:t>Class Format	</a:t>
+            </a:r>
+          </a:p>
+        </p:txBody>
+      </p:sp>
+      <p:sp>
+        <p:nvSpPr>
+          <p:cNvPr id="151" name="TextShape 2"/>
+          <p:cNvSpPr txBox="1"/>
+          <p:nvPr/>
+        </p:nvSpPr>
+        <p:spPr>
+          <a:xfrm>
+            <a:off x="653273" y="2283399"/>
+            <a:ext cx="11709278" cy="5659245"/>
+          </a:xfrm>
+          <a:prstGeom prst="rect">
+            <a:avLst/>
+          </a:prstGeom>
+          <a:ln w="12700">
+            <a:miter lim="400000"/>
+          </a:ln>
+          <a:extLst>
+            <a:ext uri="{C572A759-6A51-4108-AA02-DFA0A04FC94B}">
+              <ma14:wrappingTextBoxFlag xmlns:ma14="http://schemas.microsoft.com/office/mac/drawingml/2011/main" val="1"/>
+            </a:ext>
+          </a:extLst>
+        </p:spPr>
+        <p:txBody>
+          <a:bodyPr lIns="0" tIns="0" rIns="0" bIns="0" anchor="ctr">
+            <a:normAutofit fontScale="100000" lnSpcReduction="0"/>
+          </a:bodyPr>
+          <a:lstStyle/>
+          <a:p>
+            <a:pPr marL="481263" indent="-481263" algn="l">
+              <a:buSzPct val="75000"/>
+              <a:buChar char="•"/>
+            </a:pPr>
+            <a:r>
+              <a:t>Tuesday Lectures/Discussions</a:t>
+            </a:r>
+            <a:endParaRPr spc="-1"/>
+          </a:p>
+          <a:p>
+            <a:pPr marL="481263" indent="-481263" algn="l">
+              <a:buSzPct val="75000"/>
+              <a:buChar char="•"/>
+            </a:pPr>
+            <a:r>
+              <a:t>Friday in class labs – a mixture of programming, development, writing and discussion</a:t>
+            </a:r>
+          </a:p>
+        </p:txBody>
+      </p:sp>
+      <p:sp>
+        <p:nvSpPr>
+          <p:cNvPr id="152" name="Except that Today is Tuesday, which will swap this all around until Presidents Day on 2/18!"/>
+          <p:cNvSpPr/>
+          <p:nvPr/>
+        </p:nvSpPr>
+        <p:spPr>
+          <a:xfrm>
+            <a:off x="2096887" y="4979245"/>
+            <a:ext cx="8811026" cy="4334628"/>
+          </a:xfrm>
+          <a:prstGeom prst="rect">
+            <a:avLst/>
+          </a:prstGeom>
+          <a:gradFill>
+            <a:gsLst>
+              <a:gs pos="0">
+                <a:schemeClr val="accent6">
+                  <a:hueOff val="7068528"/>
+                  <a:satOff val="-63217"/>
+                  <a:lumOff val="21330"/>
+                </a:schemeClr>
+              </a:gs>
+              <a:gs pos="100000">
+                <a:schemeClr val="accent6">
+                  <a:hueOff val="10811956"/>
+                  <a:satOff val="-58544"/>
+                  <a:lumOff val="-9736"/>
+                </a:schemeClr>
+              </a:gs>
+            </a:gsLst>
+            <a:lin ang="5400000"/>
+          </a:gradFill>
+          <a:ln w="12700">
+            <a:miter lim="400000"/>
+          </a:ln>
+          <a:effectLst>
+            <a:outerShdw sx="100000" sy="100000" kx="0" ky="0" algn="b" rotWithShape="0" blurRad="76200" dist="0" dir="18900000">
+              <a:srgbClr val="000000">
+                <a:alpha val="80000"/>
+              </a:srgbClr>
+            </a:outerShdw>
+          </a:effectLst>
+          <a:extLst>
+            <a:ext uri="{C572A759-6A51-4108-AA02-DFA0A04FC94B}">
+              <ma14:wrappingTextBoxFlag xmlns:ma14="http://schemas.microsoft.com/office/mac/drawingml/2011/main" val="1"/>
+            </a:ext>
+          </a:extLst>
+        </p:spPr>
+        <p:txBody>
+          <a:bodyPr lIns="50800" tIns="50800" rIns="50800" bIns="50800" anchor="ctr"/>
+          <a:lstStyle>
+            <a:lvl1pPr>
+              <a:spcBef>
+                <a:spcPts val="0"/>
+              </a:spcBef>
+              <a:defRPr spc="0" sz="5400">
+                <a:effectLst>
+                  <a:outerShdw sx="100000" sy="100000" kx="0" ky="0" algn="b" rotWithShape="0" blurRad="25400" dist="23998" dir="2700000">
+                    <a:srgbClr val="000000">
+                      <a:alpha val="31034"/>
+                    </a:srgbClr>
+                  </a:outerShdw>
+                </a:effectLst>
+              </a:defRPr>
+            </a:lvl1pPr>
+          </a:lstStyle>
+          <a:p>
+            <a:pPr/>
+            <a:r>
+              <a:t>Except that Today is Tuesday, which will swap this all around until Presidents Day on 2/18!</a:t>
             </a:r>
           </a:p>
         </p:txBody>
@@ -3764,8 +3440,8 @@
 </p:sld>
 </file>
 
-<file path=ppt/slides/slide2.xml><?xml version="1.0" encoding="utf-8"?>
-<p:sld xmlns:a="http://schemas.openxmlformats.org/drawingml/2006/main" xmlns:r="http://schemas.openxmlformats.org/officeDocument/2006/relationships" xmlns:p="http://schemas.openxmlformats.org/presentationml/2006/main" showMasterSp="1" showMasterPhAnim="1">
+<file path=ppt/slides/slide12.xml><?xml version="1.0" encoding="utf-8"?>
+<p:sld xmlns:a="http://schemas.openxmlformats.org/drawingml/2006/main" xmlns:r="http://schemas.openxmlformats.org/officeDocument/2006/relationships" xmlns:p="http://schemas.openxmlformats.org/presentationml/2006/main" xmlns:m="http://schemas.openxmlformats.org/officeDocument/2006/math" xmlns:a14="http://schemas.microsoft.com/office/drawing/2010/main" showMasterSp="1" showMasterPhAnim="1">
   <p:cSld>
     <p:spTree>
       <p:nvGrpSpPr>
@@ -3783,14 +3459,14 @@
       </p:grpSpPr>
       <p:sp>
         <p:nvSpPr>
-          <p:cNvPr id="136" name="TextShape 1"/>
+          <p:cNvPr id="154" name="TextShape 1"/>
           <p:cNvSpPr txBox="1"/>
           <p:nvPr/>
         </p:nvSpPr>
         <p:spPr>
           <a:xfrm>
-            <a:off x="503999" y="624040"/>
-            <a:ext cx="9071642" cy="616720"/>
+            <a:off x="653273" y="778050"/>
+            <a:ext cx="11709278" cy="850901"/>
           </a:xfrm>
           <a:prstGeom prst="rect">
             <a:avLst/>
@@ -3809,28 +3485,28 @@
             <a:spAutoFit/>
           </a:bodyPr>
           <a:lstStyle>
-            <a:lvl1pPr algn="ctr">
-              <a:defRPr spc="-1" sz="4400"/>
+            <a:lvl1pPr>
+              <a:defRPr spc="-1" sz="5600"/>
             </a:lvl1pPr>
           </a:lstStyle>
           <a:p>
             <a:pPr/>
             <a:r>
-              <a:t>Licensing</a:t>
+              <a:t>Grading</a:t>
             </a:r>
           </a:p>
         </p:txBody>
       </p:sp>
       <p:sp>
         <p:nvSpPr>
-          <p:cNvPr id="137" name="TextShape 2"/>
+          <p:cNvPr id="155" name="TextShape 2"/>
           <p:cNvSpPr txBox="1"/>
           <p:nvPr/>
         </p:nvSpPr>
         <p:spPr>
           <a:xfrm>
-            <a:off x="503999" y="1769040"/>
-            <a:ext cx="9071642" cy="4384441"/>
+            <a:off x="653273" y="2283399"/>
+            <a:ext cx="11709278" cy="5659245"/>
           </a:xfrm>
           <a:prstGeom prst="rect">
             <a:avLst/>
@@ -3845,123 +3521,91 @@
           </a:extLst>
         </p:spPr>
         <p:txBody>
-          <a:bodyPr lIns="0" tIns="0" rIns="0" bIns="0">
+          <a:bodyPr lIns="0" tIns="0" rIns="0" bIns="0" anchor="ctr">
             <a:normAutofit fontScale="100000" lnSpcReduction="0"/>
           </a:bodyPr>
           <a:lstStyle/>
           <a:p>
-            <a:pPr marL="431999" indent="-323999">
+            <a:pPr marL="442762" indent="-442762" algn="l" defTabSz="537463">
               <a:spcBef>
-                <a:spcPts val="1400"/>
+                <a:spcPts val="1600"/>
               </a:spcBef>
-              <a:buClr>
-                <a:srgbClr val="000000"/>
-              </a:buClr>
-              <a:buSzPct val="45000"/>
-              <a:buChar char="●"/>
-              <a:defRPr spc="-100" sz="3200"/>
+              <a:buSzPct val="75000"/>
+              <a:buChar char="•"/>
+              <a:defRPr spc="-115" sz="3680"/>
             </a:pPr>
             <a:r>
-              <a:t>Our Lecture Slides have  greatly benefited from the previous classes taught by Dr. William Schroeder and Dr. Luis Ibanez at RPI, </a:t>
-            </a:r>
-          </a:p>
-          <a:p>
-            <a:pPr marL="431999" indent="-323999">
+              <a:t>Quizzes 2 (22</a:t>
+            </a:r>
+            <a:r>
+              <a:rPr baseline="92000"/>
+              <a:t>nd</a:t>
+            </a:r>
+            <a:r>
+              <a:t> February and 16</a:t>
+            </a:r>
+            <a:r>
+              <a:rPr baseline="92000"/>
+              <a:t>th</a:t>
+            </a:r>
+            <a:r>
+              <a:t> April) 20%</a:t>
+            </a:r>
+          </a:p>
+          <a:p>
+            <a:pPr marL="442762" indent="-442762" algn="l" defTabSz="537463">
               <a:spcBef>
-                <a:spcPts val="1400"/>
+                <a:spcPts val="1600"/>
               </a:spcBef>
-              <a:buClr>
-                <a:srgbClr val="000000"/>
-              </a:buClr>
-              <a:buSzPct val="45000"/>
-              <a:buChar char="●"/>
-              <a:defRPr spc="-100" sz="3200"/>
+              <a:buSzPct val="75000"/>
+              <a:buChar char="•"/>
+              <a:defRPr spc="-115" sz="3680"/>
             </a:pPr>
             <a:r>
-              <a:t>And by Professor Mukkai Krishnamoorthy who succeeded them in teaching the course</a:t>
+              <a:t>Open Source Project Analysis 10%</a:t>
             </a:r>
             <a:endParaRPr spc="-1"/>
           </a:p>
           <a:p>
-            <a:pPr marL="431999" indent="-323999">
+            <a:pPr marL="442762" indent="-442762" algn="l" defTabSz="537463">
               <a:spcBef>
-                <a:spcPts val="1400"/>
+                <a:spcPts val="1600"/>
               </a:spcBef>
-              <a:buClr>
-                <a:srgbClr val="000000"/>
-              </a:buClr>
-              <a:buSzPct val="45000"/>
-              <a:buChar char="●"/>
-              <a:defRPr spc="-100" sz="3200"/>
+              <a:buSzPct val="75000"/>
+              <a:buChar char="•"/>
+              <a:defRPr spc="-115" sz="3680"/>
             </a:pPr>
             <a:r>
-              <a:t>Creative Commons (CC BY 3.0) </a:t>
-            </a:r>
-            <a:r>
-              <a:rPr u="sng">
-                <a:solidFill>
-                  <a:srgbClr val="0000FF"/>
-                </a:solidFill>
-                <a:uFill>
-                  <a:solidFill>
-                    <a:srgbClr val="0000FF"/>
-                  </a:solidFill>
-                </a:uFill>
-                <a:hlinkClick r:id="rId2" invalidUrl="" action="" tgtFrame="" tooltip="" history="1" highlightClick="0" endSnd="0"/>
-              </a:rPr>
-              <a:t>http://creativecommons.org/licenses/by/3.0/</a:t>
-            </a:r>
-          </a:p>
-        </p:txBody>
-      </p:sp>
-      <p:sp>
-        <p:nvSpPr>
-          <p:cNvPr id="138" name="TextShape 3"/>
-          <p:cNvSpPr txBox="1"/>
-          <p:nvPr/>
-        </p:nvSpPr>
-        <p:spPr>
-          <a:xfrm>
-            <a:off x="2286360" y="7027560"/>
-            <a:ext cx="5157001" cy="349222"/>
-          </a:xfrm>
-          <a:prstGeom prst="rect">
-            <a:avLst/>
-          </a:prstGeom>
-          <a:ln w="12700">
-            <a:miter lim="400000"/>
-          </a:ln>
-          <a:extLst>
-            <a:ext uri="{C572A759-6A51-4108-AA02-DFA0A04FC94B}">
-              <ma14:wrappingTextBoxFlag xmlns:ma14="http://schemas.microsoft.com/office/mac/drawingml/2011/main" val="1"/>
-            </a:ext>
-          </a:extLst>
-        </p:spPr>
-        <p:txBody>
-          <a:bodyPr lIns="44999" tIns="44999" rIns="44999" bIns="44999">
-            <a:spAutoFit/>
-          </a:bodyPr>
-          <a:lstStyle/>
-          <a:p>
-            <a:pPr algn="ctr">
-              <a:defRPr spc="-1"/>
+              <a:t>Labs 10 – 30%</a:t>
+            </a:r>
+            <a:endParaRPr spc="-1"/>
+          </a:p>
+          <a:p>
+            <a:pPr marL="442762" indent="-442762" algn="l" defTabSz="537463">
+              <a:spcBef>
+                <a:spcPts val="1600"/>
+              </a:spcBef>
+              <a:buSzPct val="75000"/>
+              <a:buChar char="•"/>
+              <a:defRPr spc="-115" sz="3680"/>
             </a:pPr>
             <a:r>
-              <a:rPr u="sng">
-                <a:solidFill>
-                  <a:srgbClr val="0000FF"/>
-                </a:solidFill>
-                <a:uFill>
-                  <a:solidFill>
-                    <a:srgbClr val="0000FF"/>
-                  </a:solidFill>
-                </a:uFill>
-                <a:hlinkClick r:id="rId2" invalidUrl="" action="" tgtFrame="" tooltip="" history="1" highlightClick="0" endSnd="0"/>
-              </a:rPr>
-              <a:t>http://creativecommons.org/licenses/by/3.0/</a:t>
-            </a:r>
-            <a:r>
-              <a:t> </a:t>
+              <a:t>Project 40%</a:t>
+            </a:r>
+            <a:endParaRPr spc="-1"/>
+          </a:p>
+          <a:p>
+            <a:pPr marL="442762" indent="-442762" algn="l" defTabSz="537463">
+              <a:spcBef>
+                <a:spcPts val="1600"/>
+              </a:spcBef>
+              <a:buSzPct val="75000"/>
+              <a:buChar char="•"/>
+              <a:defRPr spc="-115" sz="3680"/>
+            </a:pPr>
+            <a:r>
+              <a:rPr spc="-1"/>
+              <a:t>93 and above A; 90 and above A-; 87 and above B+; 83 and above B; 80 and above B-; 77 and above C+; 73 and above C; 70 and above C-; 67 and above D+; 60 and above D.</a:t>
             </a:r>
           </a:p>
         </p:txBody>
@@ -3975,8 +3619,8 @@
 </p:sld>
 </file>
 
-<file path=ppt/slides/slide3.xml><?xml version="1.0" encoding="utf-8"?>
-<p:sld xmlns:a="http://schemas.openxmlformats.org/drawingml/2006/main" xmlns:r="http://schemas.openxmlformats.org/officeDocument/2006/relationships" xmlns:p="http://schemas.openxmlformats.org/presentationml/2006/main" showMasterSp="1" showMasterPhAnim="1">
+<file path=ppt/slides/slide13.xml><?xml version="1.0" encoding="utf-8"?>
+<p:sld xmlns:a="http://schemas.openxmlformats.org/drawingml/2006/main" xmlns:r="http://schemas.openxmlformats.org/officeDocument/2006/relationships" xmlns:p="http://schemas.openxmlformats.org/presentationml/2006/main" xmlns:m="http://schemas.openxmlformats.org/officeDocument/2006/math" xmlns:a14="http://schemas.microsoft.com/office/drawing/2010/main" showMasterSp="1" showMasterPhAnim="1">
   <p:cSld>
     <p:spTree>
       <p:nvGrpSpPr>
@@ -3994,14 +3638,14 @@
       </p:grpSpPr>
       <p:sp>
         <p:nvSpPr>
-          <p:cNvPr id="140" name="TextShape 1"/>
+          <p:cNvPr id="157" name="TextShape 1"/>
           <p:cNvSpPr txBox="1"/>
           <p:nvPr/>
         </p:nvSpPr>
         <p:spPr>
           <a:xfrm>
-            <a:off x="503999" y="624040"/>
-            <a:ext cx="9071642" cy="616720"/>
+            <a:off x="653273" y="778050"/>
+            <a:ext cx="11709278" cy="850901"/>
           </a:xfrm>
           <a:prstGeom prst="rect">
             <a:avLst/>
@@ -4020,111 +3664,14 @@
             <a:spAutoFit/>
           </a:bodyPr>
           <a:lstStyle>
-            <a:lvl1pPr algn="ctr">
-              <a:defRPr spc="-1" sz="4400"/>
+            <a:lvl1pPr>
+              <a:defRPr spc="-1" sz="5600"/>
             </a:lvl1pPr>
           </a:lstStyle>
           <a:p>
             <a:pPr/>
             <a:r>
-              <a:t>Overview</a:t>
-            </a:r>
-          </a:p>
-        </p:txBody>
-      </p:sp>
-      <p:sp>
-        <p:nvSpPr>
-          <p:cNvPr id="141" name="TextShape 2"/>
-          <p:cNvSpPr txBox="1"/>
-          <p:nvPr/>
-        </p:nvSpPr>
-        <p:spPr>
-          <a:xfrm>
-            <a:off x="503999" y="1769040"/>
-            <a:ext cx="9071642" cy="4384441"/>
-          </a:xfrm>
-          <a:prstGeom prst="rect">
-            <a:avLst/>
-          </a:prstGeom>
-          <a:ln w="12700">
-            <a:miter lim="400000"/>
-          </a:ln>
-          <a:extLst>
-            <a:ext uri="{C572A759-6A51-4108-AA02-DFA0A04FC94B}">
-              <ma14:wrappingTextBoxFlag xmlns:ma14="http://schemas.microsoft.com/office/mac/drawingml/2011/main" val="1"/>
-            </a:ext>
-          </a:extLst>
-        </p:spPr>
-        <p:txBody>
-          <a:bodyPr lIns="0" tIns="0" rIns="0" bIns="0">
-            <a:normAutofit fontScale="100000" lnSpcReduction="0"/>
-          </a:bodyPr>
-          <a:lstStyle/>
-          <a:p>
-            <a:pPr marL="431999" indent="-323999">
-              <a:spcBef>
-                <a:spcPts val="1400"/>
-              </a:spcBef>
-              <a:buClr>
-                <a:srgbClr val="000000"/>
-              </a:buClr>
-              <a:buSzPct val="45000"/>
-              <a:buChar char="●"/>
-              <a:defRPr spc="-100" sz="3200"/>
-            </a:pPr>
-            <a:r>
-              <a:t>Course Objectives</a:t>
-            </a:r>
-            <a:endParaRPr spc="-1"/>
-          </a:p>
-          <a:p>
-            <a:pPr marL="431999" indent="-323999">
-              <a:spcBef>
-                <a:spcPts val="1400"/>
-              </a:spcBef>
-              <a:buClr>
-                <a:srgbClr val="000000"/>
-              </a:buClr>
-              <a:buSzPct val="45000"/>
-              <a:buChar char="●"/>
-              <a:defRPr spc="-100" sz="3200"/>
-            </a:pPr>
-            <a:r>
-              <a:t>Course Content</a:t>
-            </a:r>
-            <a:endParaRPr spc="-1"/>
-          </a:p>
-          <a:p>
-            <a:pPr marL="431999" indent="-323999">
-              <a:spcBef>
-                <a:spcPts val="1400"/>
-              </a:spcBef>
-              <a:buClr>
-                <a:srgbClr val="000000"/>
-              </a:buClr>
-              <a:buSzPct val="45000"/>
-              <a:buChar char="●"/>
-              <a:defRPr spc="-100" sz="3200"/>
-            </a:pPr>
-            <a:r>
-              <a:t>Reading List</a:t>
-            </a:r>
-            <a:endParaRPr spc="-1"/>
-          </a:p>
-          <a:p>
-            <a:pPr marL="431999" indent="-323999">
-              <a:spcBef>
-                <a:spcPts val="1400"/>
-              </a:spcBef>
-              <a:buClr>
-                <a:srgbClr val="000000"/>
-              </a:buClr>
-              <a:buSzPct val="45000"/>
-              <a:buChar char="●"/>
-              <a:defRPr spc="-100" sz="3200"/>
-            </a:pPr>
-            <a:r>
-              <a:t>Grading</a:t>
+              <a:t>Questions and Discussions</a:t>
             </a:r>
           </a:p>
         </p:txBody>
@@ -4138,8 +3685,8 @@
 </p:sld>
 </file>
 
-<file path=ppt/slides/slide4.xml><?xml version="1.0" encoding="utf-8"?>
-<p:sld xmlns:a="http://schemas.openxmlformats.org/drawingml/2006/main" xmlns:r="http://schemas.openxmlformats.org/officeDocument/2006/relationships" xmlns:p="http://schemas.openxmlformats.org/presentationml/2006/main" showMasterSp="1" showMasterPhAnim="1">
+<file path=ppt/slides/slide2.xml><?xml version="1.0" encoding="utf-8"?>
+<p:sld xmlns:a="http://schemas.openxmlformats.org/drawingml/2006/main" xmlns:r="http://schemas.openxmlformats.org/officeDocument/2006/relationships" xmlns:p="http://schemas.openxmlformats.org/presentationml/2006/main" xmlns:m="http://schemas.openxmlformats.org/officeDocument/2006/math" xmlns:a14="http://schemas.microsoft.com/office/drawing/2010/main" showMasterSp="1" showMasterPhAnim="1">
   <p:cSld>
     <p:spTree>
       <p:nvGrpSpPr>
@@ -4157,14 +3704,14 @@
       </p:grpSpPr>
       <p:sp>
         <p:nvSpPr>
-          <p:cNvPr id="143" name="TextShape 1"/>
+          <p:cNvPr id="122" name="TextShape 1"/>
           <p:cNvSpPr txBox="1"/>
           <p:nvPr/>
         </p:nvSpPr>
         <p:spPr>
           <a:xfrm>
-            <a:off x="503999" y="624040"/>
-            <a:ext cx="9071642" cy="616720"/>
+            <a:off x="653273" y="778050"/>
+            <a:ext cx="11709278" cy="850901"/>
           </a:xfrm>
           <a:prstGeom prst="rect">
             <a:avLst/>
@@ -4183,28 +3730,28 @@
             <a:spAutoFit/>
           </a:bodyPr>
           <a:lstStyle>
-            <a:lvl1pPr algn="ctr">
-              <a:defRPr spc="-1" sz="4400"/>
+            <a:lvl1pPr>
+              <a:defRPr spc="-1" sz="5600"/>
             </a:lvl1pPr>
           </a:lstStyle>
           <a:p>
             <a:pPr/>
             <a:r>
-              <a:t>Course Objectives	</a:t>
+              <a:t>Licensing</a:t>
             </a:r>
           </a:p>
         </p:txBody>
       </p:sp>
       <p:sp>
         <p:nvSpPr>
-          <p:cNvPr id="144" name="TextShape 2"/>
+          <p:cNvPr id="123" name="TextShape 2"/>
           <p:cNvSpPr txBox="1"/>
           <p:nvPr/>
         </p:nvSpPr>
         <p:spPr>
           <a:xfrm>
-            <a:off x="503999" y="1769040"/>
-            <a:ext cx="9071642" cy="4384441"/>
+            <a:off x="653273" y="2283399"/>
+            <a:ext cx="11709278" cy="5659245"/>
           </a:xfrm>
           <a:prstGeom prst="rect">
             <a:avLst/>
@@ -4219,92 +3766,77 @@
           </a:extLst>
         </p:spPr>
         <p:txBody>
-          <a:bodyPr lIns="0" tIns="0" rIns="0" bIns="0">
+          <a:bodyPr lIns="0" tIns="0" rIns="0" bIns="0" anchor="ctr">
             <a:normAutofit fontScale="100000" lnSpcReduction="0"/>
           </a:bodyPr>
           <a:lstStyle/>
           <a:p>
-            <a:pPr marL="431999" indent="-323999">
-              <a:spcBef>
-                <a:spcPts val="1400"/>
-              </a:spcBef>
-              <a:buClr>
-                <a:srgbClr val="000000"/>
-              </a:buClr>
-              <a:buSzPct val="45000"/>
-              <a:buChar char="●"/>
-              <a:defRPr spc="-100" sz="3200"/>
+            <a:pPr/>
+            <a:r>
+              <a:t>Our Lecture Slides have  greatly benefited from the previous classes taught by Dr. William Schroeder and Dr. Luis Ibanez at RPI, </a:t>
+            </a:r>
+          </a:p>
+          <a:p>
+            <a:pPr/>
+            <a:r>
+              <a:t>And by Professor Mukkai Krishnamoorthy who succeeded them in teaching the course</a:t>
+            </a:r>
+            <a:endParaRPr spc="-1"/>
+          </a:p>
+          <a:p>
+            <a:pPr/>
+            <a:r>
+              <a:t>Creative Commons (CC BY 3.0) </a:t>
+            </a:r>
+            <a:r>
+              <a:rPr u="sng">
+                <a:hlinkClick r:id="rId2" invalidUrl="" action="" tgtFrame="" tooltip="" history="1" highlightClick="0" endSnd="0"/>
+              </a:rPr>
+              <a:t>http://creativecommons.org/licenses/by/3.0/</a:t>
+            </a:r>
+          </a:p>
+        </p:txBody>
+      </p:sp>
+      <p:sp>
+        <p:nvSpPr>
+          <p:cNvPr id="124" name="TextShape 3"/>
+          <p:cNvSpPr txBox="1"/>
+          <p:nvPr/>
+        </p:nvSpPr>
+        <p:spPr>
+          <a:xfrm>
+            <a:off x="2953865" y="8403183"/>
+            <a:ext cx="6656432" cy="1335369"/>
+          </a:xfrm>
+          <a:prstGeom prst="rect">
+            <a:avLst/>
+          </a:prstGeom>
+          <a:ln w="12700">
+            <a:miter lim="400000"/>
+          </a:ln>
+          <a:extLst>
+            <a:ext uri="{C572A759-6A51-4108-AA02-DFA0A04FC94B}">
+              <ma14:wrappingTextBoxFlag xmlns:ma14="http://schemas.microsoft.com/office/mac/drawingml/2011/main" val="1"/>
+            </a:ext>
+          </a:extLst>
+        </p:spPr>
+        <p:txBody>
+          <a:bodyPr lIns="58084" tIns="58084" rIns="58084" bIns="58084" anchor="ctr">
+            <a:spAutoFit/>
+          </a:bodyPr>
+          <a:lstStyle/>
+          <a:p>
+            <a:pPr>
+              <a:defRPr spc="-2"/>
             </a:pPr>
             <a:r>
-              <a:t>Familiarize with Open Source Software Development</a:t>
-            </a:r>
-            <a:endParaRPr spc="-1"/>
-          </a:p>
-          <a:p>
-            <a:pPr marL="431999" indent="-323999">
-              <a:spcBef>
-                <a:spcPts val="1400"/>
-              </a:spcBef>
-              <a:buClr>
-                <a:srgbClr val="000000"/>
-              </a:buClr>
-              <a:buSzPct val="45000"/>
-              <a:buChar char="●"/>
-              <a:defRPr spc="-100" sz="3200"/>
-            </a:pPr>
-            <a:r>
-              <a:t>Reading and Understanding “Good” Code</a:t>
-            </a:r>
-            <a:endParaRPr spc="-1"/>
-          </a:p>
-          <a:p>
-            <a:pPr marL="431999" indent="-323999">
-              <a:spcBef>
-                <a:spcPts val="1400"/>
-              </a:spcBef>
-              <a:buClr>
-                <a:srgbClr val="000000"/>
-              </a:buClr>
-              <a:buSzPct val="45000"/>
-              <a:buChar char="●"/>
-              <a:defRPr spc="-100" sz="3200"/>
-            </a:pPr>
-            <a:r>
-              <a:t>Patch an existing Open Source Project</a:t>
-            </a:r>
-            <a:endParaRPr spc="-1"/>
-          </a:p>
-          <a:p>
-            <a:pPr marL="431999" indent="-323999">
-              <a:spcBef>
-                <a:spcPts val="1400"/>
-              </a:spcBef>
-              <a:buClr>
-                <a:srgbClr val="000000"/>
-              </a:buClr>
-              <a:buSzPct val="45000"/>
-              <a:buChar char="●"/>
-              <a:defRPr spc="-100" sz="3200"/>
-            </a:pPr>
-            <a:r>
-              <a:t>Work on a team Project</a:t>
-            </a:r>
-            <a:endParaRPr spc="-1"/>
-          </a:p>
-          <a:p>
-            <a:pPr marL="431999" indent="-323999">
-              <a:spcBef>
-                <a:spcPts val="1400"/>
-              </a:spcBef>
-              <a:buClr>
-                <a:srgbClr val="000000"/>
-              </a:buClr>
-              <a:buSzPct val="45000"/>
-              <a:buChar char="●"/>
-              <a:defRPr spc="-100" sz="3200"/>
-            </a:pPr>
-            <a:r>
-              <a:t>Aware of team dynamics including diversity issues</a:t>
+              <a:rPr u="sng">
+                <a:hlinkClick r:id="rId2" invalidUrl="" action="" tgtFrame="" tooltip="" history="1" highlightClick="0" endSnd="0"/>
+              </a:rPr>
+              <a:t>http://creativecommons.org/licenses/by/3.0/</a:t>
+            </a:r>
+            <a:r>
+              <a:t> </a:t>
             </a:r>
           </a:p>
         </p:txBody>
@@ -4318,8 +3850,8 @@
 </p:sld>
 </file>
 
-<file path=ppt/slides/slide5.xml><?xml version="1.0" encoding="utf-8"?>
-<p:sld xmlns:a="http://schemas.openxmlformats.org/drawingml/2006/main" xmlns:r="http://schemas.openxmlformats.org/officeDocument/2006/relationships" xmlns:p="http://schemas.openxmlformats.org/presentationml/2006/main" showMasterSp="1" showMasterPhAnim="1">
+<file path=ppt/slides/slide3.xml><?xml version="1.0" encoding="utf-8"?>
+<p:sld xmlns:a="http://schemas.openxmlformats.org/drawingml/2006/main" xmlns:r="http://schemas.openxmlformats.org/officeDocument/2006/relationships" xmlns:p="http://schemas.openxmlformats.org/presentationml/2006/main" xmlns:m="http://schemas.openxmlformats.org/officeDocument/2006/math" xmlns:a14="http://schemas.microsoft.com/office/drawing/2010/main" showMasterSp="1" showMasterPhAnim="1">
   <p:cSld>
     <p:spTree>
       <p:nvGrpSpPr>
@@ -4337,14 +3869,14 @@
       </p:grpSpPr>
       <p:sp>
         <p:nvSpPr>
-          <p:cNvPr id="146" name="TextShape 1"/>
+          <p:cNvPr id="126" name="TextShape 1"/>
           <p:cNvSpPr txBox="1"/>
           <p:nvPr/>
         </p:nvSpPr>
         <p:spPr>
           <a:xfrm>
-            <a:off x="503999" y="624040"/>
-            <a:ext cx="9071642" cy="616720"/>
+            <a:off x="653273" y="778050"/>
+            <a:ext cx="11709278" cy="850901"/>
           </a:xfrm>
           <a:prstGeom prst="rect">
             <a:avLst/>
@@ -4363,28 +3895,28 @@
             <a:spAutoFit/>
           </a:bodyPr>
           <a:lstStyle>
-            <a:lvl1pPr algn="ctr">
-              <a:defRPr spc="-1" sz="4400"/>
+            <a:lvl1pPr>
+              <a:defRPr spc="-1" sz="5600"/>
             </a:lvl1pPr>
           </a:lstStyle>
           <a:p>
             <a:pPr/>
             <a:r>
-              <a:t>Course Objectives (contd)	</a:t>
+              <a:t>Overview</a:t>
             </a:r>
           </a:p>
         </p:txBody>
       </p:sp>
       <p:sp>
         <p:nvSpPr>
-          <p:cNvPr id="147" name="TextShape 2"/>
+          <p:cNvPr id="127" name="TextShape 2"/>
           <p:cNvSpPr txBox="1"/>
           <p:nvPr/>
         </p:nvSpPr>
         <p:spPr>
           <a:xfrm>
-            <a:off x="503999" y="1769040"/>
-            <a:ext cx="9071642" cy="4384441"/>
+            <a:off x="653273" y="2283399"/>
+            <a:ext cx="11709278" cy="5659245"/>
           </a:xfrm>
           <a:prstGeom prst="rect">
             <a:avLst/>
@@ -4399,41 +3931,47 @@
           </a:extLst>
         </p:spPr>
         <p:txBody>
-          <a:bodyPr lIns="0" tIns="0" rIns="0" bIns="0">
+          <a:bodyPr lIns="0" tIns="0" rIns="0" bIns="0" anchor="ctr">
             <a:normAutofit fontScale="100000" lnSpcReduction="0"/>
           </a:bodyPr>
           <a:lstStyle/>
           <a:p>
-            <a:pPr marL="431999" indent="-323999">
-              <a:spcBef>
-                <a:spcPts val="1400"/>
-              </a:spcBef>
-              <a:buClr>
-                <a:srgbClr val="000000"/>
-              </a:buClr>
-              <a:buSzPct val="45000"/>
-              <a:buChar char="●"/>
-              <a:defRPr spc="-100" sz="3200"/>
+            <a:pPr marL="481263" indent="-481263" algn="l">
+              <a:buSzPct val="75000"/>
+              <a:buChar char="•"/>
             </a:pPr>
             <a:r>
-              <a:t>Be knowledgeable in at least one software stack.</a:t>
+              <a:t>Course Objectives</a:t>
             </a:r>
             <a:endParaRPr spc="-1"/>
           </a:p>
           <a:p>
-            <a:pPr marL="431999" indent="-323999">
-              <a:spcBef>
-                <a:spcPts val="1400"/>
-              </a:spcBef>
-              <a:buClr>
-                <a:srgbClr val="000000"/>
-              </a:buClr>
-              <a:buSzPct val="45000"/>
-              <a:buChar char="●"/>
-              <a:defRPr spc="-100" sz="3200"/>
+            <a:pPr marL="481263" indent="-481263" algn="l">
+              <a:buSzPct val="75000"/>
+              <a:buChar char="•"/>
             </a:pPr>
             <a:r>
-              <a:t>Prepare for a new RCOS project for the following semester.</a:t>
+              <a:t>Course Content</a:t>
+            </a:r>
+            <a:endParaRPr spc="-1"/>
+          </a:p>
+          <a:p>
+            <a:pPr marL="481263" indent="-481263" algn="l">
+              <a:buSzPct val="75000"/>
+              <a:buChar char="•"/>
+            </a:pPr>
+            <a:r>
+              <a:t>Reading List</a:t>
+            </a:r>
+            <a:endParaRPr spc="-1"/>
+          </a:p>
+          <a:p>
+            <a:pPr marL="481263" indent="-481263" algn="l">
+              <a:buSzPct val="75000"/>
+              <a:buChar char="•"/>
+            </a:pPr>
+            <a:r>
+              <a:t>Grading</a:t>
             </a:r>
           </a:p>
         </p:txBody>
@@ -4447,8 +3985,8 @@
 </p:sld>
 </file>
 
-<file path=ppt/slides/slide6.xml><?xml version="1.0" encoding="utf-8"?>
-<p:sld xmlns:a="http://schemas.openxmlformats.org/drawingml/2006/main" xmlns:r="http://schemas.openxmlformats.org/officeDocument/2006/relationships" xmlns:p="http://schemas.openxmlformats.org/presentationml/2006/main" showMasterSp="1" showMasterPhAnim="1">
+<file path=ppt/slides/slide4.xml><?xml version="1.0" encoding="utf-8"?>
+<p:sld xmlns:a="http://schemas.openxmlformats.org/drawingml/2006/main" xmlns:r="http://schemas.openxmlformats.org/officeDocument/2006/relationships" xmlns:p="http://schemas.openxmlformats.org/presentationml/2006/main" xmlns:m="http://schemas.openxmlformats.org/officeDocument/2006/math" xmlns:a14="http://schemas.microsoft.com/office/drawing/2010/main" showMasterSp="1" showMasterPhAnim="1">
   <p:cSld>
     <p:spTree>
       <p:nvGrpSpPr>
@@ -4466,14 +4004,14 @@
       </p:grpSpPr>
       <p:sp>
         <p:nvSpPr>
-          <p:cNvPr id="149" name="TextShape 1"/>
+          <p:cNvPr id="129" name="TextShape 1"/>
           <p:cNvSpPr txBox="1"/>
           <p:nvPr/>
         </p:nvSpPr>
         <p:spPr>
           <a:xfrm>
-            <a:off x="503999" y="624040"/>
-            <a:ext cx="9071642" cy="616720"/>
+            <a:off x="653273" y="778050"/>
+            <a:ext cx="11709278" cy="850901"/>
           </a:xfrm>
           <a:prstGeom prst="rect">
             <a:avLst/>
@@ -4492,28 +4030,28 @@
             <a:spAutoFit/>
           </a:bodyPr>
           <a:lstStyle>
-            <a:lvl1pPr algn="ctr">
-              <a:defRPr spc="-1" sz="4400"/>
+            <a:lvl1pPr>
+              <a:defRPr spc="-1" sz="5600"/>
             </a:lvl1pPr>
           </a:lstStyle>
           <a:p>
             <a:pPr/>
             <a:r>
-              <a:t>Course Content</a:t>
+              <a:t>Course Objectives	</a:t>
             </a:r>
           </a:p>
         </p:txBody>
       </p:sp>
       <p:sp>
         <p:nvSpPr>
-          <p:cNvPr id="150" name="TextShape 2"/>
+          <p:cNvPr id="130" name="TextShape 2"/>
           <p:cNvSpPr txBox="1"/>
           <p:nvPr/>
         </p:nvSpPr>
         <p:spPr>
           <a:xfrm>
-            <a:off x="503999" y="1769040"/>
-            <a:ext cx="9071642" cy="4384441"/>
+            <a:off x="653273" y="2283399"/>
+            <a:ext cx="11709278" cy="5659245"/>
           </a:xfrm>
           <a:prstGeom prst="rect">
             <a:avLst/>
@@ -4528,58 +4066,57 @@
           </a:extLst>
         </p:spPr>
         <p:txBody>
-          <a:bodyPr lIns="0" tIns="0" rIns="0" bIns="0">
+          <a:bodyPr lIns="0" tIns="0" rIns="0" bIns="0" anchor="ctr">
             <a:normAutofit fontScale="100000" lnSpcReduction="0"/>
           </a:bodyPr>
           <a:lstStyle/>
           <a:p>
-            <a:pPr marL="419040" indent="-314279" defTabSz="886968">
-              <a:spcBef>
-                <a:spcPts val="1300"/>
-              </a:spcBef>
-              <a:buClr>
-                <a:srgbClr val="000000"/>
-              </a:buClr>
-              <a:buSzPct val="45000"/>
-              <a:buChar char="●"/>
-              <a:defRPr spc="-97" sz="3104"/>
+            <a:pPr marL="481263" indent="-481263" algn="l">
+              <a:buSzPct val="75000"/>
+              <a:buChar char="•"/>
             </a:pPr>
             <a:r>
-              <a:t>Foundations of Open Source (History and Licensing)</a:t>
-            </a:r>
-            <a:endParaRPr spc="0"/>
-          </a:p>
-          <a:p>
-            <a:pPr marL="419040" indent="-314279" defTabSz="886968">
-              <a:spcBef>
-                <a:spcPts val="1300"/>
-              </a:spcBef>
-              <a:buClr>
-                <a:srgbClr val="000000"/>
-              </a:buClr>
-              <a:buSzPct val="45000"/>
-              <a:buChar char="●"/>
-              <a:defRPr spc="-97" sz="3104"/>
+              <a:t>Familiarize with Open Source Software Development</a:t>
+            </a:r>
+            <a:endParaRPr spc="-1"/>
+          </a:p>
+          <a:p>
+            <a:pPr marL="481263" indent="-481263" algn="l">
+              <a:buSzPct val="75000"/>
+              <a:buChar char="•"/>
             </a:pPr>
             <a:r>
-              <a:t>Software Management Tools (Version Control (git), Documentation Tools (markdown, markup), System Build, Specification and Testing, Collaborative Development</a:t>
-            </a:r>
-            <a:endParaRPr spc="0"/>
-          </a:p>
-          <a:p>
-            <a:pPr marL="419040" indent="-314279" defTabSz="886968">
-              <a:spcBef>
-                <a:spcPts val="1300"/>
-              </a:spcBef>
-              <a:buClr>
-                <a:srgbClr val="000000"/>
-              </a:buClr>
-              <a:buSzPct val="45000"/>
-              <a:buChar char="●"/>
-              <a:defRPr spc="-97" sz="3104"/>
+              <a:t>Reading and Understanding “Good” Code</a:t>
+            </a:r>
+            <a:endParaRPr spc="-1"/>
+          </a:p>
+          <a:p>
+            <a:pPr marL="481263" indent="-481263" algn="l">
+              <a:buSzPct val="75000"/>
+              <a:buChar char="•"/>
             </a:pPr>
             <a:r>
-              <a:t>Software Development Tools (Ipython, javascript (node.js)), Statistical computing(R, Rstudio), Database</a:t>
+              <a:t>Patch an existing Open Source Project</a:t>
+            </a:r>
+            <a:endParaRPr spc="-1"/>
+          </a:p>
+          <a:p>
+            <a:pPr marL="481263" indent="-481263" algn="l">
+              <a:buSzPct val="75000"/>
+              <a:buChar char="•"/>
+            </a:pPr>
+            <a:r>
+              <a:t>Work on a team Project</a:t>
+            </a:r>
+            <a:endParaRPr spc="-1"/>
+          </a:p>
+          <a:p>
+            <a:pPr marL="481263" indent="-481263" algn="l">
+              <a:buSzPct val="75000"/>
+              <a:buChar char="•"/>
+            </a:pPr>
+            <a:r>
+              <a:t>Aware of team dynamics including diversity issues</a:t>
             </a:r>
           </a:p>
         </p:txBody>
@@ -4593,8 +4130,8 @@
 </p:sld>
 </file>
 
-<file path=ppt/slides/slide7.xml><?xml version="1.0" encoding="utf-8"?>
-<p:sld xmlns:a="http://schemas.openxmlformats.org/drawingml/2006/main" xmlns:r="http://schemas.openxmlformats.org/officeDocument/2006/relationships" xmlns:p="http://schemas.openxmlformats.org/presentationml/2006/main" showMasterSp="1" showMasterPhAnim="1">
+<file path=ppt/slides/slide5.xml><?xml version="1.0" encoding="utf-8"?>
+<p:sld xmlns:a="http://schemas.openxmlformats.org/drawingml/2006/main" xmlns:r="http://schemas.openxmlformats.org/officeDocument/2006/relationships" xmlns:p="http://schemas.openxmlformats.org/presentationml/2006/main" xmlns:m="http://schemas.openxmlformats.org/officeDocument/2006/math" xmlns:a14="http://schemas.microsoft.com/office/drawing/2010/main" showMasterSp="1" showMasterPhAnim="1">
   <p:cSld>
     <p:spTree>
       <p:nvGrpSpPr>
@@ -4612,14 +4149,14 @@
       </p:grpSpPr>
       <p:sp>
         <p:nvSpPr>
-          <p:cNvPr id="152" name="TextShape 1"/>
+          <p:cNvPr id="132" name="TextShape 1"/>
           <p:cNvSpPr txBox="1"/>
           <p:nvPr/>
         </p:nvSpPr>
         <p:spPr>
           <a:xfrm>
-            <a:off x="503999" y="624040"/>
-            <a:ext cx="9071642" cy="616720"/>
+            <a:off x="653273" y="778050"/>
+            <a:ext cx="11709278" cy="850901"/>
           </a:xfrm>
           <a:prstGeom prst="rect">
             <a:avLst/>
@@ -4638,28 +4175,28 @@
             <a:spAutoFit/>
           </a:bodyPr>
           <a:lstStyle>
-            <a:lvl1pPr algn="ctr">
-              <a:defRPr spc="-1" sz="4400"/>
+            <a:lvl1pPr>
+              <a:defRPr spc="-1" sz="5600"/>
             </a:lvl1pPr>
           </a:lstStyle>
           <a:p>
             <a:pPr/>
             <a:r>
-              <a:t>Course Contents (contd)</a:t>
+              <a:t>Course Objectives (contd)	</a:t>
             </a:r>
           </a:p>
         </p:txBody>
       </p:sp>
       <p:sp>
         <p:nvSpPr>
-          <p:cNvPr id="153" name="TextShape 2"/>
+          <p:cNvPr id="133" name="TextShape 2"/>
           <p:cNvSpPr txBox="1"/>
           <p:nvPr/>
         </p:nvSpPr>
         <p:spPr>
           <a:xfrm>
-            <a:off x="503999" y="1769040"/>
-            <a:ext cx="9071642" cy="4384441"/>
+            <a:off x="653273" y="2283399"/>
+            <a:ext cx="11709278" cy="5659245"/>
           </a:xfrm>
           <a:prstGeom prst="rect">
             <a:avLst/>
@@ -4674,58 +4211,27 @@
           </a:extLst>
         </p:spPr>
         <p:txBody>
-          <a:bodyPr lIns="0" tIns="0" rIns="0" bIns="0">
+          <a:bodyPr lIns="0" tIns="0" rIns="0" bIns="0" anchor="ctr">
             <a:normAutofit fontScale="100000" lnSpcReduction="0"/>
           </a:bodyPr>
           <a:lstStyle/>
           <a:p>
-            <a:pPr marL="431999" indent="-323999">
-              <a:spcBef>
-                <a:spcPts val="1400"/>
-              </a:spcBef>
-              <a:buClr>
-                <a:srgbClr val="000000"/>
-              </a:buClr>
-              <a:buSzPct val="45000"/>
-              <a:buChar char="●"/>
-              <a:defRPr spc="-100" sz="3200"/>
+            <a:pPr marL="481263" indent="-481263" algn="l">
+              <a:buSzPct val="75000"/>
+              <a:buChar char="•"/>
             </a:pPr>
             <a:r>
-              <a:t>Software Applications (Web Development, Cloud Computing Platform, Mobile Applications)</a:t>
+              <a:t>Be knowledgeable in at least one software stack.</a:t>
             </a:r>
             <a:endParaRPr spc="-1"/>
           </a:p>
           <a:p>
-            <a:pPr marL="431999" indent="-323999">
-              <a:spcBef>
-                <a:spcPts val="1400"/>
-              </a:spcBef>
-              <a:buClr>
-                <a:srgbClr val="000000"/>
-              </a:buClr>
-              <a:buSzPct val="45000"/>
-              <a:buChar char="●"/>
-              <a:defRPr spc="-100" sz="3200"/>
+            <a:pPr marL="481263" indent="-481263" algn="l">
+              <a:buSzPct val="75000"/>
+              <a:buChar char="•"/>
             </a:pPr>
             <a:r>
-              <a:t>Open Hardware (Arduino, RaspberryPi)</a:t>
-            </a:r>
-            <a:endParaRPr spc="-1"/>
-          </a:p>
-          <a:p>
-            <a:pPr marL="431999" indent="-323999">
-              <a:spcBef>
-                <a:spcPts val="1400"/>
-              </a:spcBef>
-              <a:buClr>
-                <a:srgbClr val="000000"/>
-              </a:buClr>
-              <a:buSzPct val="45000"/>
-              <a:buChar char="●"/>
-              <a:defRPr spc="-100" sz="3200"/>
-            </a:pPr>
-            <a:r>
-              <a:t>Projects</a:t>
+              <a:t>Prepare for a new RCOS project for the following semester.</a:t>
             </a:r>
           </a:p>
         </p:txBody>
@@ -4739,8 +4245,8 @@
 </p:sld>
 </file>
 
-<file path=ppt/slides/slide8.xml><?xml version="1.0" encoding="utf-8"?>
-<p:sld xmlns:a="http://schemas.openxmlformats.org/drawingml/2006/main" xmlns:r="http://schemas.openxmlformats.org/officeDocument/2006/relationships" xmlns:p="http://schemas.openxmlformats.org/presentationml/2006/main" showMasterSp="1" showMasterPhAnim="1">
+<file path=ppt/slides/slide6.xml><?xml version="1.0" encoding="utf-8"?>
+<p:sld xmlns:a="http://schemas.openxmlformats.org/drawingml/2006/main" xmlns:r="http://schemas.openxmlformats.org/officeDocument/2006/relationships" xmlns:p="http://schemas.openxmlformats.org/presentationml/2006/main" xmlns:m="http://schemas.openxmlformats.org/officeDocument/2006/math" xmlns:a14="http://schemas.microsoft.com/office/drawing/2010/main" showMasterSp="1" showMasterPhAnim="1">
   <p:cSld>
     <p:spTree>
       <p:nvGrpSpPr>
@@ -4758,14 +4264,14 @@
       </p:grpSpPr>
       <p:sp>
         <p:nvSpPr>
-          <p:cNvPr id="155" name="TextShape 1"/>
+          <p:cNvPr id="135" name="TextShape 1"/>
           <p:cNvSpPr txBox="1"/>
           <p:nvPr/>
         </p:nvSpPr>
         <p:spPr>
           <a:xfrm>
-            <a:off x="503999" y="306540"/>
-            <a:ext cx="9071642" cy="1251720"/>
+            <a:off x="653273" y="778050"/>
+            <a:ext cx="11709278" cy="850901"/>
           </a:xfrm>
           <a:prstGeom prst="rect">
             <a:avLst/>
@@ -4784,28 +4290,28 @@
             <a:spAutoFit/>
           </a:bodyPr>
           <a:lstStyle>
-            <a:lvl1pPr algn="ctr">
-              <a:defRPr spc="-1" sz="4400"/>
+            <a:lvl1pPr>
+              <a:defRPr spc="-1" sz="5600"/>
             </a:lvl1pPr>
           </a:lstStyle>
           <a:p>
             <a:pPr/>
             <a:r>
-              <a:t>Lab Assistants (Masters of the Universe)</a:t>
+              <a:t>Course Content</a:t>
             </a:r>
           </a:p>
         </p:txBody>
       </p:sp>
       <p:sp>
         <p:nvSpPr>
-          <p:cNvPr id="156" name="TextShape 2"/>
+          <p:cNvPr id="136" name="TextShape 2"/>
           <p:cNvSpPr txBox="1"/>
           <p:nvPr/>
         </p:nvSpPr>
         <p:spPr>
           <a:xfrm>
-            <a:off x="503999" y="1769040"/>
-            <a:ext cx="9071642" cy="4384441"/>
+            <a:off x="653273" y="2283399"/>
+            <a:ext cx="11709278" cy="5659245"/>
           </a:xfrm>
           <a:prstGeom prst="rect">
             <a:avLst/>
@@ -4820,75 +4326,38 @@
           </a:extLst>
         </p:spPr>
         <p:txBody>
-          <a:bodyPr lIns="0" tIns="0" rIns="0" bIns="0">
+          <a:bodyPr lIns="0" tIns="0" rIns="0" bIns="0" anchor="ctr">
             <a:normAutofit fontScale="100000" lnSpcReduction="0"/>
           </a:bodyPr>
           <a:lstStyle/>
           <a:p>
-            <a:pPr marL="320842" indent="-320842">
-              <a:spcBef>
-                <a:spcPts val="1400"/>
-              </a:spcBef>
-              <a:buSzPct val="100000"/>
+            <a:pPr marL="481263" indent="-481263" algn="l">
+              <a:buSzPct val="75000"/>
               <a:buChar char="•"/>
-              <a:defRPr spc="-1" sz="3200"/>
             </a:pPr>
             <a:r>
-              <a:t>Adrian Collado </a:t>
-            </a:r>
-          </a:p>
-          <a:p>
-            <a:pPr lvl="1" marL="701842" indent="-320842">
-              <a:spcBef>
-                <a:spcPts val="1400"/>
-              </a:spcBef>
-              <a:buSzPct val="100000"/>
+              <a:t>Foundations of Open Source (History and Licensing)</a:t>
+            </a:r>
+            <a:endParaRPr spc="-1"/>
+          </a:p>
+          <a:p>
+            <a:pPr marL="481263" indent="-481263" algn="l">
+              <a:buSzPct val="75000"/>
               <a:buChar char="•"/>
-              <a:defRPr spc="-1" sz="3200"/>
             </a:pPr>
             <a:r>
-              <a:t>collaa@rpi.edu</a:t>
-            </a:r>
-          </a:p>
-          <a:p>
-            <a:pPr marL="320842" indent="-320842">
-              <a:spcBef>
-                <a:spcPts val="1400"/>
-              </a:spcBef>
-              <a:buSzPct val="100000"/>
+              <a:t>Software Management Tools (Version Control (git), Documentation Tools (markdown, markup), System Build, Specification and Testing, Collaborative Development</a:t>
+            </a:r>
+            <a:endParaRPr spc="-1"/>
+          </a:p>
+          <a:p>
+            <a:pPr marL="481263" indent="-481263" algn="l">
+              <a:buSzPct val="75000"/>
               <a:buChar char="•"/>
-              <a:defRPr spc="-1" sz="3200"/>
             </a:pPr>
             <a:r>
-              <a:t>Alexander Schwartzberg </a:t>
-            </a:r>
-          </a:p>
-          <a:p>
-            <a:pPr lvl="1" marL="701842" indent="-320842">
-              <a:spcBef>
-                <a:spcPts val="1400"/>
-              </a:spcBef>
-              <a:buSzPct val="100000"/>
-              <a:buChar char="•"/>
-              <a:defRPr spc="-1" sz="3200"/>
-            </a:pPr>
-            <a:r>
-              <a:t>schwaa6@rpi.edu</a:t>
-            </a:r>
-          </a:p>
-          <a:p>
-            <a:pPr marL="431999" indent="-323999">
-              <a:spcBef>
-                <a:spcPts val="1400"/>
-              </a:spcBef>
-              <a:buClr>
-                <a:srgbClr val="000000"/>
-              </a:buClr>
-              <a:buSzPct val="45000"/>
-              <a:buChar char="●"/>
-              <a:defRPr spc="-100" sz="3200"/>
-            </a:pPr>
-            <a:endParaRPr spc="-1"/>
+              <a:t>Software Development Tools (python, javascript node.js), Statistical computing(R, Rstudio), Database</a:t>
+            </a:r>
           </a:p>
         </p:txBody>
       </p:sp>
@@ -4901,8 +4370,8 @@
 </p:sld>
 </file>
 
-<file path=ppt/slides/slide9.xml><?xml version="1.0" encoding="utf-8"?>
-<p:sld xmlns:a="http://schemas.openxmlformats.org/drawingml/2006/main" xmlns:r="http://schemas.openxmlformats.org/officeDocument/2006/relationships" xmlns:p="http://schemas.openxmlformats.org/presentationml/2006/main" showMasterSp="1" showMasterPhAnim="1">
+<file path=ppt/slides/slide7.xml><?xml version="1.0" encoding="utf-8"?>
+<p:sld xmlns:a="http://schemas.openxmlformats.org/drawingml/2006/main" xmlns:r="http://schemas.openxmlformats.org/officeDocument/2006/relationships" xmlns:p="http://schemas.openxmlformats.org/presentationml/2006/main" xmlns:m="http://schemas.openxmlformats.org/officeDocument/2006/math" xmlns:a14="http://schemas.microsoft.com/office/drawing/2010/main" showMasterSp="1" showMasterPhAnim="1">
   <p:cSld>
     <p:spTree>
       <p:nvGrpSpPr>
@@ -4920,14 +4389,14 @@
       </p:grpSpPr>
       <p:sp>
         <p:nvSpPr>
-          <p:cNvPr id="158" name="TextShape 1"/>
+          <p:cNvPr id="138" name="TextShape 1"/>
           <p:cNvSpPr txBox="1"/>
           <p:nvPr/>
         </p:nvSpPr>
         <p:spPr>
           <a:xfrm>
-            <a:off x="503999" y="624040"/>
-            <a:ext cx="9071642" cy="616720"/>
+            <a:off x="653273" y="778050"/>
+            <a:ext cx="11709278" cy="850901"/>
           </a:xfrm>
           <a:prstGeom prst="rect">
             <a:avLst/>
@@ -4946,28 +4415,28 @@
             <a:spAutoFit/>
           </a:bodyPr>
           <a:lstStyle>
-            <a:lvl1pPr algn="ctr">
-              <a:defRPr spc="-1" sz="4400"/>
+            <a:lvl1pPr>
+              <a:defRPr spc="-1" sz="5600"/>
             </a:lvl1pPr>
           </a:lstStyle>
           <a:p>
             <a:pPr/>
             <a:r>
-              <a:t>Class Format	</a:t>
+              <a:t>Course Contents (contd)</a:t>
             </a:r>
           </a:p>
         </p:txBody>
       </p:sp>
       <p:sp>
         <p:nvSpPr>
-          <p:cNvPr id="159" name="TextShape 2"/>
+          <p:cNvPr id="139" name="TextShape 2"/>
           <p:cNvSpPr txBox="1"/>
           <p:nvPr/>
         </p:nvSpPr>
         <p:spPr>
           <a:xfrm>
-            <a:off x="503999" y="1769040"/>
-            <a:ext cx="9071642" cy="4384441"/>
+            <a:off x="653273" y="2283399"/>
+            <a:ext cx="11709278" cy="5659245"/>
           </a:xfrm>
           <a:prstGeom prst="rect">
             <a:avLst/>
@@ -4982,41 +4451,298 @@
           </a:extLst>
         </p:spPr>
         <p:txBody>
-          <a:bodyPr lIns="0" tIns="0" rIns="0" bIns="0">
+          <a:bodyPr lIns="0" tIns="0" rIns="0" bIns="0" anchor="ctr">
             <a:normAutofit fontScale="100000" lnSpcReduction="0"/>
           </a:bodyPr>
           <a:lstStyle/>
           <a:p>
-            <a:pPr marL="431999" indent="-323999">
+            <a:pPr marL="481263" indent="-481263" algn="l">
+              <a:buSzPct val="75000"/>
+              <a:buChar char="•"/>
+            </a:pPr>
+            <a:r>
+              <a:t>Software Applications (Web Development, Cloud Computing Platform, Mobile Applications)</a:t>
+            </a:r>
+            <a:endParaRPr spc="-1"/>
+          </a:p>
+          <a:p>
+            <a:pPr marL="481263" indent="-481263" algn="l">
+              <a:buSzPct val="75000"/>
+              <a:buChar char="•"/>
+            </a:pPr>
+            <a:r>
+              <a:rPr spc="-1"/>
+              <a:t>Advanced Topics (</a:t>
+            </a:r>
+            <a:r>
+              <a:t>Open Hardware, Jupyter, Docker, TensorFlow)</a:t>
+            </a:r>
+            <a:endParaRPr spc="-1"/>
+          </a:p>
+          <a:p>
+            <a:pPr marL="481263" indent="-481263" algn="l">
+              <a:buSzPct val="75000"/>
+              <a:buChar char="•"/>
+            </a:pPr>
+            <a:r>
+              <a:t>Projects</a:t>
+            </a:r>
+          </a:p>
+        </p:txBody>
+      </p:sp>
+    </p:spTree>
+  </p:cSld>
+  <p:clrMapOvr>
+    <a:masterClrMapping/>
+  </p:clrMapOvr>
+  <p:transition xmlns:p14="http://schemas.microsoft.com/office/powerpoint/2010/main" spd="med" advClick="1"/>
+</p:sld>
+</file>
+
+<file path=ppt/slides/slide8.xml><?xml version="1.0" encoding="utf-8"?>
+<p:sld xmlns:a="http://schemas.openxmlformats.org/drawingml/2006/main" xmlns:r="http://schemas.openxmlformats.org/officeDocument/2006/relationships" xmlns:p="http://schemas.openxmlformats.org/presentationml/2006/main" xmlns:m="http://schemas.openxmlformats.org/officeDocument/2006/math" xmlns:a14="http://schemas.microsoft.com/office/drawing/2010/main" showMasterSp="1" showMasterPhAnim="1">
+  <p:cSld>
+    <p:spTree>
+      <p:nvGrpSpPr>
+        <p:cNvPr id="1" name=""/>
+        <p:cNvGrpSpPr/>
+        <p:nvPr/>
+      </p:nvGrpSpPr>
+      <p:grpSpPr>
+        <a:xfrm>
+          <a:off x="0" y="0"/>
+          <a:ext cx="0" cy="0"/>
+          <a:chOff x="0" y="0"/>
+          <a:chExt cx="0" cy="0"/>
+        </a:xfrm>
+      </p:grpSpPr>
+      <p:sp>
+        <p:nvSpPr>
+          <p:cNvPr id="141" name="Reading List"/>
+          <p:cNvSpPr txBox="1"/>
+          <p:nvPr>
+            <p:ph type="title"/>
+          </p:nvPr>
+        </p:nvSpPr>
+        <p:spPr>
+          <a:prstGeom prst="rect">
+            <a:avLst/>
+          </a:prstGeom>
+        </p:spPr>
+        <p:txBody>
+          <a:bodyPr/>
+          <a:lstStyle/>
+          <a:p>
+            <a:pPr/>
+            <a:r>
+              <a:t>Reading List</a:t>
+            </a:r>
+          </a:p>
+        </p:txBody>
+      </p:sp>
+      <p:sp>
+        <p:nvSpPr>
+          <p:cNvPr id="142" name="Look at the Material in Lectures…"/>
+          <p:cNvSpPr txBox="1"/>
+          <p:nvPr>
+            <p:ph type="body" idx="1"/>
+          </p:nvPr>
+        </p:nvSpPr>
+        <p:spPr>
+          <a:prstGeom prst="rect">
+            <a:avLst/>
+          </a:prstGeom>
+        </p:spPr>
+        <p:txBody>
+          <a:bodyPr/>
+          <a:lstStyle/>
+          <a:p>
+            <a:pPr lvl="1" marL="938463" indent="-481263">
               <a:spcBef>
-                <a:spcPts val="1400"/>
+                <a:spcPts val="1800"/>
               </a:spcBef>
-              <a:buClr>
-                <a:srgbClr val="000000"/>
-              </a:buClr>
-              <a:buSzPct val="45000"/>
-              <a:buChar char="●"/>
-              <a:defRPr spc="-100" sz="3200"/>
+              <a:defRPr spc="-125" sz="4000"/>
             </a:pPr>
             <a:r>
-              <a:t>Monday Lectures/Discussions</a:t>
-            </a:r>
-            <a:endParaRPr spc="-1"/>
-          </a:p>
-          <a:p>
-            <a:pPr marL="431999" indent="-323999">
+              <a:t>Look at the Material in Lectures</a:t>
+            </a:r>
+          </a:p>
+          <a:p>
+            <a:pPr lvl="1" marL="938463" indent="-481263">
               <a:spcBef>
-                <a:spcPts val="1400"/>
+                <a:spcPts val="1800"/>
               </a:spcBef>
-              <a:buClr>
-                <a:srgbClr val="000000"/>
-              </a:buClr>
-              <a:buSzPct val="45000"/>
-              <a:buChar char="●"/>
-              <a:defRPr spc="-100" sz="3200"/>
+              <a:defRPr spc="-125" sz="4000"/>
             </a:pPr>
             <a:r>
-              <a:t>Thursday in class labs – a mixture of programming, development, writing and discussion</a:t>
+              <a:t>Check out the additional resources:</a:t>
+            </a:r>
+          </a:p>
+          <a:p>
+            <a:pPr lvl="2" marL="1395663" indent="-481263">
+              <a:spcBef>
+                <a:spcPts val="1800"/>
+              </a:spcBef>
+              <a:defRPr spc="-125" sz="4000"/>
+            </a:pPr>
+            <a:r>
+              <a:t>CSCI-49XX-OpenSource/Reading-Material.md</a:t>
+            </a:r>
+          </a:p>
+        </p:txBody>
+      </p:sp>
+    </p:spTree>
+  </p:cSld>
+  <p:clrMapOvr>
+    <a:masterClrMapping/>
+  </p:clrMapOvr>
+  <p:transition xmlns:p14="http://schemas.microsoft.com/office/powerpoint/2010/main" spd="med" advClick="1"/>
+</p:sld>
+</file>
+
+<file path=ppt/slides/slide9.xml><?xml version="1.0" encoding="utf-8"?>
+<p:sld xmlns:a="http://schemas.openxmlformats.org/drawingml/2006/main" xmlns:r="http://schemas.openxmlformats.org/officeDocument/2006/relationships" xmlns:p="http://schemas.openxmlformats.org/presentationml/2006/main" xmlns:m="http://schemas.openxmlformats.org/officeDocument/2006/math" xmlns:a14="http://schemas.microsoft.com/office/drawing/2010/main" showMasterSp="1" showMasterPhAnim="1">
+  <p:cSld>
+    <p:spTree>
+      <p:nvGrpSpPr>
+        <p:cNvPr id="1" name=""/>
+        <p:cNvGrpSpPr/>
+        <p:nvPr/>
+      </p:nvGrpSpPr>
+      <p:grpSpPr>
+        <a:xfrm>
+          <a:off x="0" y="0"/>
+          <a:ext cx="0" cy="0"/>
+          <a:chOff x="0" y="0"/>
+          <a:chExt cx="0" cy="0"/>
+        </a:xfrm>
+      </p:grpSpPr>
+      <p:sp>
+        <p:nvSpPr>
+          <p:cNvPr id="144" name="TextShape 1"/>
+          <p:cNvSpPr txBox="1"/>
+          <p:nvPr/>
+        </p:nvSpPr>
+        <p:spPr>
+          <a:xfrm>
+            <a:off x="653273" y="778050"/>
+            <a:ext cx="11709278" cy="850901"/>
+          </a:xfrm>
+          <a:prstGeom prst="rect">
+            <a:avLst/>
+          </a:prstGeom>
+          <a:ln w="12700">
+            <a:miter lim="400000"/>
+          </a:ln>
+          <a:extLst>
+            <a:ext uri="{C572A759-6A51-4108-AA02-DFA0A04FC94B}">
+              <ma14:wrappingTextBoxFlag xmlns:ma14="http://schemas.microsoft.com/office/mac/drawingml/2011/main" val="1"/>
+            </a:ext>
+          </a:extLst>
+        </p:spPr>
+        <p:txBody>
+          <a:bodyPr lIns="0" tIns="0" rIns="0" bIns="0" anchor="ctr">
+            <a:spAutoFit/>
+          </a:bodyPr>
+          <a:lstStyle>
+            <a:lvl1pPr>
+              <a:defRPr spc="-1" sz="5600"/>
+            </a:lvl1pPr>
+          </a:lstStyle>
+          <a:p>
+            <a:pPr/>
+            <a:r>
+              <a:t>Lab Assistants</a:t>
+            </a:r>
+          </a:p>
+        </p:txBody>
+      </p:sp>
+      <p:sp>
+        <p:nvSpPr>
+          <p:cNvPr id="145" name="TextShape 2"/>
+          <p:cNvSpPr txBox="1"/>
+          <p:nvPr/>
+        </p:nvSpPr>
+        <p:spPr>
+          <a:xfrm>
+            <a:off x="653273" y="2283399"/>
+            <a:ext cx="11709278" cy="5659245"/>
+          </a:xfrm>
+          <a:prstGeom prst="rect">
+            <a:avLst/>
+          </a:prstGeom>
+          <a:ln w="12700">
+            <a:miter lim="400000"/>
+          </a:ln>
+          <a:extLst>
+            <a:ext uri="{C572A759-6A51-4108-AA02-DFA0A04FC94B}">
+              <ma14:wrappingTextBoxFlag xmlns:ma14="http://schemas.microsoft.com/office/mac/drawingml/2011/main" val="1"/>
+            </a:ext>
+          </a:extLst>
+        </p:spPr>
+        <p:txBody>
+          <a:bodyPr lIns="0" tIns="0" rIns="0" bIns="0" anchor="ctr">
+            <a:normAutofit fontScale="100000" lnSpcReduction="0"/>
+          </a:bodyPr>
+          <a:lstStyle/>
+          <a:p>
+            <a:pPr marL="481263" indent="-481263" algn="l" defTabSz="1180267">
+              <a:buSzPct val="75000"/>
+              <a:buChar char="•"/>
+              <a:defRPr spc="-1">
+                <a:latin typeface="Arial"/>
+                <a:ea typeface="Arial"/>
+                <a:cs typeface="Arial"/>
+                <a:sym typeface="Arial"/>
+              </a:defRPr>
+            </a:pPr>
+            <a:r>
+              <a:t>Byan Dieudonne dieudb@rpi.edu</a:t>
+            </a:r>
+          </a:p>
+          <a:p>
+            <a:pPr marL="481263" indent="-481263" algn="l" defTabSz="1180267">
+              <a:buSzPct val="75000"/>
+              <a:buChar char="•"/>
+              <a:defRPr spc="-1">
+                <a:latin typeface="Arial"/>
+                <a:ea typeface="Arial"/>
+                <a:cs typeface="Arial"/>
+                <a:sym typeface="Arial"/>
+              </a:defRPr>
+            </a:pPr>
+            <a:r>
+              <a:t>Dan McCrevan mccred@rpi.edu</a:t>
+            </a:r>
+          </a:p>
+          <a:p>
+            <a:pPr marL="481263" indent="-481263" algn="l" defTabSz="1180267">
+              <a:buSzPct val="75000"/>
+              <a:buChar char="•"/>
+              <a:defRPr spc="-1">
+                <a:latin typeface="Arial"/>
+                <a:ea typeface="Arial"/>
+                <a:cs typeface="Arial"/>
+                <a:sym typeface="Arial"/>
+              </a:defRPr>
+            </a:pPr>
+            <a:r>
+              <a:t>Adrian Collado collada@rpi.edu</a:t>
+            </a:r>
+          </a:p>
+          <a:p>
+            <a:pPr marL="481263" indent="-481263" algn="l" defTabSz="1180267">
+              <a:buSzPct val="75000"/>
+              <a:buChar char="•"/>
+              <a:defRPr spc="-1">
+                <a:latin typeface="Arial"/>
+                <a:ea typeface="Arial"/>
+                <a:cs typeface="Arial"/>
+                <a:sym typeface="Arial"/>
+              </a:defRPr>
+            </a:pPr>
+            <a:r>
+              <a:t>Olivier Poulin poulio@rpi.edu</a:t>
             </a:r>
           </a:p>
         </p:txBody>
@@ -5031,38 +4757,38 @@
 </file>
 
 <file path=ppt/theme/theme1.xml><?xml version="1.0" encoding="utf-8"?>
-<a:theme xmlns:a="http://schemas.openxmlformats.org/drawingml/2006/main" xmlns:r="http://schemas.openxmlformats.org/officeDocument/2006/relationships" name="Office Theme">
+<a:theme xmlns:a="http://schemas.openxmlformats.org/drawingml/2006/main" xmlns:r="http://schemas.openxmlformats.org/officeDocument/2006/relationships" name="Gradient">
   <a:themeElements>
-    <a:clrScheme name="Office Theme">
+    <a:clrScheme name="Gradient">
       <a:dk1>
-        <a:srgbClr val="000000"/>
+        <a:srgbClr val="FF0000"/>
       </a:dk1>
       <a:lt1>
-        <a:srgbClr val="000000"/>
+        <a:srgbClr val="FFFFFF"/>
       </a:lt1>
       <a:dk2>
-        <a:srgbClr val="A7A7A7"/>
+        <a:srgbClr val="53585F"/>
       </a:dk2>
       <a:lt2>
-        <a:srgbClr val="535353"/>
+        <a:srgbClr val="DCDEE0"/>
       </a:lt2>
       <a:accent1>
-        <a:srgbClr val="4F81BD"/>
+        <a:srgbClr val="0065C1"/>
       </a:accent1>
       <a:accent2>
-        <a:srgbClr val="C0504D"/>
+        <a:srgbClr val="189B1A"/>
       </a:accent2>
       <a:accent3>
-        <a:srgbClr val="9BBB59"/>
+        <a:srgbClr val="008C91"/>
       </a:accent3>
       <a:accent4>
-        <a:srgbClr val="8064A2"/>
+        <a:srgbClr val="5747C1"/>
       </a:accent4>
       <a:accent5>
-        <a:srgbClr val="4BACC6"/>
+        <a:srgbClr val="971817"/>
       </a:accent5>
       <a:accent6>
-        <a:srgbClr val="F79646"/>
+        <a:srgbClr val="BC8027"/>
       </a:accent6>
       <a:hlink>
         <a:srgbClr val="0000FF"/>
@@ -5071,19 +4797,19 @@
         <a:srgbClr val="FF00FF"/>
       </a:folHlink>
     </a:clrScheme>
-    <a:fontScheme name="Office Theme">
+    <a:fontScheme name="Gradient">
       <a:majorFont>
-        <a:latin typeface="Helvetica Neue"/>
-        <a:ea typeface="Helvetica Neue"/>
-        <a:cs typeface="Helvetica Neue"/>
+        <a:latin typeface="Helvetica Light"/>
+        <a:ea typeface="Helvetica Light"/>
+        <a:cs typeface="Helvetica Light"/>
       </a:majorFont>
       <a:minorFont>
-        <a:latin typeface="Helvetica"/>
-        <a:ea typeface="Helvetica"/>
-        <a:cs typeface="Helvetica"/>
+        <a:latin typeface="Helvetica Light"/>
+        <a:ea typeface="Helvetica Light"/>
+        <a:cs typeface="Helvetica Light"/>
       </a:minorFont>
     </a:fontScheme>
-    <a:fmtScheme name="Office Theme">
+    <a:fmtScheme name="Gradient">
       <a:fillStyleLst>
         <a:solidFill>
           <a:schemeClr val="phClr"/>
@@ -5157,27 +4883,27 @@
       <a:effectStyleLst>
         <a:effectStyle>
           <a:effectLst>
-            <a:outerShdw sx="100000" sy="100000" kx="0" ky="0" algn="b" rotWithShape="0" blurRad="38100" dist="23000" dir="5400000">
+            <a:outerShdw sx="100000" sy="100000" kx="0" ky="0" algn="b" rotWithShape="0" blurRad="76200" dist="0" dir="18900000">
               <a:srgbClr val="000000">
-                <a:alpha val="35000"/>
+                <a:alpha val="80000"/>
               </a:srgbClr>
             </a:outerShdw>
           </a:effectLst>
         </a:effectStyle>
         <a:effectStyle>
           <a:effectLst>
-            <a:outerShdw sx="100000" sy="100000" kx="0" ky="0" algn="b" rotWithShape="0" blurRad="38100" dist="23000" dir="5400000">
+            <a:outerShdw sx="100000" sy="100000" kx="0" ky="0" algn="b" rotWithShape="0" blurRad="76200" dist="0" dir="18900000">
               <a:srgbClr val="000000">
-                <a:alpha val="35000"/>
+                <a:alpha val="80000"/>
               </a:srgbClr>
             </a:outerShdw>
           </a:effectLst>
         </a:effectStyle>
         <a:effectStyle>
           <a:effectLst>
-            <a:outerShdw sx="100000" sy="100000" kx="0" ky="0" algn="b" rotWithShape="0" blurRad="38100" dist="20000" dir="5400000">
+            <a:outerShdw sx="100000" sy="100000" kx="0" ky="0" algn="b" rotWithShape="0" blurRad="76200" dist="0" dir="18900000">
               <a:srgbClr val="000000">
-                <a:alpha val="38000"/>
+                <a:alpha val="80000"/>
               </a:srgbClr>
             </a:outerShdw>
           </a:effectLst>
@@ -5238,30 +4964,39 @@
   <a:objectDefaults>
     <a:spDef>
       <a:spPr>
-        <a:solidFill>
-          <a:srgbClr val="FFFFFF"/>
-        </a:solidFill>
-        <a:ln w="25400" cap="flat">
-          <a:solidFill>
-            <a:schemeClr val="accent1"/>
-          </a:solidFill>
-          <a:prstDash val="solid"/>
-          <a:round/>
+        <a:gradFill flip="none" rotWithShape="1">
+          <a:gsLst>
+            <a:gs pos="0">
+              <a:schemeClr val="accent1"/>
+            </a:gs>
+            <a:gs pos="100000">
+              <a:schemeClr val="accent1">
+                <a:hueOff val="321133"/>
+                <a:satOff val="-12043"/>
+                <a:lumOff val="-7113"/>
+              </a:schemeClr>
+            </a:gs>
+          </a:gsLst>
+          <a:lin ang="5400000" scaled="0"/>
+        </a:gradFill>
+        <a:ln w="12700" cap="flat">
+          <a:noFill/>
+          <a:miter lim="400000"/>
         </a:ln>
         <a:effectLst>
-          <a:outerShdw sx="100000" sy="100000" kx="0" ky="0" algn="b" rotWithShape="0" blurRad="38100" dist="23000" dir="5400000">
+          <a:outerShdw sx="100000" sy="100000" kx="0" ky="0" algn="b" rotWithShape="0" blurRad="76200" dist="0" dir="18900000">
             <a:srgbClr val="000000">
-              <a:alpha val="35000"/>
+              <a:alpha val="80000"/>
             </a:srgbClr>
           </a:outerShdw>
         </a:effectLst>
         <a:sp3d/>
       </a:spPr>
-      <a:bodyPr rot="0" spcFirstLastPara="1" vertOverflow="overflow" horzOverflow="overflow" vert="horz" wrap="square" lIns="45719" tIns="45719" rIns="45719" bIns="45719" numCol="1" spcCol="38100" rtlCol="0" anchor="ctr" upright="0">
+      <a:bodyPr rot="0" spcFirstLastPara="1" vertOverflow="overflow" horzOverflow="overflow" vert="horz" wrap="square" lIns="50800" tIns="50800" rIns="50800" bIns="50800" numCol="1" spcCol="38100" rtlCol="0" anchor="ctr" upright="0">
         <a:spAutoFit/>
       </a:bodyPr>
       <a:lstStyle>
-        <a:defPPr marL="0" marR="0" indent="0" algn="l" defTabSz="914400" rtl="0" fontAlgn="auto" latinLnBrk="0" hangingPunct="0">
+        <a:defPPr marL="0" marR="0" indent="0" algn="ctr" defTabSz="584200" rtl="0" fontAlgn="auto" latinLnBrk="0" hangingPunct="0">
           <a:lnSpc>
             <a:spcPct val="100000"/>
           </a:lnSpc>
@@ -5276,19 +5011,25 @@
           <a:buFontTx/>
           <a:buNone/>
           <a:tabLst/>
-          <a:defRPr b="0" baseline="0" cap="none" i="0" spc="0" strike="noStrike" sz="1800" u="none" kumimoji="0" normalizeH="0">
+          <a:defRPr b="0" baseline="0" cap="none" i="0" spc="0" strike="noStrike" sz="2400" u="none" kumimoji="0" normalizeH="0">
             <a:ln>
               <a:noFill/>
             </a:ln>
             <a:solidFill>
-              <a:srgbClr val="000000"/>
+              <a:srgbClr val="FFFFFF"/>
             </a:solidFill>
-            <a:effectLst/>
+            <a:effectLst>
+              <a:outerShdw sx="100000" sy="100000" kx="0" ky="0" algn="b" rotWithShape="0" blurRad="25400" dist="23998" dir="2700000">
+                <a:srgbClr val="000000">
+                  <a:alpha val="31034"/>
+                </a:srgbClr>
+              </a:outerShdw>
+            </a:effectLst>
             <a:uFillTx/>
-            <a:latin typeface="Arial"/>
-            <a:ea typeface="Arial"/>
-            <a:cs typeface="Arial"/>
-            <a:sym typeface="Arial"/>
+            <a:latin typeface="+mn-lt"/>
+            <a:ea typeface="+mn-ea"/>
+            <a:cs typeface="+mn-cs"/>
+            <a:sym typeface="Helvetica Light"/>
           </a:defRPr>
         </a:defPPr>
         <a:lvl1pPr marL="0" marR="0" indent="0" algn="l" defTabSz="914400" rtl="0" fontAlgn="auto" latinLnBrk="1" hangingPunct="0">
@@ -5538,18 +5279,12 @@
         <a:noFill/>
         <a:ln w="25400" cap="flat">
           <a:solidFill>
-            <a:schemeClr val="accent1"/>
+            <a:srgbClr val="FFFFFF"/>
           </a:solidFill>
           <a:prstDash val="solid"/>
-          <a:round/>
+          <a:miter lim="400000"/>
         </a:ln>
-        <a:effectLst>
-          <a:outerShdw sx="100000" sy="100000" kx="0" ky="0" algn="b" rotWithShape="0" blurRad="38100" dist="20000" dir="5400000">
-            <a:srgbClr val="000000">
-              <a:alpha val="38000"/>
-            </a:srgbClr>
-          </a:outerShdw>
-        </a:effectLst>
+        <a:effectLst/>
         <a:sp3d/>
       </a:spPr>
       <a:bodyPr rot="0" spcFirstLastPara="1" vertOverflow="overflow" horzOverflow="overflow" vert="horz" wrap="square" lIns="91439" tIns="45719" rIns="91439" bIns="45719" numCol="1" spcCol="38100" rtlCol="0" anchor="t" upright="0">
@@ -5834,16 +5569,16 @@
         <a:effectLst/>
         <a:sp3d/>
       </a:spPr>
-      <a:bodyPr rot="0" spcFirstLastPara="1" vertOverflow="overflow" horzOverflow="overflow" vert="horz" wrap="square" lIns="45719" tIns="45719" rIns="45719" bIns="45719" numCol="1" spcCol="38100" rtlCol="0" anchor="t" upright="0">
+      <a:bodyPr rot="0" spcFirstLastPara="1" vertOverflow="overflow" horzOverflow="overflow" vert="horz" wrap="square" lIns="50800" tIns="50800" rIns="50800" bIns="50800" numCol="1" spcCol="38100" rtlCol="0" anchor="ctr" upright="0">
         <a:spAutoFit/>
       </a:bodyPr>
       <a:lstStyle>
-        <a:defPPr marL="0" marR="0" indent="0" algn="l" defTabSz="914400" rtl="0" fontAlgn="auto" latinLnBrk="0" hangingPunct="0">
+        <a:defPPr marL="0" marR="0" indent="0" algn="ctr" defTabSz="584200" rtl="0" fontAlgn="auto" latinLnBrk="0" hangingPunct="0">
           <a:lnSpc>
             <a:spcPct val="100000"/>
           </a:lnSpc>
           <a:spcBef>
-            <a:spcPts val="0"/>
+            <a:spcPts val="1800"/>
           </a:spcBef>
           <a:spcAft>
             <a:spcPts val="0"/>
@@ -5853,19 +5588,19 @@
           <a:buFontTx/>
           <a:buNone/>
           <a:tabLst/>
-          <a:defRPr b="0" baseline="0" cap="none" i="0" spc="0" strike="noStrike" sz="1800" u="none" kumimoji="0" normalizeH="0">
+          <a:defRPr b="0" baseline="0" cap="none" i="0" spc="-125" strike="noStrike" sz="4000" u="none" kumimoji="0" normalizeH="0">
             <a:ln>
               <a:noFill/>
             </a:ln>
             <a:solidFill>
-              <a:srgbClr val="000000"/>
+              <a:srgbClr val="FFFFFF"/>
             </a:solidFill>
             <a:effectLst/>
             <a:uFillTx/>
-            <a:latin typeface="Arial"/>
-            <a:ea typeface="Arial"/>
-            <a:cs typeface="Arial"/>
-            <a:sym typeface="Arial"/>
+            <a:latin typeface="+mn-lt"/>
+            <a:ea typeface="+mn-ea"/>
+            <a:cs typeface="+mn-cs"/>
+            <a:sym typeface="Helvetica Light"/>
           </a:defRPr>
         </a:defPPr>
         <a:lvl1pPr marL="0" marR="0" indent="0" algn="l" defTabSz="914400" rtl="0" fontAlgn="auto" latinLnBrk="1" hangingPunct="0">
@@ -6115,9 +5850,9 @@
 </file>
 
 <file path=ppt/theme/theme2.xml><?xml version="1.0" encoding="utf-8"?>
-<a:theme xmlns:a="http://schemas.openxmlformats.org/drawingml/2006/main" xmlns:r="http://schemas.openxmlformats.org/officeDocument/2006/relationships" name="Office Theme">
+<a:theme xmlns:a="http://schemas.openxmlformats.org/drawingml/2006/main" xmlns:r="http://schemas.openxmlformats.org/officeDocument/2006/relationships" name="Gradient">
   <a:themeElements>
-    <a:clrScheme name="Office Theme">
+    <a:clrScheme name="Gradient">
       <a:dk1>
         <a:srgbClr val="000000"/>
       </a:dk1>
@@ -6125,28 +5860,28 @@
         <a:srgbClr val="FFFFFF"/>
       </a:lt1>
       <a:dk2>
-        <a:srgbClr val="A7A7A7"/>
+        <a:srgbClr val="53585F"/>
       </a:dk2>
       <a:lt2>
-        <a:srgbClr val="535353"/>
+        <a:srgbClr val="DCDEE0"/>
       </a:lt2>
       <a:accent1>
-        <a:srgbClr val="4F81BD"/>
+        <a:srgbClr val="0065C1"/>
       </a:accent1>
       <a:accent2>
-        <a:srgbClr val="C0504D"/>
+        <a:srgbClr val="189B1A"/>
       </a:accent2>
       <a:accent3>
-        <a:srgbClr val="9BBB59"/>
+        <a:srgbClr val="008C91"/>
       </a:accent3>
       <a:accent4>
-        <a:srgbClr val="8064A2"/>
+        <a:srgbClr val="5747C1"/>
       </a:accent4>
       <a:accent5>
-        <a:srgbClr val="4BACC6"/>
+        <a:srgbClr val="971817"/>
       </a:accent5>
       <a:accent6>
-        <a:srgbClr val="F79646"/>
+        <a:srgbClr val="BC8027"/>
       </a:accent6>
       <a:hlink>
         <a:srgbClr val="0000FF"/>
@@ -6155,19 +5890,19 @@
         <a:srgbClr val="FF00FF"/>
       </a:folHlink>
     </a:clrScheme>
-    <a:fontScheme name="Office Theme">
+    <a:fontScheme name="Gradient">
       <a:majorFont>
-        <a:latin typeface="Helvetica Neue"/>
-        <a:ea typeface="Helvetica Neue"/>
-        <a:cs typeface="Helvetica Neue"/>
+        <a:latin typeface="Helvetica Light"/>
+        <a:ea typeface="Helvetica Light"/>
+        <a:cs typeface="Helvetica Light"/>
       </a:majorFont>
       <a:minorFont>
-        <a:latin typeface="Helvetica"/>
-        <a:ea typeface="Helvetica"/>
-        <a:cs typeface="Helvetica"/>
+        <a:latin typeface="Helvetica Light"/>
+        <a:ea typeface="Helvetica Light"/>
+        <a:cs typeface="Helvetica Light"/>
       </a:minorFont>
     </a:fontScheme>
-    <a:fmtScheme name="Office Theme">
+    <a:fmtScheme name="Gradient">
       <a:fillStyleLst>
         <a:solidFill>
           <a:schemeClr val="phClr"/>
@@ -6241,27 +5976,27 @@
       <a:effectStyleLst>
         <a:effectStyle>
           <a:effectLst>
-            <a:outerShdw sx="100000" sy="100000" kx="0" ky="0" algn="b" rotWithShape="0" blurRad="38100" dist="23000" dir="5400000">
+            <a:outerShdw sx="100000" sy="100000" kx="0" ky="0" algn="b" rotWithShape="0" blurRad="76200" dist="0" dir="18900000">
               <a:srgbClr val="000000">
-                <a:alpha val="35000"/>
+                <a:alpha val="80000"/>
               </a:srgbClr>
             </a:outerShdw>
           </a:effectLst>
         </a:effectStyle>
         <a:effectStyle>
           <a:effectLst>
-            <a:outerShdw sx="100000" sy="100000" kx="0" ky="0" algn="b" rotWithShape="0" blurRad="38100" dist="23000" dir="5400000">
+            <a:outerShdw sx="100000" sy="100000" kx="0" ky="0" algn="b" rotWithShape="0" blurRad="76200" dist="0" dir="18900000">
               <a:srgbClr val="000000">
-                <a:alpha val="35000"/>
+                <a:alpha val="80000"/>
               </a:srgbClr>
             </a:outerShdw>
           </a:effectLst>
         </a:effectStyle>
         <a:effectStyle>
           <a:effectLst>
-            <a:outerShdw sx="100000" sy="100000" kx="0" ky="0" algn="b" rotWithShape="0" blurRad="38100" dist="20000" dir="5400000">
+            <a:outerShdw sx="100000" sy="100000" kx="0" ky="0" algn="b" rotWithShape="0" blurRad="76200" dist="0" dir="18900000">
               <a:srgbClr val="000000">
-                <a:alpha val="38000"/>
+                <a:alpha val="80000"/>
               </a:srgbClr>
             </a:outerShdw>
           </a:effectLst>
@@ -6322,30 +6057,39 @@
   <a:objectDefaults>
     <a:spDef>
       <a:spPr>
-        <a:solidFill>
-          <a:srgbClr val="FFFFFF"/>
-        </a:solidFill>
-        <a:ln w="25400" cap="flat">
-          <a:solidFill>
-            <a:schemeClr val="accent1"/>
-          </a:solidFill>
-          <a:prstDash val="solid"/>
-          <a:round/>
+        <a:gradFill flip="none" rotWithShape="1">
+          <a:gsLst>
+            <a:gs pos="0">
+              <a:schemeClr val="accent1"/>
+            </a:gs>
+            <a:gs pos="100000">
+              <a:schemeClr val="accent1">
+                <a:hueOff val="321133"/>
+                <a:satOff val="-12043"/>
+                <a:lumOff val="-7113"/>
+              </a:schemeClr>
+            </a:gs>
+          </a:gsLst>
+          <a:lin ang="5400000" scaled="0"/>
+        </a:gradFill>
+        <a:ln w="12700" cap="flat">
+          <a:noFill/>
+          <a:miter lim="400000"/>
         </a:ln>
         <a:effectLst>
-          <a:outerShdw sx="100000" sy="100000" kx="0" ky="0" algn="b" rotWithShape="0" blurRad="38100" dist="23000" dir="5400000">
+          <a:outerShdw sx="100000" sy="100000" kx="0" ky="0" algn="b" rotWithShape="0" blurRad="76200" dist="0" dir="18900000">
             <a:srgbClr val="000000">
-              <a:alpha val="35000"/>
+              <a:alpha val="80000"/>
             </a:srgbClr>
           </a:outerShdw>
         </a:effectLst>
         <a:sp3d/>
       </a:spPr>
-      <a:bodyPr rot="0" spcFirstLastPara="1" vertOverflow="overflow" horzOverflow="overflow" vert="horz" wrap="square" lIns="45719" tIns="45719" rIns="45719" bIns="45719" numCol="1" spcCol="38100" rtlCol="0" anchor="ctr" upright="0">
+      <a:bodyPr rot="0" spcFirstLastPara="1" vertOverflow="overflow" horzOverflow="overflow" vert="horz" wrap="square" lIns="50800" tIns="50800" rIns="50800" bIns="50800" numCol="1" spcCol="38100" rtlCol="0" anchor="ctr" upright="0">
         <a:spAutoFit/>
       </a:bodyPr>
       <a:lstStyle>
-        <a:defPPr marL="0" marR="0" indent="0" algn="l" defTabSz="914400" rtl="0" fontAlgn="auto" latinLnBrk="0" hangingPunct="0">
+        <a:defPPr marL="0" marR="0" indent="0" algn="ctr" defTabSz="584200" rtl="0" fontAlgn="auto" latinLnBrk="0" hangingPunct="0">
           <a:lnSpc>
             <a:spcPct val="100000"/>
           </a:lnSpc>
@@ -6360,19 +6104,25 @@
           <a:buFontTx/>
           <a:buNone/>
           <a:tabLst/>
-          <a:defRPr b="0" baseline="0" cap="none" i="0" spc="0" strike="noStrike" sz="1800" u="none" kumimoji="0" normalizeH="0">
+          <a:defRPr b="0" baseline="0" cap="none" i="0" spc="0" strike="noStrike" sz="2400" u="none" kumimoji="0" normalizeH="0">
             <a:ln>
               <a:noFill/>
             </a:ln>
             <a:solidFill>
-              <a:srgbClr val="000000"/>
+              <a:srgbClr val="FFFFFF"/>
             </a:solidFill>
-            <a:effectLst/>
+            <a:effectLst>
+              <a:outerShdw sx="100000" sy="100000" kx="0" ky="0" algn="b" rotWithShape="0" blurRad="25400" dist="23998" dir="2700000">
+                <a:srgbClr val="000000">
+                  <a:alpha val="31034"/>
+                </a:srgbClr>
+              </a:outerShdw>
+            </a:effectLst>
             <a:uFillTx/>
-            <a:latin typeface="Arial"/>
-            <a:ea typeface="Arial"/>
-            <a:cs typeface="Arial"/>
-            <a:sym typeface="Arial"/>
+            <a:latin typeface="+mn-lt"/>
+            <a:ea typeface="+mn-ea"/>
+            <a:cs typeface="+mn-cs"/>
+            <a:sym typeface="Helvetica Light"/>
           </a:defRPr>
         </a:defPPr>
         <a:lvl1pPr marL="0" marR="0" indent="0" algn="l" defTabSz="914400" rtl="0" fontAlgn="auto" latinLnBrk="1" hangingPunct="0">
@@ -6622,18 +6372,12 @@
         <a:noFill/>
         <a:ln w="25400" cap="flat">
           <a:solidFill>
-            <a:schemeClr val="accent1"/>
+            <a:srgbClr val="FFFFFF"/>
           </a:solidFill>
           <a:prstDash val="solid"/>
-          <a:round/>
+          <a:miter lim="400000"/>
         </a:ln>
-        <a:effectLst>
-          <a:outerShdw sx="100000" sy="100000" kx="0" ky="0" algn="b" rotWithShape="0" blurRad="38100" dist="20000" dir="5400000">
-            <a:srgbClr val="000000">
-              <a:alpha val="38000"/>
-            </a:srgbClr>
-          </a:outerShdw>
-        </a:effectLst>
+        <a:effectLst/>
         <a:sp3d/>
       </a:spPr>
       <a:bodyPr rot="0" spcFirstLastPara="1" vertOverflow="overflow" horzOverflow="overflow" vert="horz" wrap="square" lIns="91439" tIns="45719" rIns="91439" bIns="45719" numCol="1" spcCol="38100" rtlCol="0" anchor="t" upright="0">
@@ -6918,16 +6662,16 @@
         <a:effectLst/>
         <a:sp3d/>
       </a:spPr>
-      <a:bodyPr rot="0" spcFirstLastPara="1" vertOverflow="overflow" horzOverflow="overflow" vert="horz" wrap="square" lIns="45719" tIns="45719" rIns="45719" bIns="45719" numCol="1" spcCol="38100" rtlCol="0" anchor="t" upright="0">
+      <a:bodyPr rot="0" spcFirstLastPara="1" vertOverflow="overflow" horzOverflow="overflow" vert="horz" wrap="square" lIns="50800" tIns="50800" rIns="50800" bIns="50800" numCol="1" spcCol="38100" rtlCol="0" anchor="ctr" upright="0">
         <a:spAutoFit/>
       </a:bodyPr>
       <a:lstStyle>
-        <a:defPPr marL="0" marR="0" indent="0" algn="l" defTabSz="914400" rtl="0" fontAlgn="auto" latinLnBrk="0" hangingPunct="0">
+        <a:defPPr marL="0" marR="0" indent="0" algn="ctr" defTabSz="584200" rtl="0" fontAlgn="auto" latinLnBrk="0" hangingPunct="0">
           <a:lnSpc>
             <a:spcPct val="100000"/>
           </a:lnSpc>
           <a:spcBef>
-            <a:spcPts val="0"/>
+            <a:spcPts val="1800"/>
           </a:spcBef>
           <a:spcAft>
             <a:spcPts val="0"/>
@@ -6937,19 +6681,19 @@
           <a:buFontTx/>
           <a:buNone/>
           <a:tabLst/>
-          <a:defRPr b="0" baseline="0" cap="none" i="0" spc="0" strike="noStrike" sz="1800" u="none" kumimoji="0" normalizeH="0">
+          <a:defRPr b="0" baseline="0" cap="none" i="0" spc="-125" strike="noStrike" sz="4000" u="none" kumimoji="0" normalizeH="0">
             <a:ln>
               <a:noFill/>
             </a:ln>
             <a:solidFill>
-              <a:srgbClr val="000000"/>
+              <a:srgbClr val="FFFFFF"/>
             </a:solidFill>
             <a:effectLst/>
             <a:uFillTx/>
-            <a:latin typeface="Arial"/>
-            <a:ea typeface="Arial"/>
-            <a:cs typeface="Arial"/>
-            <a:sym typeface="Arial"/>
+            <a:latin typeface="+mn-lt"/>
+            <a:ea typeface="+mn-ea"/>
+            <a:cs typeface="+mn-cs"/>
+            <a:sym typeface="Helvetica Light"/>
           </a:defRPr>
         </a:defPPr>
         <a:lvl1pPr marL="0" marR="0" indent="0" algn="l" defTabSz="914400" rtl="0" fontAlgn="auto" latinLnBrk="1" hangingPunct="0">
